--- a/Slides and materials/WorkedExample_GLMM_Counts.pptx
+++ b/Slides and materials/WorkedExample_GLMM_Counts.pptx
@@ -5,7 +5,7 @@
     <p:sldMasterId id="2147483648" r:id="rId1"/>
   </p:sldMasterIdLst>
   <p:notesMasterIdLst>
-    <p:notesMasterId r:id="rId26"/>
+    <p:notesMasterId r:id="rId37"/>
   </p:notesMasterIdLst>
   <p:sldIdLst>
     <p:sldId id="539" r:id="rId2"/>
@@ -14,24 +14,35 @@
     <p:sldId id="526" r:id="rId5"/>
     <p:sldId id="532" r:id="rId6"/>
     <p:sldId id="541" r:id="rId7"/>
-    <p:sldId id="543" r:id="rId8"/>
-    <p:sldId id="542" r:id="rId9"/>
-    <p:sldId id="544" r:id="rId10"/>
-    <p:sldId id="545" r:id="rId11"/>
-    <p:sldId id="546" r:id="rId12"/>
-    <p:sldId id="547" r:id="rId13"/>
-    <p:sldId id="548" r:id="rId14"/>
-    <p:sldId id="534" r:id="rId15"/>
-    <p:sldId id="535" r:id="rId16"/>
-    <p:sldId id="507" r:id="rId17"/>
-    <p:sldId id="549" r:id="rId18"/>
-    <p:sldId id="536" r:id="rId19"/>
-    <p:sldId id="550" r:id="rId20"/>
-    <p:sldId id="551" r:id="rId21"/>
-    <p:sldId id="537" r:id="rId22"/>
-    <p:sldId id="552" r:id="rId23"/>
-    <p:sldId id="538" r:id="rId24"/>
-    <p:sldId id="533" r:id="rId25"/>
+    <p:sldId id="559" r:id="rId8"/>
+    <p:sldId id="543" r:id="rId9"/>
+    <p:sldId id="542" r:id="rId10"/>
+    <p:sldId id="544" r:id="rId11"/>
+    <p:sldId id="500" r:id="rId12"/>
+    <p:sldId id="503" r:id="rId13"/>
+    <p:sldId id="504" r:id="rId14"/>
+    <p:sldId id="560" r:id="rId15"/>
+    <p:sldId id="545" r:id="rId16"/>
+    <p:sldId id="546" r:id="rId17"/>
+    <p:sldId id="547" r:id="rId18"/>
+    <p:sldId id="548" r:id="rId19"/>
+    <p:sldId id="534" r:id="rId20"/>
+    <p:sldId id="507" r:id="rId21"/>
+    <p:sldId id="553" r:id="rId22"/>
+    <p:sldId id="535" r:id="rId23"/>
+    <p:sldId id="555" r:id="rId24"/>
+    <p:sldId id="554" r:id="rId25"/>
+    <p:sldId id="549" r:id="rId26"/>
+    <p:sldId id="556" r:id="rId27"/>
+    <p:sldId id="536" r:id="rId28"/>
+    <p:sldId id="550" r:id="rId29"/>
+    <p:sldId id="551" r:id="rId30"/>
+    <p:sldId id="537" r:id="rId31"/>
+    <p:sldId id="557" r:id="rId32"/>
+    <p:sldId id="552" r:id="rId33"/>
+    <p:sldId id="538" r:id="rId34"/>
+    <p:sldId id="558" r:id="rId35"/>
+    <p:sldId id="533" r:id="rId36"/>
   </p:sldIdLst>
   <p:sldSz cx="12192000" cy="6858000"/>
   <p:notesSz cx="6858000" cy="9144000"/>
@@ -130,13 +141,18 @@
       </a:defRPr>
     </a:lvl9pPr>
   </p:defaultTextStyle>
+  <p:extLst>
+    <p:ext uri="{EFAFB233-063F-42B5-8137-9DF3F51BA10A}">
+      <p15:sldGuideLst xmlns:p15="http://schemas.microsoft.com/office/powerpoint/2012/main"/>
+    </p:ext>
+  </p:extLst>
 </p:presentation>
 </file>
 
 <file path=ppt/revisionInfo.xml><?xml version="1.0" encoding="utf-8"?>
 <p1510:revInfo xmlns:a="http://schemas.openxmlformats.org/drawingml/2006/main" xmlns:r="http://schemas.openxmlformats.org/officeDocument/2006/relationships" xmlns:p1510="http://schemas.microsoft.com/office/powerpoint/2015/10/main">
   <p1510:revLst>
-    <p1510:client id="{FB79AC2A-0317-4D91-91C8-9DEC31FB803B}" v="135" dt="2025-05-22T21:03:36.567"/>
+    <p1510:client id="{FB79AC2A-0317-4D91-91C8-9DEC31FB803B}" v="137" dt="2025-05-23T18:50:39.988"/>
   </p1510:revLst>
 </p1510:revInfo>
 </file>
@@ -146,7 +162,7 @@
   <pc:docChgLst>
     <pc:chgData name="Hahn, Phil" userId="2d5c7d3c-1ebc-4c64-a257-24a55868d9d9" providerId="ADAL" clId="{FB79AC2A-0317-4D91-91C8-9DEC31FB803B}"/>
     <pc:docChg chg="undo redo custSel addSld delSld modSld sldOrd">
-      <pc:chgData name="Hahn, Phil" userId="2d5c7d3c-1ebc-4c64-a257-24a55868d9d9" providerId="ADAL" clId="{FB79AC2A-0317-4D91-91C8-9DEC31FB803B}" dt="2025-05-22T21:02:42.366" v="2397" actId="1076"/>
+      <pc:chgData name="Hahn, Phil" userId="2d5c7d3c-1ebc-4c64-a257-24a55868d9d9" providerId="ADAL" clId="{FB79AC2A-0317-4D91-91C8-9DEC31FB803B}" dt="2025-05-23T18:50:40.040" v="2887" actId="27636"/>
       <pc:docMkLst>
         <pc:docMk/>
       </pc:docMkLst>
@@ -225,12 +241,20 @@
           <pc:sldMk cId="2523731228" sldId="491"/>
         </pc:sldMkLst>
       </pc:sldChg>
-      <pc:sldChg chg="del">
-        <pc:chgData name="Hahn, Phil" userId="2d5c7d3c-1ebc-4c64-a257-24a55868d9d9" providerId="ADAL" clId="{FB79AC2A-0317-4D91-91C8-9DEC31FB803B}" dt="2025-05-22T20:07:52.336" v="706" actId="47"/>
+      <pc:sldChg chg="modSp add del mod">
+        <pc:chgData name="Hahn, Phil" userId="2d5c7d3c-1ebc-4c64-a257-24a55868d9d9" providerId="ADAL" clId="{FB79AC2A-0317-4D91-91C8-9DEC31FB803B}" dt="2025-05-23T18:50:40.040" v="2887" actId="27636"/>
         <pc:sldMkLst>
           <pc:docMk/>
           <pc:sldMk cId="2512093691" sldId="500"/>
         </pc:sldMkLst>
+        <pc:spChg chg="mod">
+          <ac:chgData name="Hahn, Phil" userId="2d5c7d3c-1ebc-4c64-a257-24a55868d9d9" providerId="ADAL" clId="{FB79AC2A-0317-4D91-91C8-9DEC31FB803B}" dt="2025-05-23T18:50:40.040" v="2887" actId="27636"/>
+          <ac:spMkLst>
+            <pc:docMk/>
+            <pc:sldMk cId="2512093691" sldId="500"/>
+            <ac:spMk id="3" creationId="{66E21533-CB43-41D2-874D-8647E30A408B}"/>
+          </ac:spMkLst>
+        </pc:spChg>
       </pc:sldChg>
       <pc:sldChg chg="del">
         <pc:chgData name="Hahn, Phil" userId="2d5c7d3c-1ebc-4c64-a257-24a55868d9d9" providerId="ADAL" clId="{FB79AC2A-0317-4D91-91C8-9DEC31FB803B}" dt="2025-05-22T20:07:52.336" v="706" actId="47"/>
@@ -239,15 +263,22 @@
           <pc:sldMk cId="413014353" sldId="501"/>
         </pc:sldMkLst>
       </pc:sldChg>
-      <pc:sldChg chg="del">
-        <pc:chgData name="Hahn, Phil" userId="2d5c7d3c-1ebc-4c64-a257-24a55868d9d9" providerId="ADAL" clId="{FB79AC2A-0317-4D91-91C8-9DEC31FB803B}" dt="2025-05-22T20:07:52.336" v="706" actId="47"/>
+      <pc:sldChg chg="add">
+        <pc:chgData name="Hahn, Phil" userId="2d5c7d3c-1ebc-4c64-a257-24a55868d9d9" providerId="ADAL" clId="{FB79AC2A-0317-4D91-91C8-9DEC31FB803B}" dt="2025-05-23T18:50:39.985" v="2886"/>
+        <pc:sldMkLst>
+          <pc:docMk/>
+          <pc:sldMk cId="1535460125" sldId="503"/>
+        </pc:sldMkLst>
+      </pc:sldChg>
+      <pc:sldChg chg="add del">
+        <pc:chgData name="Hahn, Phil" userId="2d5c7d3c-1ebc-4c64-a257-24a55868d9d9" providerId="ADAL" clId="{FB79AC2A-0317-4D91-91C8-9DEC31FB803B}" dt="2025-05-23T18:50:39.985" v="2886"/>
         <pc:sldMkLst>
           <pc:docMk/>
           <pc:sldMk cId="2064534217" sldId="504"/>
         </pc:sldMkLst>
       </pc:sldChg>
-      <pc:sldChg chg="addSp delSp modSp mod delAnim chgLayout">
-        <pc:chgData name="Hahn, Phil" userId="2d5c7d3c-1ebc-4c64-a257-24a55868d9d9" providerId="ADAL" clId="{FB79AC2A-0317-4D91-91C8-9DEC31FB803B}" dt="2025-05-22T20:34:45.223" v="1666" actId="20577"/>
+      <pc:sldChg chg="addSp delSp modSp mod ord delAnim chgLayout">
+        <pc:chgData name="Hahn, Phil" userId="2d5c7d3c-1ebc-4c64-a257-24a55868d9d9" providerId="ADAL" clId="{FB79AC2A-0317-4D91-91C8-9DEC31FB803B}" dt="2025-05-23T18:16:54.891" v="2503"/>
         <pc:sldMkLst>
           <pc:docMk/>
           <pc:sldMk cId="2832366463" sldId="507"/>
@@ -486,7 +517,7 @@
         </pc:picChg>
       </pc:sldChg>
       <pc:sldChg chg="addSp delSp modSp mod delAnim modAnim">
-        <pc:chgData name="Hahn, Phil" userId="2d5c7d3c-1ebc-4c64-a257-24a55868d9d9" providerId="ADAL" clId="{FB79AC2A-0317-4D91-91C8-9DEC31FB803B}" dt="2025-05-22T20:31:19.831" v="1264"/>
+        <pc:chgData name="Hahn, Phil" userId="2d5c7d3c-1ebc-4c64-a257-24a55868d9d9" providerId="ADAL" clId="{FB79AC2A-0317-4D91-91C8-9DEC31FB803B}" dt="2025-05-23T18:18:09.746" v="2505" actId="478"/>
         <pc:sldMkLst>
           <pc:docMk/>
           <pc:sldMk cId="2164730604" sldId="535"/>
@@ -539,16 +570,16 @@
             <ac:spMk id="16" creationId="{4D9DF24B-BC12-BFF4-43BF-10D24B2311CB}"/>
           </ac:spMkLst>
         </pc:spChg>
-        <pc:spChg chg="add mod">
-          <ac:chgData name="Hahn, Phil" userId="2d5c7d3c-1ebc-4c64-a257-24a55868d9d9" providerId="ADAL" clId="{FB79AC2A-0317-4D91-91C8-9DEC31FB803B}" dt="2025-05-22T20:28:18.994" v="1085" actId="1036"/>
+        <pc:spChg chg="add del mod">
+          <ac:chgData name="Hahn, Phil" userId="2d5c7d3c-1ebc-4c64-a257-24a55868d9d9" providerId="ADAL" clId="{FB79AC2A-0317-4D91-91C8-9DEC31FB803B}" dt="2025-05-23T18:18:09.746" v="2505" actId="478"/>
           <ac:spMkLst>
             <pc:docMk/>
             <pc:sldMk cId="2164730604" sldId="535"/>
             <ac:spMk id="18" creationId="{82AADD90-943F-4882-0DF4-0F6BC3A9C853}"/>
           </ac:spMkLst>
         </pc:spChg>
-        <pc:spChg chg="add mod">
-          <ac:chgData name="Hahn, Phil" userId="2d5c7d3c-1ebc-4c64-a257-24a55868d9d9" providerId="ADAL" clId="{FB79AC2A-0317-4D91-91C8-9DEC31FB803B}" dt="2025-05-22T20:28:29.473" v="1087" actId="20577"/>
+        <pc:spChg chg="add del mod">
+          <ac:chgData name="Hahn, Phil" userId="2d5c7d3c-1ebc-4c64-a257-24a55868d9d9" providerId="ADAL" clId="{FB79AC2A-0317-4D91-91C8-9DEC31FB803B}" dt="2025-05-23T18:18:09.746" v="2505" actId="478"/>
           <ac:spMkLst>
             <pc:docMk/>
             <pc:sldMk cId="2164730604" sldId="535"/>
@@ -556,15 +587,15 @@
           </ac:spMkLst>
         </pc:spChg>
         <pc:spChg chg="add del mod">
-          <ac:chgData name="Hahn, Phil" userId="2d5c7d3c-1ebc-4c64-a257-24a55868d9d9" providerId="ADAL" clId="{FB79AC2A-0317-4D91-91C8-9DEC31FB803B}" dt="2025-05-22T20:29:16.673" v="1095" actId="208"/>
+          <ac:chgData name="Hahn, Phil" userId="2d5c7d3c-1ebc-4c64-a257-24a55868d9d9" providerId="ADAL" clId="{FB79AC2A-0317-4D91-91C8-9DEC31FB803B}" dt="2025-05-23T18:18:09.746" v="2505" actId="478"/>
           <ac:spMkLst>
             <pc:docMk/>
             <pc:sldMk cId="2164730604" sldId="535"/>
             <ac:spMk id="22" creationId="{1D4DCCED-C933-E412-F01C-68187B83A6FE}"/>
           </ac:spMkLst>
         </pc:spChg>
-        <pc:spChg chg="add mod">
-          <ac:chgData name="Hahn, Phil" userId="2d5c7d3c-1ebc-4c64-a257-24a55868d9d9" providerId="ADAL" clId="{FB79AC2A-0317-4D91-91C8-9DEC31FB803B}" dt="2025-05-22T20:30:43.485" v="1259" actId="1076"/>
+        <pc:spChg chg="add del mod">
+          <ac:chgData name="Hahn, Phil" userId="2d5c7d3c-1ebc-4c64-a257-24a55868d9d9" providerId="ADAL" clId="{FB79AC2A-0317-4D91-91C8-9DEC31FB803B}" dt="2025-05-23T18:18:09.746" v="2505" actId="478"/>
           <ac:spMkLst>
             <pc:docMk/>
             <pc:sldMk cId="2164730604" sldId="535"/>
@@ -619,16 +650,16 @@
             <ac:cxnSpMk id="15" creationId="{BBAC7095-AB64-74E5-78E8-FF35B2AD64CC}"/>
           </ac:cxnSpMkLst>
         </pc:cxnChg>
-        <pc:cxnChg chg="add mod">
-          <ac:chgData name="Hahn, Phil" userId="2d5c7d3c-1ebc-4c64-a257-24a55868d9d9" providerId="ADAL" clId="{FB79AC2A-0317-4D91-91C8-9DEC31FB803B}" dt="2025-05-22T20:26:06.566" v="983" actId="1076"/>
+        <pc:cxnChg chg="add del mod">
+          <ac:chgData name="Hahn, Phil" userId="2d5c7d3c-1ebc-4c64-a257-24a55868d9d9" providerId="ADAL" clId="{FB79AC2A-0317-4D91-91C8-9DEC31FB803B}" dt="2025-05-23T18:18:09.746" v="2505" actId="478"/>
           <ac:cxnSpMkLst>
             <pc:docMk/>
             <pc:sldMk cId="2164730604" sldId="535"/>
             <ac:cxnSpMk id="19" creationId="{F257652B-4D6D-C5E8-016E-3030DE4ADD78}"/>
           </ac:cxnSpMkLst>
         </pc:cxnChg>
-        <pc:cxnChg chg="add mod">
-          <ac:chgData name="Hahn, Phil" userId="2d5c7d3c-1ebc-4c64-a257-24a55868d9d9" providerId="ADAL" clId="{FB79AC2A-0317-4D91-91C8-9DEC31FB803B}" dt="2025-05-22T20:29:34.975" v="1101" actId="14100"/>
+        <pc:cxnChg chg="add del mod">
+          <ac:chgData name="Hahn, Phil" userId="2d5c7d3c-1ebc-4c64-a257-24a55868d9d9" providerId="ADAL" clId="{FB79AC2A-0317-4D91-91C8-9DEC31FB803B}" dt="2025-05-23T18:18:09.746" v="2505" actId="478"/>
           <ac:cxnSpMkLst>
             <pc:docMk/>
             <pc:sldMk cId="2164730604" sldId="535"/>
@@ -1053,7 +1084,7 @@
         </pc:picChg>
       </pc:sldChg>
       <pc:sldChg chg="addSp delSp modSp add mod modAnim">
-        <pc:chgData name="Hahn, Phil" userId="2d5c7d3c-1ebc-4c64-a257-24a55868d9d9" providerId="ADAL" clId="{FB79AC2A-0317-4D91-91C8-9DEC31FB803B}" dt="2025-05-22T19:46:16.975" v="550" actId="1076"/>
+        <pc:chgData name="Hahn, Phil" userId="2d5c7d3c-1ebc-4c64-a257-24a55868d9d9" providerId="ADAL" clId="{FB79AC2A-0317-4D91-91C8-9DEC31FB803B}" dt="2025-05-23T18:13:04.339" v="2466" actId="1076"/>
         <pc:sldMkLst>
           <pc:docMk/>
           <pc:sldMk cId="203590955" sldId="544"/>
@@ -1064,6 +1095,14 @@
             <pc:docMk/>
             <pc:sldMk cId="203590955" sldId="544"/>
             <ac:spMk id="2" creationId="{480212FF-A54D-4931-1B63-7DFCC7173481}"/>
+          </ac:spMkLst>
+        </pc:spChg>
+        <pc:spChg chg="add mod">
+          <ac:chgData name="Hahn, Phil" userId="2d5c7d3c-1ebc-4c64-a257-24a55868d9d9" providerId="ADAL" clId="{FB79AC2A-0317-4D91-91C8-9DEC31FB803B}" dt="2025-05-23T18:13:04.339" v="2466" actId="1076"/>
+          <ac:spMkLst>
+            <pc:docMk/>
+            <pc:sldMk cId="203590955" sldId="544"/>
+            <ac:spMk id="3" creationId="{FACAE2C0-5BDA-2F5E-9689-E2A062C419F4}"/>
           </ac:spMkLst>
         </pc:spChg>
         <pc:spChg chg="del">
@@ -1368,7 +1407,7 @@
         </pc:inkChg>
       </pc:sldChg>
       <pc:sldChg chg="addSp delSp modSp add mod ord modClrScheme delAnim chgLayout">
-        <pc:chgData name="Hahn, Phil" userId="2d5c7d3c-1ebc-4c64-a257-24a55868d9d9" providerId="ADAL" clId="{FB79AC2A-0317-4D91-91C8-9DEC31FB803B}" dt="2025-05-22T20:45:49.444" v="1846" actId="1076"/>
+        <pc:chgData name="Hahn, Phil" userId="2d5c7d3c-1ebc-4c64-a257-24a55868d9d9" providerId="ADAL" clId="{FB79AC2A-0317-4D91-91C8-9DEC31FB803B}" dt="2025-05-23T18:20:11.514" v="2676" actId="1076"/>
         <pc:sldMkLst>
           <pc:docMk/>
           <pc:sldMk cId="3897968319" sldId="549"/>
@@ -1382,7 +1421,7 @@
           </ac:spMkLst>
         </pc:spChg>
         <pc:spChg chg="add mod ord">
-          <ac:chgData name="Hahn, Phil" userId="2d5c7d3c-1ebc-4c64-a257-24a55868d9d9" providerId="ADAL" clId="{FB79AC2A-0317-4D91-91C8-9DEC31FB803B}" dt="2025-05-22T20:45:41.050" v="1843" actId="20577"/>
+          <ac:chgData name="Hahn, Phil" userId="2d5c7d3c-1ebc-4c64-a257-24a55868d9d9" providerId="ADAL" clId="{FB79AC2A-0317-4D91-91C8-9DEC31FB803B}" dt="2025-05-23T18:20:07.870" v="2675" actId="20577"/>
           <ac:spMkLst>
             <pc:docMk/>
             <pc:sldMk cId="3897968319" sldId="549"/>
@@ -1390,7 +1429,7 @@
           </ac:spMkLst>
         </pc:spChg>
         <pc:picChg chg="mod">
-          <ac:chgData name="Hahn, Phil" userId="2d5c7d3c-1ebc-4c64-a257-24a55868d9d9" providerId="ADAL" clId="{FB79AC2A-0317-4D91-91C8-9DEC31FB803B}" dt="2025-05-22T20:45:49.444" v="1846" actId="1076"/>
+          <ac:chgData name="Hahn, Phil" userId="2d5c7d3c-1ebc-4c64-a257-24a55868d9d9" providerId="ADAL" clId="{FB79AC2A-0317-4D91-91C8-9DEC31FB803B}" dt="2025-05-23T18:20:11.514" v="2676" actId="1076"/>
           <ac:picMkLst>
             <pc:docMk/>
             <pc:sldMk cId="3897968319" sldId="549"/>
@@ -1530,6 +1569,205 @@
             <ac:inkMk id="7" creationId="{07A59DA5-F336-1881-0B71-1164D201DABA}"/>
           </ac:inkMkLst>
         </pc:inkChg>
+      </pc:sldChg>
+      <pc:sldChg chg="modSp add mod ord">
+        <pc:chgData name="Hahn, Phil" userId="2d5c7d3c-1ebc-4c64-a257-24a55868d9d9" providerId="ADAL" clId="{FB79AC2A-0317-4D91-91C8-9DEC31FB803B}" dt="2025-05-23T18:16:54.891" v="2503"/>
+        <pc:sldMkLst>
+          <pc:docMk/>
+          <pc:sldMk cId="1885825590" sldId="553"/>
+        </pc:sldMkLst>
+        <pc:spChg chg="mod">
+          <ac:chgData name="Hahn, Phil" userId="2d5c7d3c-1ebc-4c64-a257-24a55868d9d9" providerId="ADAL" clId="{FB79AC2A-0317-4D91-91C8-9DEC31FB803B}" dt="2025-05-23T18:16:41.545" v="2501" actId="20577"/>
+          <ac:spMkLst>
+            <pc:docMk/>
+            <pc:sldMk cId="1885825590" sldId="553"/>
+            <ac:spMk id="3" creationId="{A52A558E-43E0-E9B1-6A84-883011522F32}"/>
+          </ac:spMkLst>
+        </pc:spChg>
+      </pc:sldChg>
+      <pc:sldChg chg="add">
+        <pc:chgData name="Hahn, Phil" userId="2d5c7d3c-1ebc-4c64-a257-24a55868d9d9" providerId="ADAL" clId="{FB79AC2A-0317-4D91-91C8-9DEC31FB803B}" dt="2025-05-23T18:18:00.306" v="2504" actId="2890"/>
+        <pc:sldMkLst>
+          <pc:docMk/>
+          <pc:sldMk cId="1012050161" sldId="554"/>
+        </pc:sldMkLst>
+      </pc:sldChg>
+      <pc:sldChg chg="modSp new mod">
+        <pc:chgData name="Hahn, Phil" userId="2d5c7d3c-1ebc-4c64-a257-24a55868d9d9" providerId="ADAL" clId="{FB79AC2A-0317-4D91-91C8-9DEC31FB803B}" dt="2025-05-23T18:18:24.789" v="2560" actId="20577"/>
+        <pc:sldMkLst>
+          <pc:docMk/>
+          <pc:sldMk cId="2706625595" sldId="555"/>
+        </pc:sldMkLst>
+        <pc:spChg chg="mod">
+          <ac:chgData name="Hahn, Phil" userId="2d5c7d3c-1ebc-4c64-a257-24a55868d9d9" providerId="ADAL" clId="{FB79AC2A-0317-4D91-91C8-9DEC31FB803B}" dt="2025-05-23T18:18:18.682" v="2525" actId="20577"/>
+          <ac:spMkLst>
+            <pc:docMk/>
+            <pc:sldMk cId="2706625595" sldId="555"/>
+            <ac:spMk id="2" creationId="{D79CC1BD-C39E-DB2F-90BF-900B33D49C59}"/>
+          </ac:spMkLst>
+        </pc:spChg>
+        <pc:spChg chg="mod">
+          <ac:chgData name="Hahn, Phil" userId="2d5c7d3c-1ebc-4c64-a257-24a55868d9d9" providerId="ADAL" clId="{FB79AC2A-0317-4D91-91C8-9DEC31FB803B}" dt="2025-05-23T18:18:24.789" v="2560" actId="20577"/>
+          <ac:spMkLst>
+            <pc:docMk/>
+            <pc:sldMk cId="2706625595" sldId="555"/>
+            <ac:spMk id="3" creationId="{C2551D2D-2037-618D-4AE6-FF11B5ED33BC}"/>
+          </ac:spMkLst>
+        </pc:spChg>
+      </pc:sldChg>
+      <pc:sldChg chg="addSp delSp modSp new mod modClrScheme chgLayout">
+        <pc:chgData name="Hahn, Phil" userId="2d5c7d3c-1ebc-4c64-a257-24a55868d9d9" providerId="ADAL" clId="{FB79AC2A-0317-4D91-91C8-9DEC31FB803B}" dt="2025-05-23T18:20:52.525" v="2751" actId="20577"/>
+        <pc:sldMkLst>
+          <pc:docMk/>
+          <pc:sldMk cId="4213243001" sldId="556"/>
+        </pc:sldMkLst>
+        <pc:spChg chg="mod ord">
+          <ac:chgData name="Hahn, Phil" userId="2d5c7d3c-1ebc-4c64-a257-24a55868d9d9" providerId="ADAL" clId="{FB79AC2A-0317-4D91-91C8-9DEC31FB803B}" dt="2025-05-23T18:20:44.143" v="2732" actId="20577"/>
+          <ac:spMkLst>
+            <pc:docMk/>
+            <pc:sldMk cId="4213243001" sldId="556"/>
+            <ac:spMk id="2" creationId="{4387936D-FFEF-7E4C-0964-D13DC554A12D}"/>
+          </ac:spMkLst>
+        </pc:spChg>
+        <pc:spChg chg="del mod ord">
+          <ac:chgData name="Hahn, Phil" userId="2d5c7d3c-1ebc-4c64-a257-24a55868d9d9" providerId="ADAL" clId="{FB79AC2A-0317-4D91-91C8-9DEC31FB803B}" dt="2025-05-23T18:20:36.294" v="2692" actId="700"/>
+          <ac:spMkLst>
+            <pc:docMk/>
+            <pc:sldMk cId="4213243001" sldId="556"/>
+            <ac:spMk id="3" creationId="{D00EFA6F-6EE9-ABA4-58F5-571DB011C29B}"/>
+          </ac:spMkLst>
+        </pc:spChg>
+        <pc:spChg chg="add mod ord">
+          <ac:chgData name="Hahn, Phil" userId="2d5c7d3c-1ebc-4c64-a257-24a55868d9d9" providerId="ADAL" clId="{FB79AC2A-0317-4D91-91C8-9DEC31FB803B}" dt="2025-05-23T18:20:47.961" v="2739" actId="20577"/>
+          <ac:spMkLst>
+            <pc:docMk/>
+            <pc:sldMk cId="4213243001" sldId="556"/>
+            <ac:spMk id="4" creationId="{F567C4C6-7AEB-30A3-D28D-5E2C1F53B3AE}"/>
+          </ac:spMkLst>
+        </pc:spChg>
+        <pc:spChg chg="add mod ord">
+          <ac:chgData name="Hahn, Phil" userId="2d5c7d3c-1ebc-4c64-a257-24a55868d9d9" providerId="ADAL" clId="{FB79AC2A-0317-4D91-91C8-9DEC31FB803B}" dt="2025-05-23T18:20:36.294" v="2692" actId="700"/>
+          <ac:spMkLst>
+            <pc:docMk/>
+            <pc:sldMk cId="4213243001" sldId="556"/>
+            <ac:spMk id="5" creationId="{865CB6BE-6219-105F-080A-90E4448A39D9}"/>
+          </ac:spMkLst>
+        </pc:spChg>
+        <pc:spChg chg="add mod ord">
+          <ac:chgData name="Hahn, Phil" userId="2d5c7d3c-1ebc-4c64-a257-24a55868d9d9" providerId="ADAL" clId="{FB79AC2A-0317-4D91-91C8-9DEC31FB803B}" dt="2025-05-23T18:20:52.525" v="2751" actId="20577"/>
+          <ac:spMkLst>
+            <pc:docMk/>
+            <pc:sldMk cId="4213243001" sldId="556"/>
+            <ac:spMk id="6" creationId="{2EBFC604-8837-29F7-0C79-E0B50A62868D}"/>
+          </ac:spMkLst>
+        </pc:spChg>
+        <pc:spChg chg="add mod ord">
+          <ac:chgData name="Hahn, Phil" userId="2d5c7d3c-1ebc-4c64-a257-24a55868d9d9" providerId="ADAL" clId="{FB79AC2A-0317-4D91-91C8-9DEC31FB803B}" dt="2025-05-23T18:20:36.294" v="2692" actId="700"/>
+          <ac:spMkLst>
+            <pc:docMk/>
+            <pc:sldMk cId="4213243001" sldId="556"/>
+            <ac:spMk id="7" creationId="{F8DEF418-5B84-875E-BE38-F1F8AB9EF581}"/>
+          </ac:spMkLst>
+        </pc:spChg>
+      </pc:sldChg>
+      <pc:sldChg chg="delSp modSp add mod">
+        <pc:chgData name="Hahn, Phil" userId="2d5c7d3c-1ebc-4c64-a257-24a55868d9d9" providerId="ADAL" clId="{FB79AC2A-0317-4D91-91C8-9DEC31FB803B}" dt="2025-05-23T18:22:04.548" v="2766" actId="478"/>
+        <pc:sldMkLst>
+          <pc:docMk/>
+          <pc:sldMk cId="2141947599" sldId="557"/>
+        </pc:sldMkLst>
+        <pc:spChg chg="mod">
+          <ac:chgData name="Hahn, Phil" userId="2d5c7d3c-1ebc-4c64-a257-24a55868d9d9" providerId="ADAL" clId="{FB79AC2A-0317-4D91-91C8-9DEC31FB803B}" dt="2025-05-23T18:21:58.557" v="2764" actId="20577"/>
+          <ac:spMkLst>
+            <pc:docMk/>
+            <pc:sldMk cId="2141947599" sldId="557"/>
+            <ac:spMk id="2" creationId="{B756DF86-BB23-ACAD-8E72-30E5FD1CD853}"/>
+          </ac:spMkLst>
+        </pc:spChg>
+        <pc:spChg chg="del">
+          <ac:chgData name="Hahn, Phil" userId="2d5c7d3c-1ebc-4c64-a257-24a55868d9d9" providerId="ADAL" clId="{FB79AC2A-0317-4D91-91C8-9DEC31FB803B}" dt="2025-05-23T18:22:02.148" v="2765" actId="478"/>
+          <ac:spMkLst>
+            <pc:docMk/>
+            <pc:sldMk cId="2141947599" sldId="557"/>
+            <ac:spMk id="5" creationId="{A9131C18-DF43-F266-E73D-DA20553B7E45}"/>
+          </ac:spMkLst>
+        </pc:spChg>
+        <pc:picChg chg="del">
+          <ac:chgData name="Hahn, Phil" userId="2d5c7d3c-1ebc-4c64-a257-24a55868d9d9" providerId="ADAL" clId="{FB79AC2A-0317-4D91-91C8-9DEC31FB803B}" dt="2025-05-23T18:22:02.148" v="2765" actId="478"/>
+          <ac:picMkLst>
+            <pc:docMk/>
+            <pc:sldMk cId="2141947599" sldId="557"/>
+            <ac:picMk id="4" creationId="{3BF985B0-3566-45AE-E10E-3158A05F727B}"/>
+          </ac:picMkLst>
+        </pc:picChg>
+        <pc:inkChg chg="del">
+          <ac:chgData name="Hahn, Phil" userId="2d5c7d3c-1ebc-4c64-a257-24a55868d9d9" providerId="ADAL" clId="{FB79AC2A-0317-4D91-91C8-9DEC31FB803B}" dt="2025-05-23T18:22:04.548" v="2766" actId="478"/>
+          <ac:inkMkLst>
+            <pc:docMk/>
+            <pc:sldMk cId="2141947599" sldId="557"/>
+            <ac:inkMk id="7" creationId="{A7222211-39FF-DA72-E233-11657BAF4461}"/>
+          </ac:inkMkLst>
+        </pc:inkChg>
+      </pc:sldChg>
+      <pc:sldChg chg="new del">
+        <pc:chgData name="Hahn, Phil" userId="2d5c7d3c-1ebc-4c64-a257-24a55868d9d9" providerId="ADAL" clId="{FB79AC2A-0317-4D91-91C8-9DEC31FB803B}" dt="2025-05-23T18:21:42.310" v="2753" actId="47"/>
+        <pc:sldMkLst>
+          <pc:docMk/>
+          <pc:sldMk cId="4283233844" sldId="557"/>
+        </pc:sldMkLst>
+      </pc:sldChg>
+      <pc:sldChg chg="modSp new mod">
+        <pc:chgData name="Hahn, Phil" userId="2d5c7d3c-1ebc-4c64-a257-24a55868d9d9" providerId="ADAL" clId="{FB79AC2A-0317-4D91-91C8-9DEC31FB803B}" dt="2025-05-23T18:26:10.837" v="2818" actId="20577"/>
+        <pc:sldMkLst>
+          <pc:docMk/>
+          <pc:sldMk cId="1323137996" sldId="558"/>
+        </pc:sldMkLst>
+        <pc:spChg chg="mod">
+          <ac:chgData name="Hahn, Phil" userId="2d5c7d3c-1ebc-4c64-a257-24a55868d9d9" providerId="ADAL" clId="{FB79AC2A-0317-4D91-91C8-9DEC31FB803B}" dt="2025-05-23T18:25:51.327" v="2786" actId="20577"/>
+          <ac:spMkLst>
+            <pc:docMk/>
+            <pc:sldMk cId="1323137996" sldId="558"/>
+            <ac:spMk id="2" creationId="{CCC52D36-1A6C-2191-6805-558B0B655210}"/>
+          </ac:spMkLst>
+        </pc:spChg>
+        <pc:spChg chg="mod">
+          <ac:chgData name="Hahn, Phil" userId="2d5c7d3c-1ebc-4c64-a257-24a55868d9d9" providerId="ADAL" clId="{FB79AC2A-0317-4D91-91C8-9DEC31FB803B}" dt="2025-05-23T18:26:10.837" v="2818" actId="20577"/>
+          <ac:spMkLst>
+            <pc:docMk/>
+            <pc:sldMk cId="1323137996" sldId="558"/>
+            <ac:spMk id="3" creationId="{D8D3CE5D-0A3E-A39C-C52A-2684031168C3}"/>
+          </ac:spMkLst>
+        </pc:spChg>
+      </pc:sldChg>
+      <pc:sldChg chg="modSp new mod">
+        <pc:chgData name="Hahn, Phil" userId="2d5c7d3c-1ebc-4c64-a257-24a55868d9d9" providerId="ADAL" clId="{FB79AC2A-0317-4D91-91C8-9DEC31FB803B}" dt="2025-05-23T18:26:35.369" v="2855" actId="20577"/>
+        <pc:sldMkLst>
+          <pc:docMk/>
+          <pc:sldMk cId="354349290" sldId="559"/>
+        </pc:sldMkLst>
+        <pc:spChg chg="mod">
+          <ac:chgData name="Hahn, Phil" userId="2d5c7d3c-1ebc-4c64-a257-24a55868d9d9" providerId="ADAL" clId="{FB79AC2A-0317-4D91-91C8-9DEC31FB803B}" dt="2025-05-23T18:26:35.369" v="2855" actId="20577"/>
+          <ac:spMkLst>
+            <pc:docMk/>
+            <pc:sldMk cId="354349290" sldId="559"/>
+            <ac:spMk id="2" creationId="{BD8261F3-5FD0-192A-C27F-64E2C83881C0}"/>
+          </ac:spMkLst>
+        </pc:spChg>
+      </pc:sldChg>
+      <pc:sldChg chg="modSp new mod">
+        <pc:chgData name="Hahn, Phil" userId="2d5c7d3c-1ebc-4c64-a257-24a55868d9d9" providerId="ADAL" clId="{FB79AC2A-0317-4D91-91C8-9DEC31FB803B}" dt="2025-05-23T18:28:06.292" v="2885" actId="20577"/>
+        <pc:sldMkLst>
+          <pc:docMk/>
+          <pc:sldMk cId="2967529667" sldId="560"/>
+        </pc:sldMkLst>
+        <pc:spChg chg="mod">
+          <ac:chgData name="Hahn, Phil" userId="2d5c7d3c-1ebc-4c64-a257-24a55868d9d9" providerId="ADAL" clId="{FB79AC2A-0317-4D91-91C8-9DEC31FB803B}" dt="2025-05-23T18:28:06.292" v="2885" actId="20577"/>
+          <ac:spMkLst>
+            <pc:docMk/>
+            <pc:sldMk cId="2967529667" sldId="560"/>
+            <ac:spMk id="2" creationId="{71FE8DF8-8FF8-7182-254D-C6AC3CA6696D}"/>
+          </ac:spMkLst>
+        </pc:spChg>
       </pc:sldChg>
     </pc:docChg>
   </pc:docChgLst>
@@ -1804,7 +2042,7 @@
           <a:p>
             <a:fld id="{22469DA4-3B52-4CB8-9E88-1F95A3904768}" type="datetimeFigureOut">
               <a:rPr lang="en-US" smtClean="0"/>
-              <a:t>5/22/2025</a:t>
+              <a:t>5/23/2025</a:t>
             </a:fld>
             <a:endParaRPr lang="en-US"/>
           </a:p>
@@ -2218,7 +2456,7 @@
           <a:p>
             <a:fld id="{E5757BFE-1739-4806-A961-FF681E2568B1}" type="datetimeFigureOut">
               <a:rPr lang="en-US" smtClean="0"/>
-              <a:t>5/22/2025</a:t>
+              <a:t>5/23/2025</a:t>
             </a:fld>
             <a:endParaRPr lang="en-US"/>
           </a:p>
@@ -2416,7 +2654,7 @@
           <a:p>
             <a:fld id="{E5757BFE-1739-4806-A961-FF681E2568B1}" type="datetimeFigureOut">
               <a:rPr lang="en-US" smtClean="0"/>
-              <a:t>5/22/2025</a:t>
+              <a:t>5/23/2025</a:t>
             </a:fld>
             <a:endParaRPr lang="en-US"/>
           </a:p>
@@ -2624,7 +2862,7 @@
           <a:p>
             <a:fld id="{E5757BFE-1739-4806-A961-FF681E2568B1}" type="datetimeFigureOut">
               <a:rPr lang="en-US" smtClean="0"/>
-              <a:t>5/22/2025</a:t>
+              <a:t>5/23/2025</a:t>
             </a:fld>
             <a:endParaRPr lang="en-US"/>
           </a:p>
@@ -2822,7 +3060,7 @@
           <a:p>
             <a:fld id="{E5757BFE-1739-4806-A961-FF681E2568B1}" type="datetimeFigureOut">
               <a:rPr lang="en-US" smtClean="0"/>
-              <a:t>5/22/2025</a:t>
+              <a:t>5/23/2025</a:t>
             </a:fld>
             <a:endParaRPr lang="en-US"/>
           </a:p>
@@ -3097,7 +3335,7 @@
           <a:p>
             <a:fld id="{E5757BFE-1739-4806-A961-FF681E2568B1}" type="datetimeFigureOut">
               <a:rPr lang="en-US" smtClean="0"/>
-              <a:t>5/22/2025</a:t>
+              <a:t>5/23/2025</a:t>
             </a:fld>
             <a:endParaRPr lang="en-US"/>
           </a:p>
@@ -3362,7 +3600,7 @@
           <a:p>
             <a:fld id="{E5757BFE-1739-4806-A961-FF681E2568B1}" type="datetimeFigureOut">
               <a:rPr lang="en-US" smtClean="0"/>
-              <a:t>5/22/2025</a:t>
+              <a:t>5/23/2025</a:t>
             </a:fld>
             <a:endParaRPr lang="en-US"/>
           </a:p>
@@ -3774,7 +4012,7 @@
           <a:p>
             <a:fld id="{E5757BFE-1739-4806-A961-FF681E2568B1}" type="datetimeFigureOut">
               <a:rPr lang="en-US" smtClean="0"/>
-              <a:t>5/22/2025</a:t>
+              <a:t>5/23/2025</a:t>
             </a:fld>
             <a:endParaRPr lang="en-US"/>
           </a:p>
@@ -3915,7 +4153,7 @@
           <a:p>
             <a:fld id="{E5757BFE-1739-4806-A961-FF681E2568B1}" type="datetimeFigureOut">
               <a:rPr lang="en-US" smtClean="0"/>
-              <a:t>5/22/2025</a:t>
+              <a:t>5/23/2025</a:t>
             </a:fld>
             <a:endParaRPr lang="en-US"/>
           </a:p>
@@ -4028,7 +4266,7 @@
           <a:p>
             <a:fld id="{E5757BFE-1739-4806-A961-FF681E2568B1}" type="datetimeFigureOut">
               <a:rPr lang="en-US" smtClean="0"/>
-              <a:t>5/22/2025</a:t>
+              <a:t>5/23/2025</a:t>
             </a:fld>
             <a:endParaRPr lang="en-US"/>
           </a:p>
@@ -4339,7 +4577,7 @@
           <a:p>
             <a:fld id="{E5757BFE-1739-4806-A961-FF681E2568B1}" type="datetimeFigureOut">
               <a:rPr lang="en-US" smtClean="0"/>
-              <a:t>5/22/2025</a:t>
+              <a:t>5/23/2025</a:t>
             </a:fld>
             <a:endParaRPr lang="en-US"/>
           </a:p>
@@ -4627,7 +4865,7 @@
           <a:p>
             <a:fld id="{E5757BFE-1739-4806-A961-FF681E2568B1}" type="datetimeFigureOut">
               <a:rPr lang="en-US" smtClean="0"/>
-              <a:t>5/22/2025</a:t>
+              <a:t>5/23/2025</a:t>
             </a:fld>
             <a:endParaRPr lang="en-US"/>
           </a:p>
@@ -4868,7 +5106,7 @@
           <a:p>
             <a:fld id="{E5757BFE-1739-4806-A961-FF681E2568B1}" type="datetimeFigureOut">
               <a:rPr lang="en-US" smtClean="0"/>
-              <a:t>5/22/2025</a:t>
+              <a:t>5/23/2025</a:t>
             </a:fld>
             <a:endParaRPr lang="en-US"/>
           </a:p>
@@ -5428,6 +5666,1362 @@
         <p:cNvPr id="1" name="">
           <a:extLst>
             <a:ext uri="{FF2B5EF4-FFF2-40B4-BE49-F238E27FC236}">
+              <a16:creationId xmlns:a16="http://schemas.microsoft.com/office/drawing/2014/main" id="{FD8EF74D-9493-32B3-A6AA-4565F5613AF9}"/>
+            </a:ext>
+          </a:extLst>
+        </p:cNvPr>
+        <p:cNvGrpSpPr/>
+        <p:nvPr/>
+      </p:nvGrpSpPr>
+      <p:grpSpPr>
+        <a:xfrm>
+          <a:off x="0" y="0"/>
+          <a:ext cx="0" cy="0"/>
+          <a:chOff x="0" y="0"/>
+          <a:chExt cx="0" cy="0"/>
+        </a:xfrm>
+      </p:grpSpPr>
+      <p:pic>
+        <p:nvPicPr>
+          <p:cNvPr id="4" name="Picture 3" descr="A screenshot of a computer&#10;&#10;AI-generated content may be incorrect.">
+            <a:extLst>
+              <a:ext uri="{FF2B5EF4-FFF2-40B4-BE49-F238E27FC236}">
+                <a16:creationId xmlns:a16="http://schemas.microsoft.com/office/drawing/2014/main" id="{04D87E28-878C-39AA-0FCA-D6DD2346BFDA}"/>
+              </a:ext>
+            </a:extLst>
+          </p:cNvPr>
+          <p:cNvPicPr>
+            <a:picLocks noChangeAspect="1"/>
+          </p:cNvPicPr>
+          <p:nvPr/>
+        </p:nvPicPr>
+        <p:blipFill>
+          <a:blip r:embed="rId2">
+            <a:extLst>
+              <a:ext uri="{28A0092B-C50C-407E-A947-70E740481C1C}">
+                <a14:useLocalDpi xmlns:a14="http://schemas.microsoft.com/office/drawing/2010/main" val="0"/>
+              </a:ext>
+            </a:extLst>
+          </a:blip>
+          <a:srcRect t="94110" r="70000" b="2019"/>
+          <a:stretch/>
+        </p:blipFill>
+        <p:spPr>
+          <a:xfrm>
+            <a:off x="1133845" y="1781882"/>
+            <a:ext cx="9924306" cy="693635"/>
+          </a:xfrm>
+          <a:prstGeom prst="rect">
+            <a:avLst/>
+          </a:prstGeom>
+        </p:spPr>
+      </p:pic>
+      <p:sp>
+        <p:nvSpPr>
+          <p:cNvPr id="2" name="Title 1">
+            <a:extLst>
+              <a:ext uri="{FF2B5EF4-FFF2-40B4-BE49-F238E27FC236}">
+                <a16:creationId xmlns:a16="http://schemas.microsoft.com/office/drawing/2014/main" id="{480212FF-A54D-4931-1B63-7DFCC7173481}"/>
+              </a:ext>
+            </a:extLst>
+          </p:cNvPr>
+          <p:cNvSpPr>
+            <a:spLocks noGrp="1"/>
+          </p:cNvSpPr>
+          <p:nvPr>
+            <p:ph type="title"/>
+          </p:nvPr>
+        </p:nvSpPr>
+        <p:spPr/>
+        <p:txBody>
+          <a:bodyPr/>
+          <a:lstStyle/>
+          <a:p>
+            <a:r>
+              <a:rPr lang="en-US" dirty="0"/>
+              <a:t>Step 2b. Check </a:t>
+            </a:r>
+            <a:r>
+              <a:rPr lang="en-US" dirty="0" err="1"/>
+              <a:t>resids</a:t>
+            </a:r>
+            <a:r>
+              <a:rPr lang="en-US" dirty="0"/>
+              <a:t> and </a:t>
+            </a:r>
+            <a:r>
+              <a:rPr lang="en-US" dirty="0" err="1"/>
+              <a:t>overdisperion</a:t>
+            </a:r>
+            <a:endParaRPr lang="en-US" dirty="0"/>
+          </a:p>
+        </p:txBody>
+      </p:sp>
+      <p:pic>
+        <p:nvPicPr>
+          <p:cNvPr id="8" name="Picture 7">
+            <a:extLst>
+              <a:ext uri="{FF2B5EF4-FFF2-40B4-BE49-F238E27FC236}">
+                <a16:creationId xmlns:a16="http://schemas.microsoft.com/office/drawing/2014/main" id="{B7D33391-CCE8-9F84-D005-B7382ECCD86E}"/>
+              </a:ext>
+            </a:extLst>
+          </p:cNvPr>
+          <p:cNvPicPr>
+            <a:picLocks noChangeAspect="1"/>
+          </p:cNvPicPr>
+          <p:nvPr/>
+        </p:nvPicPr>
+        <p:blipFill>
+          <a:blip r:embed="rId3"/>
+          <a:stretch>
+            <a:fillRect/>
+          </a:stretch>
+        </p:blipFill>
+        <p:spPr>
+          <a:xfrm>
+            <a:off x="330233" y="2475517"/>
+            <a:ext cx="7753350" cy="4019550"/>
+          </a:xfrm>
+          <a:prstGeom prst="rect">
+            <a:avLst/>
+          </a:prstGeom>
+        </p:spPr>
+      </p:pic>
+      <p:pic>
+        <p:nvPicPr>
+          <p:cNvPr id="10" name="Picture 9" descr="A screenshot of a computer&#10;&#10;AI-generated content may be incorrect.">
+            <a:extLst>
+              <a:ext uri="{FF2B5EF4-FFF2-40B4-BE49-F238E27FC236}">
+                <a16:creationId xmlns:a16="http://schemas.microsoft.com/office/drawing/2014/main" id="{F2D752E5-FF66-91D4-9487-C7B0AC3BF529}"/>
+              </a:ext>
+            </a:extLst>
+          </p:cNvPr>
+          <p:cNvPicPr>
+            <a:picLocks noChangeAspect="1"/>
+          </p:cNvPicPr>
+          <p:nvPr/>
+        </p:nvPicPr>
+        <p:blipFill>
+          <a:blip r:embed="rId4">
+            <a:extLst>
+              <a:ext uri="{28A0092B-C50C-407E-A947-70E740481C1C}">
+                <a14:useLocalDpi xmlns:a14="http://schemas.microsoft.com/office/drawing/2010/main" val="0"/>
+              </a:ext>
+            </a:extLst>
+          </a:blip>
+          <a:srcRect t="81917" r="84176" b="3602"/>
+          <a:stretch/>
+        </p:blipFill>
+        <p:spPr>
+          <a:xfrm>
+            <a:off x="8083583" y="3828206"/>
+            <a:ext cx="4014138" cy="1989573"/>
+          </a:xfrm>
+          <a:prstGeom prst="rect">
+            <a:avLst/>
+          </a:prstGeom>
+        </p:spPr>
+      </p:pic>
+      <p:sp>
+        <p:nvSpPr>
+          <p:cNvPr id="3" name="TextBox 2">
+            <a:extLst>
+              <a:ext uri="{FF2B5EF4-FFF2-40B4-BE49-F238E27FC236}">
+                <a16:creationId xmlns:a16="http://schemas.microsoft.com/office/drawing/2014/main" id="{FACAE2C0-5BDA-2F5E-9689-E2A062C419F4}"/>
+              </a:ext>
+            </a:extLst>
+          </p:cNvPr>
+          <p:cNvSpPr txBox="1"/>
+          <p:nvPr/>
+        </p:nvSpPr>
+        <p:spPr>
+          <a:xfrm>
+            <a:off x="8605309" y="5938683"/>
+            <a:ext cx="2970685" cy="646331"/>
+          </a:xfrm>
+          <a:prstGeom prst="rect">
+            <a:avLst/>
+          </a:prstGeom>
+          <a:noFill/>
+        </p:spPr>
+        <p:txBody>
+          <a:bodyPr wrap="none" rtlCol="0">
+            <a:spAutoFit/>
+          </a:bodyPr>
+          <a:lstStyle/>
+          <a:p>
+            <a:r>
+              <a:rPr lang="en-US" dirty="0"/>
+              <a:t>&gt;1 indicates overdispersion,</a:t>
+            </a:r>
+          </a:p>
+          <a:p>
+            <a:r>
+              <a:rPr lang="en-US" dirty="0"/>
+              <a:t>Usually &gt;2 is problematic</a:t>
+            </a:r>
+          </a:p>
+        </p:txBody>
+      </p:sp>
+    </p:spTree>
+    <p:extLst>
+      <p:ext uri="{BB962C8B-B14F-4D97-AF65-F5344CB8AC3E}">
+        <p14:creationId xmlns:p14="http://schemas.microsoft.com/office/powerpoint/2010/main" val="203590955"/>
+      </p:ext>
+    </p:extLst>
+  </p:cSld>
+  <p:clrMapOvr>
+    <a:masterClrMapping/>
+  </p:clrMapOvr>
+  <p:timing>
+    <p:tnLst>
+      <p:par>
+        <p:cTn id="1" dur="indefinite" restart="never" nodeType="tmRoot">
+          <p:childTnLst>
+            <p:seq concurrent="1" nextAc="seek">
+              <p:cTn id="2" dur="indefinite" nodeType="mainSeq">
+                <p:childTnLst>
+                  <p:par>
+                    <p:cTn id="3" fill="hold">
+                      <p:stCondLst>
+                        <p:cond delay="indefinite"/>
+                      </p:stCondLst>
+                      <p:childTnLst>
+                        <p:par>
+                          <p:cTn id="4" fill="hold">
+                            <p:stCondLst>
+                              <p:cond delay="0"/>
+                            </p:stCondLst>
+                            <p:childTnLst>
+                              <p:par>
+                                <p:cTn id="5" presetID="1" presetClass="entr" presetSubtype="0" fill="hold" nodeType="clickEffect">
+                                  <p:stCondLst>
+                                    <p:cond delay="0"/>
+                                  </p:stCondLst>
+                                  <p:childTnLst>
+                                    <p:set>
+                                      <p:cBhvr>
+                                        <p:cTn id="6" dur="1" fill="hold">
+                                          <p:stCondLst>
+                                            <p:cond delay="0"/>
+                                          </p:stCondLst>
+                                        </p:cTn>
+                                        <p:tgtEl>
+                                          <p:spTgt spid="10"/>
+                                        </p:tgtEl>
+                                        <p:attrNameLst>
+                                          <p:attrName>style.visibility</p:attrName>
+                                        </p:attrNameLst>
+                                      </p:cBhvr>
+                                      <p:to>
+                                        <p:strVal val="visible"/>
+                                      </p:to>
+                                    </p:set>
+                                  </p:childTnLst>
+                                </p:cTn>
+                              </p:par>
+                            </p:childTnLst>
+                          </p:cTn>
+                        </p:par>
+                      </p:childTnLst>
+                    </p:cTn>
+                  </p:par>
+                </p:childTnLst>
+              </p:cTn>
+              <p:prevCondLst>
+                <p:cond evt="onPrev" delay="0">
+                  <p:tgtEl>
+                    <p:sldTgt/>
+                  </p:tgtEl>
+                </p:cond>
+              </p:prevCondLst>
+              <p:nextCondLst>
+                <p:cond evt="onNext" delay="0">
+                  <p:tgtEl>
+                    <p:sldTgt/>
+                  </p:tgtEl>
+                </p:cond>
+              </p:nextCondLst>
+            </p:seq>
+          </p:childTnLst>
+        </p:cTn>
+      </p:par>
+    </p:tnLst>
+  </p:timing>
+</p:sld>
+</file>
+
+<file path=ppt/slides/slide11.xml><?xml version="1.0" encoding="utf-8"?>
+<p:sld xmlns:a="http://schemas.openxmlformats.org/drawingml/2006/main" xmlns:r="http://schemas.openxmlformats.org/officeDocument/2006/relationships" xmlns:p="http://schemas.openxmlformats.org/presentationml/2006/main">
+  <p:cSld>
+    <p:spTree>
+      <p:nvGrpSpPr>
+        <p:cNvPr id="1" name=""/>
+        <p:cNvGrpSpPr/>
+        <p:nvPr/>
+      </p:nvGrpSpPr>
+      <p:grpSpPr>
+        <a:xfrm>
+          <a:off x="0" y="0"/>
+          <a:ext cx="0" cy="0"/>
+          <a:chOff x="0" y="0"/>
+          <a:chExt cx="0" cy="0"/>
+        </a:xfrm>
+      </p:grpSpPr>
+      <p:sp>
+        <p:nvSpPr>
+          <p:cNvPr id="2" name="Title 1">
+            <a:extLst>
+              <a:ext uri="{FF2B5EF4-FFF2-40B4-BE49-F238E27FC236}">
+                <a16:creationId xmlns:a16="http://schemas.microsoft.com/office/drawing/2014/main" id="{80F861E5-EE3D-4E3A-A67F-DEB2FB16B012}"/>
+              </a:ext>
+            </a:extLst>
+          </p:cNvPr>
+          <p:cNvSpPr>
+            <a:spLocks noGrp="1"/>
+          </p:cNvSpPr>
+          <p:nvPr>
+            <p:ph type="title"/>
+          </p:nvPr>
+        </p:nvSpPr>
+        <p:spPr/>
+        <p:txBody>
+          <a:bodyPr/>
+          <a:lstStyle/>
+          <a:p>
+            <a:r>
+              <a:rPr lang="en-US"/>
+              <a:t>What is overdispersion?</a:t>
+            </a:r>
+          </a:p>
+        </p:txBody>
+      </p:sp>
+      <p:sp>
+        <p:nvSpPr>
+          <p:cNvPr id="3" name="Content Placeholder 2">
+            <a:extLst>
+              <a:ext uri="{FF2B5EF4-FFF2-40B4-BE49-F238E27FC236}">
+                <a16:creationId xmlns:a16="http://schemas.microsoft.com/office/drawing/2014/main" id="{66E21533-CB43-41D2-874D-8647E30A408B}"/>
+              </a:ext>
+            </a:extLst>
+          </p:cNvPr>
+          <p:cNvSpPr>
+            <a:spLocks noGrp="1"/>
+          </p:cNvSpPr>
+          <p:nvPr>
+            <p:ph idx="1"/>
+          </p:nvPr>
+        </p:nvSpPr>
+        <p:spPr>
+          <a:xfrm>
+            <a:off x="756007" y="1432386"/>
+            <a:ext cx="10515600" cy="4351338"/>
+          </a:xfrm>
+        </p:spPr>
+        <p:txBody>
+          <a:bodyPr>
+            <a:normAutofit/>
+          </a:bodyPr>
+          <a:lstStyle/>
+          <a:p>
+            <a:r>
+              <a:rPr lang="en-US" dirty="0"/>
+              <a:t>More variation in the data than expected based on the distribution</a:t>
+            </a:r>
+          </a:p>
+          <a:p>
+            <a:r>
+              <a:rPr lang="en-US" dirty="0"/>
+              <a:t>Poisson: </a:t>
+            </a:r>
+            <a:r>
+              <a:rPr lang="el-GR" dirty="0"/>
+              <a:t>λ</a:t>
+            </a:r>
+            <a:r>
+              <a:rPr lang="en-US" dirty="0"/>
+              <a:t> = mean = variance</a:t>
+            </a:r>
+          </a:p>
+          <a:p>
+            <a:r>
+              <a:rPr lang="en-US" dirty="0"/>
+              <a:t>Most count data: variance &gt; mean</a:t>
+            </a:r>
+          </a:p>
+          <a:p>
+            <a:r>
+              <a:rPr lang="en-US" dirty="0"/>
+              <a:t>Check: </a:t>
+            </a:r>
+            <a:r>
+              <a:rPr lang="el-GR" dirty="0"/>
+              <a:t>φ</a:t>
+            </a:r>
+            <a:r>
+              <a:rPr lang="en-US" dirty="0"/>
+              <a:t> = </a:t>
+            </a:r>
+            <a:r>
+              <a:rPr lang="el-GR" dirty="0"/>
+              <a:t>Σ</a:t>
+            </a:r>
+            <a:r>
+              <a:rPr lang="en-US" dirty="0"/>
+              <a:t> Pearson Resid^2/</a:t>
+            </a:r>
+            <a:r>
+              <a:rPr lang="en-US" dirty="0" err="1"/>
+              <a:t>df</a:t>
+            </a:r>
+            <a:endParaRPr lang="en-US" dirty="0"/>
+          </a:p>
+          <a:p>
+            <a:pPr lvl="1"/>
+            <a:r>
+              <a:rPr lang="en-US" dirty="0"/>
+              <a:t>High values = more overdispersion</a:t>
+            </a:r>
+          </a:p>
+          <a:p>
+            <a:pPr lvl="1"/>
+            <a:r>
+              <a:rPr lang="en-US" dirty="0"/>
+              <a:t>Alt: </a:t>
+            </a:r>
+            <a:r>
+              <a:rPr lang="el-GR" dirty="0"/>
+              <a:t>θ</a:t>
+            </a:r>
+            <a:r>
+              <a:rPr lang="en-US" dirty="0"/>
+              <a:t> = overdispersion parameter </a:t>
+            </a:r>
+          </a:p>
+          <a:p>
+            <a:pPr lvl="2"/>
+            <a:r>
+              <a:rPr lang="en-US" dirty="0"/>
+              <a:t>lower values are more overdispersion</a:t>
+            </a:r>
+          </a:p>
+          <a:p>
+            <a:pPr lvl="2"/>
+            <a:r>
+              <a:rPr lang="en-US" dirty="0"/>
+              <a:t>higher values converge to Poisson</a:t>
+            </a:r>
+          </a:p>
+          <a:p>
+            <a:r>
+              <a:rPr lang="en-US" dirty="0"/>
+              <a:t>Need to correct!</a:t>
+            </a:r>
+          </a:p>
+        </p:txBody>
+      </p:sp>
+      <p:pic>
+        <p:nvPicPr>
+          <p:cNvPr id="4" name="Picture 3">
+            <a:extLst>
+              <a:ext uri="{FF2B5EF4-FFF2-40B4-BE49-F238E27FC236}">
+                <a16:creationId xmlns:a16="http://schemas.microsoft.com/office/drawing/2014/main" id="{D519E165-9B3B-4480-BB80-F58935BEDF77}"/>
+              </a:ext>
+            </a:extLst>
+          </p:cNvPr>
+          <p:cNvPicPr>
+            <a:picLocks noChangeAspect="1"/>
+          </p:cNvPicPr>
+          <p:nvPr/>
+        </p:nvPicPr>
+        <p:blipFill>
+          <a:blip r:embed="rId2"/>
+          <a:stretch>
+            <a:fillRect/>
+          </a:stretch>
+        </p:blipFill>
+        <p:spPr>
+          <a:xfrm>
+            <a:off x="756007" y="5645313"/>
+            <a:ext cx="9545021" cy="1212687"/>
+          </a:xfrm>
+          <a:prstGeom prst="rect">
+            <a:avLst/>
+          </a:prstGeom>
+        </p:spPr>
+      </p:pic>
+      <p:sp>
+        <p:nvSpPr>
+          <p:cNvPr id="5" name="TextBox 4">
+            <a:extLst>
+              <a:ext uri="{FF2B5EF4-FFF2-40B4-BE49-F238E27FC236}">
+                <a16:creationId xmlns:a16="http://schemas.microsoft.com/office/drawing/2014/main" id="{4C58A7E3-3E35-9D3E-5588-C8AC220DF64F}"/>
+              </a:ext>
+            </a:extLst>
+          </p:cNvPr>
+          <p:cNvSpPr txBox="1"/>
+          <p:nvPr/>
+        </p:nvSpPr>
+        <p:spPr>
+          <a:xfrm>
+            <a:off x="10600228" y="6488668"/>
+            <a:ext cx="1507144" cy="369332"/>
+          </a:xfrm>
+          <a:prstGeom prst="rect">
+            <a:avLst/>
+          </a:prstGeom>
+          <a:noFill/>
+        </p:spPr>
+        <p:txBody>
+          <a:bodyPr wrap="none" rtlCol="0">
+            <a:spAutoFit/>
+          </a:bodyPr>
+          <a:lstStyle/>
+          <a:p>
+            <a:r>
+              <a:rPr lang="en-US"/>
+              <a:t>Harrison 2014</a:t>
+            </a:r>
+          </a:p>
+        </p:txBody>
+      </p:sp>
+    </p:spTree>
+    <p:extLst>
+      <p:ext uri="{BB962C8B-B14F-4D97-AF65-F5344CB8AC3E}">
+        <p14:creationId xmlns:p14="http://schemas.microsoft.com/office/powerpoint/2010/main" val="2512093691"/>
+      </p:ext>
+    </p:extLst>
+  </p:cSld>
+  <p:clrMapOvr>
+    <a:masterClrMapping/>
+  </p:clrMapOvr>
+  <p:timing>
+    <p:tnLst>
+      <p:par>
+        <p:cTn id="1" dur="indefinite" restart="never" nodeType="tmRoot">
+          <p:childTnLst>
+            <p:seq concurrent="1" nextAc="seek">
+              <p:cTn id="2" dur="indefinite" nodeType="mainSeq">
+                <p:childTnLst>
+                  <p:par>
+                    <p:cTn id="3" fill="hold">
+                      <p:stCondLst>
+                        <p:cond delay="indefinite"/>
+                      </p:stCondLst>
+                      <p:childTnLst>
+                        <p:par>
+                          <p:cTn id="4" fill="hold">
+                            <p:stCondLst>
+                              <p:cond delay="0"/>
+                            </p:stCondLst>
+                            <p:childTnLst>
+                              <p:par>
+                                <p:cTn id="5" presetID="1" presetClass="entr" presetSubtype="0" fill="hold" grpId="0" nodeType="clickEffect">
+                                  <p:stCondLst>
+                                    <p:cond delay="0"/>
+                                  </p:stCondLst>
+                                  <p:childTnLst>
+                                    <p:set>
+                                      <p:cBhvr>
+                                        <p:cTn id="6" dur="1" fill="hold">
+                                          <p:stCondLst>
+                                            <p:cond delay="0"/>
+                                          </p:stCondLst>
+                                        </p:cTn>
+                                        <p:tgtEl>
+                                          <p:spTgt spid="3">
+                                            <p:txEl>
+                                              <p:pRg st="0" end="0"/>
+                                            </p:txEl>
+                                          </p:spTgt>
+                                        </p:tgtEl>
+                                        <p:attrNameLst>
+                                          <p:attrName>style.visibility</p:attrName>
+                                        </p:attrNameLst>
+                                      </p:cBhvr>
+                                      <p:to>
+                                        <p:strVal val="visible"/>
+                                      </p:to>
+                                    </p:set>
+                                  </p:childTnLst>
+                                </p:cTn>
+                              </p:par>
+                            </p:childTnLst>
+                          </p:cTn>
+                        </p:par>
+                      </p:childTnLst>
+                    </p:cTn>
+                  </p:par>
+                  <p:par>
+                    <p:cTn id="7" fill="hold">
+                      <p:stCondLst>
+                        <p:cond delay="indefinite"/>
+                      </p:stCondLst>
+                      <p:childTnLst>
+                        <p:par>
+                          <p:cTn id="8" fill="hold">
+                            <p:stCondLst>
+                              <p:cond delay="0"/>
+                            </p:stCondLst>
+                            <p:childTnLst>
+                              <p:par>
+                                <p:cTn id="9" presetID="1" presetClass="entr" presetSubtype="0" fill="hold" grpId="0" nodeType="clickEffect">
+                                  <p:stCondLst>
+                                    <p:cond delay="0"/>
+                                  </p:stCondLst>
+                                  <p:childTnLst>
+                                    <p:set>
+                                      <p:cBhvr>
+                                        <p:cTn id="10" dur="1" fill="hold">
+                                          <p:stCondLst>
+                                            <p:cond delay="0"/>
+                                          </p:stCondLst>
+                                        </p:cTn>
+                                        <p:tgtEl>
+                                          <p:spTgt spid="3">
+                                            <p:txEl>
+                                              <p:pRg st="1" end="1"/>
+                                            </p:txEl>
+                                          </p:spTgt>
+                                        </p:tgtEl>
+                                        <p:attrNameLst>
+                                          <p:attrName>style.visibility</p:attrName>
+                                        </p:attrNameLst>
+                                      </p:cBhvr>
+                                      <p:to>
+                                        <p:strVal val="visible"/>
+                                      </p:to>
+                                    </p:set>
+                                  </p:childTnLst>
+                                </p:cTn>
+                              </p:par>
+                            </p:childTnLst>
+                          </p:cTn>
+                        </p:par>
+                      </p:childTnLst>
+                    </p:cTn>
+                  </p:par>
+                  <p:par>
+                    <p:cTn id="11" fill="hold">
+                      <p:stCondLst>
+                        <p:cond delay="indefinite"/>
+                      </p:stCondLst>
+                      <p:childTnLst>
+                        <p:par>
+                          <p:cTn id="12" fill="hold">
+                            <p:stCondLst>
+                              <p:cond delay="0"/>
+                            </p:stCondLst>
+                            <p:childTnLst>
+                              <p:par>
+                                <p:cTn id="13" presetID="1" presetClass="entr" presetSubtype="0" fill="hold" grpId="0" nodeType="clickEffect">
+                                  <p:stCondLst>
+                                    <p:cond delay="0"/>
+                                  </p:stCondLst>
+                                  <p:childTnLst>
+                                    <p:set>
+                                      <p:cBhvr>
+                                        <p:cTn id="14" dur="1" fill="hold">
+                                          <p:stCondLst>
+                                            <p:cond delay="0"/>
+                                          </p:stCondLst>
+                                        </p:cTn>
+                                        <p:tgtEl>
+                                          <p:spTgt spid="3">
+                                            <p:txEl>
+                                              <p:pRg st="2" end="2"/>
+                                            </p:txEl>
+                                          </p:spTgt>
+                                        </p:tgtEl>
+                                        <p:attrNameLst>
+                                          <p:attrName>style.visibility</p:attrName>
+                                        </p:attrNameLst>
+                                      </p:cBhvr>
+                                      <p:to>
+                                        <p:strVal val="visible"/>
+                                      </p:to>
+                                    </p:set>
+                                  </p:childTnLst>
+                                </p:cTn>
+                              </p:par>
+                            </p:childTnLst>
+                          </p:cTn>
+                        </p:par>
+                      </p:childTnLst>
+                    </p:cTn>
+                  </p:par>
+                  <p:par>
+                    <p:cTn id="15" fill="hold">
+                      <p:stCondLst>
+                        <p:cond delay="indefinite"/>
+                      </p:stCondLst>
+                      <p:childTnLst>
+                        <p:par>
+                          <p:cTn id="16" fill="hold">
+                            <p:stCondLst>
+                              <p:cond delay="0"/>
+                            </p:stCondLst>
+                            <p:childTnLst>
+                              <p:par>
+                                <p:cTn id="17" presetID="1" presetClass="entr" presetSubtype="0" fill="hold" grpId="0" nodeType="clickEffect">
+                                  <p:stCondLst>
+                                    <p:cond delay="0"/>
+                                  </p:stCondLst>
+                                  <p:childTnLst>
+                                    <p:set>
+                                      <p:cBhvr>
+                                        <p:cTn id="18" dur="1" fill="hold">
+                                          <p:stCondLst>
+                                            <p:cond delay="0"/>
+                                          </p:stCondLst>
+                                        </p:cTn>
+                                        <p:tgtEl>
+                                          <p:spTgt spid="3">
+                                            <p:txEl>
+                                              <p:pRg st="3" end="3"/>
+                                            </p:txEl>
+                                          </p:spTgt>
+                                        </p:tgtEl>
+                                        <p:attrNameLst>
+                                          <p:attrName>style.visibility</p:attrName>
+                                        </p:attrNameLst>
+                                      </p:cBhvr>
+                                      <p:to>
+                                        <p:strVal val="visible"/>
+                                      </p:to>
+                                    </p:set>
+                                  </p:childTnLst>
+                                </p:cTn>
+                              </p:par>
+                              <p:par>
+                                <p:cTn id="19" presetID="1" presetClass="entr" presetSubtype="0" fill="hold" grpId="0" nodeType="withEffect">
+                                  <p:stCondLst>
+                                    <p:cond delay="0"/>
+                                  </p:stCondLst>
+                                  <p:childTnLst>
+                                    <p:set>
+                                      <p:cBhvr>
+                                        <p:cTn id="20" dur="1" fill="hold">
+                                          <p:stCondLst>
+                                            <p:cond delay="0"/>
+                                          </p:stCondLst>
+                                        </p:cTn>
+                                        <p:tgtEl>
+                                          <p:spTgt spid="3">
+                                            <p:txEl>
+                                              <p:pRg st="4" end="4"/>
+                                            </p:txEl>
+                                          </p:spTgt>
+                                        </p:tgtEl>
+                                        <p:attrNameLst>
+                                          <p:attrName>style.visibility</p:attrName>
+                                        </p:attrNameLst>
+                                      </p:cBhvr>
+                                      <p:to>
+                                        <p:strVal val="visible"/>
+                                      </p:to>
+                                    </p:set>
+                                  </p:childTnLst>
+                                </p:cTn>
+                              </p:par>
+                              <p:par>
+                                <p:cTn id="21" presetID="1" presetClass="entr" presetSubtype="0" fill="hold" grpId="0" nodeType="withEffect">
+                                  <p:stCondLst>
+                                    <p:cond delay="0"/>
+                                  </p:stCondLst>
+                                  <p:childTnLst>
+                                    <p:set>
+                                      <p:cBhvr>
+                                        <p:cTn id="22" dur="1" fill="hold">
+                                          <p:stCondLst>
+                                            <p:cond delay="0"/>
+                                          </p:stCondLst>
+                                        </p:cTn>
+                                        <p:tgtEl>
+                                          <p:spTgt spid="3">
+                                            <p:txEl>
+                                              <p:pRg st="5" end="5"/>
+                                            </p:txEl>
+                                          </p:spTgt>
+                                        </p:tgtEl>
+                                        <p:attrNameLst>
+                                          <p:attrName>style.visibility</p:attrName>
+                                        </p:attrNameLst>
+                                      </p:cBhvr>
+                                      <p:to>
+                                        <p:strVal val="visible"/>
+                                      </p:to>
+                                    </p:set>
+                                  </p:childTnLst>
+                                </p:cTn>
+                              </p:par>
+                              <p:par>
+                                <p:cTn id="23" presetID="1" presetClass="entr" presetSubtype="0" fill="hold" grpId="0" nodeType="withEffect">
+                                  <p:stCondLst>
+                                    <p:cond delay="0"/>
+                                  </p:stCondLst>
+                                  <p:childTnLst>
+                                    <p:set>
+                                      <p:cBhvr>
+                                        <p:cTn id="24" dur="1" fill="hold">
+                                          <p:stCondLst>
+                                            <p:cond delay="0"/>
+                                          </p:stCondLst>
+                                        </p:cTn>
+                                        <p:tgtEl>
+                                          <p:spTgt spid="3">
+                                            <p:txEl>
+                                              <p:pRg st="6" end="6"/>
+                                            </p:txEl>
+                                          </p:spTgt>
+                                        </p:tgtEl>
+                                        <p:attrNameLst>
+                                          <p:attrName>style.visibility</p:attrName>
+                                        </p:attrNameLst>
+                                      </p:cBhvr>
+                                      <p:to>
+                                        <p:strVal val="visible"/>
+                                      </p:to>
+                                    </p:set>
+                                  </p:childTnLst>
+                                </p:cTn>
+                              </p:par>
+                              <p:par>
+                                <p:cTn id="25" presetID="1" presetClass="entr" presetSubtype="0" fill="hold" grpId="0" nodeType="withEffect">
+                                  <p:stCondLst>
+                                    <p:cond delay="0"/>
+                                  </p:stCondLst>
+                                  <p:childTnLst>
+                                    <p:set>
+                                      <p:cBhvr>
+                                        <p:cTn id="26" dur="1" fill="hold">
+                                          <p:stCondLst>
+                                            <p:cond delay="0"/>
+                                          </p:stCondLst>
+                                        </p:cTn>
+                                        <p:tgtEl>
+                                          <p:spTgt spid="3">
+                                            <p:txEl>
+                                              <p:pRg st="7" end="7"/>
+                                            </p:txEl>
+                                          </p:spTgt>
+                                        </p:tgtEl>
+                                        <p:attrNameLst>
+                                          <p:attrName>style.visibility</p:attrName>
+                                        </p:attrNameLst>
+                                      </p:cBhvr>
+                                      <p:to>
+                                        <p:strVal val="visible"/>
+                                      </p:to>
+                                    </p:set>
+                                  </p:childTnLst>
+                                </p:cTn>
+                              </p:par>
+                            </p:childTnLst>
+                          </p:cTn>
+                        </p:par>
+                      </p:childTnLst>
+                    </p:cTn>
+                  </p:par>
+                  <p:par>
+                    <p:cTn id="27" fill="hold">
+                      <p:stCondLst>
+                        <p:cond delay="indefinite"/>
+                      </p:stCondLst>
+                      <p:childTnLst>
+                        <p:par>
+                          <p:cTn id="28" fill="hold">
+                            <p:stCondLst>
+                              <p:cond delay="0"/>
+                            </p:stCondLst>
+                            <p:childTnLst>
+                              <p:par>
+                                <p:cTn id="29" presetID="1" presetClass="entr" presetSubtype="0" fill="hold" nodeType="clickEffect">
+                                  <p:stCondLst>
+                                    <p:cond delay="0"/>
+                                  </p:stCondLst>
+                                  <p:childTnLst>
+                                    <p:set>
+                                      <p:cBhvr>
+                                        <p:cTn id="30" dur="1" fill="hold">
+                                          <p:stCondLst>
+                                            <p:cond delay="0"/>
+                                          </p:stCondLst>
+                                        </p:cTn>
+                                        <p:tgtEl>
+                                          <p:spTgt spid="4"/>
+                                        </p:tgtEl>
+                                        <p:attrNameLst>
+                                          <p:attrName>style.visibility</p:attrName>
+                                        </p:attrNameLst>
+                                      </p:cBhvr>
+                                      <p:to>
+                                        <p:strVal val="visible"/>
+                                      </p:to>
+                                    </p:set>
+                                  </p:childTnLst>
+                                </p:cTn>
+                              </p:par>
+                            </p:childTnLst>
+                          </p:cTn>
+                        </p:par>
+                      </p:childTnLst>
+                    </p:cTn>
+                  </p:par>
+                  <p:par>
+                    <p:cTn id="31" fill="hold">
+                      <p:stCondLst>
+                        <p:cond delay="indefinite"/>
+                      </p:stCondLst>
+                      <p:childTnLst>
+                        <p:par>
+                          <p:cTn id="32" fill="hold">
+                            <p:stCondLst>
+                              <p:cond delay="0"/>
+                            </p:stCondLst>
+                            <p:childTnLst>
+                              <p:par>
+                                <p:cTn id="33" presetID="1" presetClass="entr" presetSubtype="0" fill="hold" grpId="0" nodeType="clickEffect">
+                                  <p:stCondLst>
+                                    <p:cond delay="0"/>
+                                  </p:stCondLst>
+                                  <p:childTnLst>
+                                    <p:set>
+                                      <p:cBhvr>
+                                        <p:cTn id="34" dur="1" fill="hold">
+                                          <p:stCondLst>
+                                            <p:cond delay="0"/>
+                                          </p:stCondLst>
+                                        </p:cTn>
+                                        <p:tgtEl>
+                                          <p:spTgt spid="3">
+                                            <p:txEl>
+                                              <p:pRg st="8" end="8"/>
+                                            </p:txEl>
+                                          </p:spTgt>
+                                        </p:tgtEl>
+                                        <p:attrNameLst>
+                                          <p:attrName>style.visibility</p:attrName>
+                                        </p:attrNameLst>
+                                      </p:cBhvr>
+                                      <p:to>
+                                        <p:strVal val="visible"/>
+                                      </p:to>
+                                    </p:set>
+                                  </p:childTnLst>
+                                </p:cTn>
+                              </p:par>
+                            </p:childTnLst>
+                          </p:cTn>
+                        </p:par>
+                      </p:childTnLst>
+                    </p:cTn>
+                  </p:par>
+                </p:childTnLst>
+              </p:cTn>
+              <p:prevCondLst>
+                <p:cond evt="onPrev" delay="0">
+                  <p:tgtEl>
+                    <p:sldTgt/>
+                  </p:tgtEl>
+                </p:cond>
+              </p:prevCondLst>
+              <p:nextCondLst>
+                <p:cond evt="onNext" delay="0">
+                  <p:tgtEl>
+                    <p:sldTgt/>
+                  </p:tgtEl>
+                </p:cond>
+              </p:nextCondLst>
+            </p:seq>
+          </p:childTnLst>
+        </p:cTn>
+      </p:par>
+    </p:tnLst>
+    <p:bldLst>
+      <p:bldP spid="3" grpId="0" uiExpand="1" build="p"/>
+    </p:bldLst>
+  </p:timing>
+</p:sld>
+</file>
+
+<file path=ppt/slides/slide12.xml><?xml version="1.0" encoding="utf-8"?>
+<p:sld xmlns:a="http://schemas.openxmlformats.org/drawingml/2006/main" xmlns:r="http://schemas.openxmlformats.org/officeDocument/2006/relationships" xmlns:p="http://schemas.openxmlformats.org/presentationml/2006/main">
+  <p:cSld>
+    <p:spTree>
+      <p:nvGrpSpPr>
+        <p:cNvPr id="1" name=""/>
+        <p:cNvGrpSpPr/>
+        <p:nvPr/>
+      </p:nvGrpSpPr>
+      <p:grpSpPr>
+        <a:xfrm>
+          <a:off x="0" y="0"/>
+          <a:ext cx="0" cy="0"/>
+          <a:chOff x="0" y="0"/>
+          <a:chExt cx="0" cy="0"/>
+        </a:xfrm>
+      </p:grpSpPr>
+      <p:sp>
+        <p:nvSpPr>
+          <p:cNvPr id="2" name="Title 1">
+            <a:extLst>
+              <a:ext uri="{FF2B5EF4-FFF2-40B4-BE49-F238E27FC236}">
+                <a16:creationId xmlns:a16="http://schemas.microsoft.com/office/drawing/2014/main" id="{9B8204F0-E44D-4BEE-8405-51EB6479619C}"/>
+              </a:ext>
+            </a:extLst>
+          </p:cNvPr>
+          <p:cNvSpPr>
+            <a:spLocks noGrp="1"/>
+          </p:cNvSpPr>
+          <p:nvPr>
+            <p:ph type="title"/>
+          </p:nvPr>
+        </p:nvSpPr>
+        <p:spPr/>
+        <p:txBody>
+          <a:bodyPr/>
+          <a:lstStyle/>
+          <a:p>
+            <a:r>
+              <a:rPr lang="en-US"/>
+              <a:t>Processes that generate overdispersion</a:t>
+            </a:r>
+          </a:p>
+        </p:txBody>
+      </p:sp>
+      <p:sp>
+        <p:nvSpPr>
+          <p:cNvPr id="3" name="Content Placeholder 2">
+            <a:extLst>
+              <a:ext uri="{FF2B5EF4-FFF2-40B4-BE49-F238E27FC236}">
+                <a16:creationId xmlns:a16="http://schemas.microsoft.com/office/drawing/2014/main" id="{2E7F1CFD-A4BA-48C6-87B1-BF23F5BA2AC3}"/>
+              </a:ext>
+            </a:extLst>
+          </p:cNvPr>
+          <p:cNvSpPr>
+            <a:spLocks noGrp="1"/>
+          </p:cNvSpPr>
+          <p:nvPr>
+            <p:ph idx="1"/>
+          </p:nvPr>
+        </p:nvSpPr>
+        <p:spPr/>
+        <p:txBody>
+          <a:bodyPr/>
+          <a:lstStyle/>
+          <a:p>
+            <a:r>
+              <a:rPr lang="en-US"/>
+              <a:t>Missing co-variates or random effects</a:t>
+            </a:r>
+          </a:p>
+          <a:p>
+            <a:r>
+              <a:rPr lang="en-US"/>
+              <a:t>Sampling (counting) errors</a:t>
+            </a:r>
+          </a:p>
+          <a:p>
+            <a:r>
+              <a:rPr lang="en-US"/>
+              <a:t>Non-independent (</a:t>
+            </a:r>
+            <a:r>
+              <a:rPr lang="en-US" err="1"/>
+              <a:t>ie</a:t>
+            </a:r>
+            <a:r>
+              <a:rPr lang="en-US"/>
+              <a:t>. </a:t>
+            </a:r>
+            <a:r>
+              <a:rPr lang="en-US" b="1"/>
+              <a:t>aggregated</a:t>
+            </a:r>
+            <a:r>
+              <a:rPr lang="en-US"/>
+              <a:t>) data</a:t>
+            </a:r>
+          </a:p>
+          <a:p>
+            <a:r>
+              <a:rPr lang="en-US"/>
+              <a:t>Environmental stochasticity</a:t>
+            </a:r>
+          </a:p>
+          <a:p>
+            <a:r>
+              <a:rPr lang="en-US"/>
+              <a:t>Many zeros (mixture of above, others, unknown)</a:t>
+            </a:r>
+          </a:p>
+        </p:txBody>
+      </p:sp>
+      <p:sp>
+        <p:nvSpPr>
+          <p:cNvPr id="4" name="TextBox 3">
+            <a:extLst>
+              <a:ext uri="{FF2B5EF4-FFF2-40B4-BE49-F238E27FC236}">
+                <a16:creationId xmlns:a16="http://schemas.microsoft.com/office/drawing/2014/main" id="{F0FACD0F-F01B-659F-78FE-A5913340326D}"/>
+              </a:ext>
+            </a:extLst>
+          </p:cNvPr>
+          <p:cNvSpPr txBox="1"/>
+          <p:nvPr/>
+        </p:nvSpPr>
+        <p:spPr>
+          <a:xfrm>
+            <a:off x="7016817" y="6018550"/>
+            <a:ext cx="5098181" cy="830997"/>
+          </a:xfrm>
+          <a:prstGeom prst="rect">
+            <a:avLst/>
+          </a:prstGeom>
+          <a:noFill/>
+        </p:spPr>
+        <p:txBody>
+          <a:bodyPr wrap="square" rtlCol="0">
+            <a:spAutoFit/>
+          </a:bodyPr>
+          <a:lstStyle/>
+          <a:p>
+            <a:pPr algn="r"/>
+            <a:r>
+              <a:rPr lang="en-US" sz="2400"/>
+              <a:t>Gelman and Hill 2007</a:t>
+            </a:r>
+          </a:p>
+          <a:p>
+            <a:pPr algn="r"/>
+            <a:r>
+              <a:rPr lang="en-US" sz="2400"/>
+              <a:t>Linden and </a:t>
+            </a:r>
+            <a:r>
+              <a:rPr lang="en-US" sz="2400" err="1"/>
+              <a:t>Mantyniemi</a:t>
+            </a:r>
+            <a:r>
+              <a:rPr lang="en-US" sz="2400"/>
+              <a:t> 2011 Ecology </a:t>
+            </a:r>
+          </a:p>
+        </p:txBody>
+      </p:sp>
+    </p:spTree>
+    <p:extLst>
+      <p:ext uri="{BB962C8B-B14F-4D97-AF65-F5344CB8AC3E}">
+        <p14:creationId xmlns:p14="http://schemas.microsoft.com/office/powerpoint/2010/main" val="1535460125"/>
+      </p:ext>
+    </p:extLst>
+  </p:cSld>
+  <p:clrMapOvr>
+    <a:masterClrMapping/>
+  </p:clrMapOvr>
+</p:sld>
+</file>
+
+<file path=ppt/slides/slide13.xml><?xml version="1.0" encoding="utf-8"?>
+<p:sld xmlns:a="http://schemas.openxmlformats.org/drawingml/2006/main" xmlns:r="http://schemas.openxmlformats.org/officeDocument/2006/relationships" xmlns:p="http://schemas.openxmlformats.org/presentationml/2006/main">
+  <p:cSld>
+    <p:spTree>
+      <p:nvGrpSpPr>
+        <p:cNvPr id="1" name=""/>
+        <p:cNvGrpSpPr/>
+        <p:nvPr/>
+      </p:nvGrpSpPr>
+      <p:grpSpPr>
+        <a:xfrm>
+          <a:off x="0" y="0"/>
+          <a:ext cx="0" cy="0"/>
+          <a:chOff x="0" y="0"/>
+          <a:chExt cx="0" cy="0"/>
+        </a:xfrm>
+      </p:grpSpPr>
+      <p:sp>
+        <p:nvSpPr>
+          <p:cNvPr id="2" name="Title 1">
+            <a:extLst>
+              <a:ext uri="{FF2B5EF4-FFF2-40B4-BE49-F238E27FC236}">
+                <a16:creationId xmlns:a16="http://schemas.microsoft.com/office/drawing/2014/main" id="{CCC1BF3B-01B2-4FA0-BE07-242E3AF32104}"/>
+              </a:ext>
+            </a:extLst>
+          </p:cNvPr>
+          <p:cNvSpPr>
+            <a:spLocks noGrp="1"/>
+          </p:cNvSpPr>
+          <p:nvPr>
+            <p:ph type="title"/>
+          </p:nvPr>
+        </p:nvSpPr>
+        <p:spPr/>
+        <p:txBody>
+          <a:bodyPr/>
+          <a:lstStyle/>
+          <a:p>
+            <a:r>
+              <a:rPr lang="en-US"/>
+              <a:t>What are consequences of overdispersion?</a:t>
+            </a:r>
+          </a:p>
+        </p:txBody>
+      </p:sp>
+      <p:sp>
+        <p:nvSpPr>
+          <p:cNvPr id="3" name="Content Placeholder 2">
+            <a:extLst>
+              <a:ext uri="{FF2B5EF4-FFF2-40B4-BE49-F238E27FC236}">
+                <a16:creationId xmlns:a16="http://schemas.microsoft.com/office/drawing/2014/main" id="{13DC09C9-E5E6-4E85-9068-8BC57C87A861}"/>
+              </a:ext>
+            </a:extLst>
+          </p:cNvPr>
+          <p:cNvSpPr>
+            <a:spLocks noGrp="1"/>
+          </p:cNvSpPr>
+          <p:nvPr>
+            <p:ph idx="1"/>
+          </p:nvPr>
+        </p:nvSpPr>
+        <p:spPr/>
+        <p:txBody>
+          <a:bodyPr/>
+          <a:lstStyle/>
+          <a:p>
+            <a:r>
+              <a:rPr lang="en-US"/>
+              <a:t>Confidence intervals too small</a:t>
+            </a:r>
+          </a:p>
+          <a:p>
+            <a:r>
+              <a:rPr lang="en-US"/>
+              <a:t>P-values too low, leading to Type I error</a:t>
+            </a:r>
+          </a:p>
+          <a:p>
+            <a:r>
+              <a:rPr lang="en-US"/>
+              <a:t>Biased parameter estimates</a:t>
+            </a:r>
+          </a:p>
+          <a:p>
+            <a:endParaRPr lang="en-US"/>
+          </a:p>
+        </p:txBody>
+      </p:sp>
+    </p:spTree>
+    <p:extLst>
+      <p:ext uri="{BB962C8B-B14F-4D97-AF65-F5344CB8AC3E}">
+        <p14:creationId xmlns:p14="http://schemas.microsoft.com/office/powerpoint/2010/main" val="2064534217"/>
+      </p:ext>
+    </p:extLst>
+  </p:cSld>
+  <p:clrMapOvr>
+    <a:masterClrMapping/>
+  </p:clrMapOvr>
+</p:sld>
+</file>
+
+<file path=ppt/slides/slide14.xml><?xml version="1.0" encoding="utf-8"?>
+<p:sld xmlns:a="http://schemas.openxmlformats.org/drawingml/2006/main" xmlns:r="http://schemas.openxmlformats.org/officeDocument/2006/relationships" xmlns:p="http://schemas.openxmlformats.org/presentationml/2006/main">
+  <p:cSld>
+    <p:spTree>
+      <p:nvGrpSpPr>
+        <p:cNvPr id="1" name=""/>
+        <p:cNvGrpSpPr/>
+        <p:nvPr/>
+      </p:nvGrpSpPr>
+      <p:grpSpPr>
+        <a:xfrm>
+          <a:off x="0" y="0"/>
+          <a:ext cx="0" cy="0"/>
+          <a:chOff x="0" y="0"/>
+          <a:chExt cx="0" cy="0"/>
+        </a:xfrm>
+      </p:grpSpPr>
+      <p:sp>
+        <p:nvSpPr>
+          <p:cNvPr id="2" name="Title 1">
+            <a:extLst>
+              <a:ext uri="{FF2B5EF4-FFF2-40B4-BE49-F238E27FC236}">
+                <a16:creationId xmlns:a16="http://schemas.microsoft.com/office/drawing/2014/main" id="{71FE8DF8-8FF8-7182-254D-C6AC3CA6696D}"/>
+              </a:ext>
+            </a:extLst>
+          </p:cNvPr>
+          <p:cNvSpPr>
+            <a:spLocks noGrp="1"/>
+          </p:cNvSpPr>
+          <p:nvPr>
+            <p:ph type="title"/>
+          </p:nvPr>
+        </p:nvSpPr>
+        <p:spPr/>
+        <p:txBody>
+          <a:bodyPr/>
+          <a:lstStyle/>
+          <a:p>
+            <a:r>
+              <a:rPr lang="en-US" dirty="0"/>
+              <a:t>How to remedy </a:t>
+            </a:r>
+            <a:r>
+              <a:rPr lang="en-US" dirty="0" err="1"/>
+              <a:t>overdisperion</a:t>
+            </a:r>
+            <a:r>
+              <a:rPr lang="en-US" dirty="0"/>
+              <a:t>?</a:t>
+            </a:r>
+          </a:p>
+        </p:txBody>
+      </p:sp>
+      <p:sp>
+        <p:nvSpPr>
+          <p:cNvPr id="3" name="Content Placeholder 2">
+            <a:extLst>
+              <a:ext uri="{FF2B5EF4-FFF2-40B4-BE49-F238E27FC236}">
+                <a16:creationId xmlns:a16="http://schemas.microsoft.com/office/drawing/2014/main" id="{F0EA0F56-E426-AF6B-304E-C1EB0B8C657F}"/>
+              </a:ext>
+            </a:extLst>
+          </p:cNvPr>
+          <p:cNvSpPr>
+            <a:spLocks noGrp="1"/>
+          </p:cNvSpPr>
+          <p:nvPr>
+            <p:ph idx="1"/>
+          </p:nvPr>
+        </p:nvSpPr>
+        <p:spPr/>
+        <p:txBody>
+          <a:bodyPr/>
+          <a:lstStyle/>
+          <a:p>
+            <a:endParaRPr lang="en-US"/>
+          </a:p>
+        </p:txBody>
+      </p:sp>
+    </p:spTree>
+    <p:extLst>
+      <p:ext uri="{BB962C8B-B14F-4D97-AF65-F5344CB8AC3E}">
+        <p14:creationId xmlns:p14="http://schemas.microsoft.com/office/powerpoint/2010/main" val="2967529667"/>
+      </p:ext>
+    </p:extLst>
+  </p:cSld>
+  <p:clrMapOvr>
+    <a:masterClrMapping/>
+  </p:clrMapOvr>
+</p:sld>
+</file>
+
+<file path=ppt/slides/slide15.xml><?xml version="1.0" encoding="utf-8"?>
+<p:sld xmlns:a="http://schemas.openxmlformats.org/drawingml/2006/main" xmlns:r="http://schemas.openxmlformats.org/officeDocument/2006/relationships" xmlns:p="http://schemas.openxmlformats.org/presentationml/2006/main">
+  <p:cSld>
+    <p:spTree>
+      <p:nvGrpSpPr>
+        <p:cNvPr id="1" name="">
+          <a:extLst>
+            <a:ext uri="{FF2B5EF4-FFF2-40B4-BE49-F238E27FC236}">
               <a16:creationId xmlns:a16="http://schemas.microsoft.com/office/drawing/2014/main" id="{F7AC62BC-43BE-337D-52FE-B26C629F3ADB}"/>
             </a:ext>
           </a:extLst>
@@ -5943,8 +7537,8 @@
           </a:p>
         </p:txBody>
       </p:sp>
-      <mc:AlternateContent xmlns:mc="http://schemas.openxmlformats.org/markup-compatibility/2006">
-        <mc:Choice xmlns:p14="http://schemas.microsoft.com/office/powerpoint/2010/main" Requires="p14">
+      <mc:AlternateContent xmlns:mc="http://schemas.openxmlformats.org/markup-compatibility/2006" xmlns:p14="http://schemas.microsoft.com/office/powerpoint/2010/main">
+        <mc:Choice Requires="p14">
           <p:contentPart p14:bwMode="auto" r:id="rId3">
             <p14:nvContentPartPr>
               <p14:cNvPr id="10" name="Ink 9">
@@ -5963,7 +7557,7 @@
             </p14:xfrm>
           </p:contentPart>
         </mc:Choice>
-        <mc:Fallback>
+        <mc:Fallback xmlns="">
           <p:pic>
             <p:nvPicPr>
               <p:cNvPr id="10" name="Ink 9">
@@ -6007,7 +7601,7 @@
 </p:sld>
 </file>
 
-<file path=ppt/slides/slide11.xml><?xml version="1.0" encoding="utf-8"?>
+<file path=ppt/slides/slide16.xml><?xml version="1.0" encoding="utf-8"?>
 <p:sld xmlns:a="http://schemas.openxmlformats.org/drawingml/2006/main" xmlns:r="http://schemas.openxmlformats.org/officeDocument/2006/relationships" xmlns:p="http://schemas.openxmlformats.org/presentationml/2006/main">
   <p:cSld>
     <p:spTree>
@@ -6106,8 +7700,8 @@
           </a:p>
         </p:txBody>
       </p:sp>
-      <mc:AlternateContent xmlns:mc="http://schemas.openxmlformats.org/markup-compatibility/2006">
-        <mc:Choice xmlns:p14="http://schemas.microsoft.com/office/powerpoint/2010/main" Requires="p14">
+      <mc:AlternateContent xmlns:mc="http://schemas.openxmlformats.org/markup-compatibility/2006" xmlns:p14="http://schemas.microsoft.com/office/powerpoint/2010/main">
+        <mc:Choice Requires="p14">
           <p:contentPart p14:bwMode="auto" r:id="rId3">
             <p14:nvContentPartPr>
               <p14:cNvPr id="10" name="Ink 9">
@@ -6126,7 +7720,7 @@
             </p14:xfrm>
           </p:contentPart>
         </mc:Choice>
-        <mc:Fallback>
+        <mc:Fallback xmlns="">
           <p:pic>
             <p:nvPicPr>
               <p:cNvPr id="10" name="Ink 9">
@@ -6310,7 +7904,7 @@
 </p:sld>
 </file>
 
-<file path=ppt/slides/slide12.xml><?xml version="1.0" encoding="utf-8"?>
+<file path=ppt/slides/slide17.xml><?xml version="1.0" encoding="utf-8"?>
 <p:sld xmlns:a="http://schemas.openxmlformats.org/drawingml/2006/main" xmlns:r="http://schemas.openxmlformats.org/officeDocument/2006/relationships" xmlns:p="http://schemas.openxmlformats.org/presentationml/2006/main">
   <p:cSld>
     <p:spTree>
@@ -6560,7 +8154,7 @@
 </p:sld>
 </file>
 
-<file path=ppt/slides/slide13.xml><?xml version="1.0" encoding="utf-8"?>
+<file path=ppt/slides/slide18.xml><?xml version="1.0" encoding="utf-8"?>
 <p:sld xmlns:a="http://schemas.openxmlformats.org/drawingml/2006/main" xmlns:r="http://schemas.openxmlformats.org/officeDocument/2006/relationships" xmlns:p="http://schemas.openxmlformats.org/presentationml/2006/main">
   <p:cSld>
     <p:spTree>
@@ -7104,8 +8698,8 @@
           </a:p>
         </p:txBody>
       </p:sp>
-      <mc:AlternateContent xmlns:mc="http://schemas.openxmlformats.org/markup-compatibility/2006">
-        <mc:Choice xmlns:p14="http://schemas.microsoft.com/office/powerpoint/2010/main" Requires="p14">
+      <mc:AlternateContent xmlns:mc="http://schemas.openxmlformats.org/markup-compatibility/2006" xmlns:p14="http://schemas.microsoft.com/office/powerpoint/2010/main">
+        <mc:Choice Requires="p14">
           <p:contentPart p14:bwMode="auto" r:id="rId3">
             <p14:nvContentPartPr>
               <p14:cNvPr id="10" name="Ink 9">
@@ -7124,7 +8718,7 @@
             </p14:xfrm>
           </p:contentPart>
         </mc:Choice>
-        <mc:Fallback>
+        <mc:Fallback xmlns="">
           <p:pic>
             <p:nvPicPr>
               <p:cNvPr id="10" name="Ink 9">
@@ -7267,7 +8861,7 @@
 </p:sld>
 </file>
 
-<file path=ppt/slides/slide14.xml><?xml version="1.0" encoding="utf-8"?>
+<file path=ppt/slides/slide19.xml><?xml version="1.0" encoding="utf-8"?>
 <p:sld xmlns:a="http://schemas.openxmlformats.org/drawingml/2006/main" xmlns:r="http://schemas.openxmlformats.org/officeDocument/2006/relationships" xmlns:p="http://schemas.openxmlformats.org/presentationml/2006/main">
   <p:cSld>
     <p:spTree>
@@ -7501,7 +9095,520 @@
 </p:sld>
 </file>
 
-<file path=ppt/slides/slide15.xml><?xml version="1.0" encoding="utf-8"?>
+<file path=ppt/slides/slide2.xml><?xml version="1.0" encoding="utf-8"?>
+<p:sld xmlns:a="http://schemas.openxmlformats.org/drawingml/2006/main" xmlns:r="http://schemas.openxmlformats.org/officeDocument/2006/relationships" xmlns:p="http://schemas.openxmlformats.org/presentationml/2006/main">
+  <p:cSld>
+    <p:spTree>
+      <p:nvGrpSpPr>
+        <p:cNvPr id="1" name=""/>
+        <p:cNvGrpSpPr/>
+        <p:nvPr/>
+      </p:nvGrpSpPr>
+      <p:grpSpPr>
+        <a:xfrm>
+          <a:off x="0" y="0"/>
+          <a:ext cx="0" cy="0"/>
+          <a:chOff x="0" y="0"/>
+          <a:chExt cx="0" cy="0"/>
+        </a:xfrm>
+      </p:grpSpPr>
+      <p:pic>
+        <p:nvPicPr>
+          <p:cNvPr id="8" name="Picture 7" descr="A screenshot of a computer&#10;&#10;Description automatically generated">
+            <a:extLst>
+              <a:ext uri="{FF2B5EF4-FFF2-40B4-BE49-F238E27FC236}">
+                <a16:creationId xmlns:a16="http://schemas.microsoft.com/office/drawing/2014/main" id="{3B5A5F77-9693-95A1-E667-6148EC8FEAA1}"/>
+              </a:ext>
+            </a:extLst>
+          </p:cNvPr>
+          <p:cNvPicPr>
+            <a:picLocks noChangeAspect="1"/>
+          </p:cNvPicPr>
+          <p:nvPr/>
+        </p:nvPicPr>
+        <p:blipFill rotWithShape="1">
+          <a:blip r:embed="rId2">
+            <a:extLst>
+              <a:ext uri="{28A0092B-C50C-407E-A947-70E740481C1C}">
+                <a14:useLocalDpi xmlns:a14="http://schemas.microsoft.com/office/drawing/2010/main" val="0"/>
+              </a:ext>
+            </a:extLst>
+          </a:blip>
+          <a:srcRect t="10408" r="73534" b="41763"/>
+          <a:stretch/>
+        </p:blipFill>
+        <p:spPr>
+          <a:xfrm>
+            <a:off x="5972493" y="640120"/>
+            <a:ext cx="5656610" cy="5536843"/>
+          </a:xfrm>
+          <a:prstGeom prst="rect">
+            <a:avLst/>
+          </a:prstGeom>
+        </p:spPr>
+      </p:pic>
+      <p:sp>
+        <p:nvSpPr>
+          <p:cNvPr id="7" name="Title 6">
+            <a:extLst>
+              <a:ext uri="{FF2B5EF4-FFF2-40B4-BE49-F238E27FC236}">
+                <a16:creationId xmlns:a16="http://schemas.microsoft.com/office/drawing/2014/main" id="{D65FADC1-E2DD-4781-84F3-3E0B6262BCB3}"/>
+              </a:ext>
+            </a:extLst>
+          </p:cNvPr>
+          <p:cNvSpPr>
+            <a:spLocks noGrp="1"/>
+          </p:cNvSpPr>
+          <p:nvPr>
+            <p:ph type="title"/>
+          </p:nvPr>
+        </p:nvSpPr>
+        <p:spPr/>
+        <p:txBody>
+          <a:bodyPr/>
+          <a:lstStyle/>
+          <a:p>
+            <a:r>
+              <a:rPr lang="en-US" dirty="0"/>
+              <a:t>Beall webworm data</a:t>
+            </a:r>
+          </a:p>
+        </p:txBody>
+      </p:sp>
+      <p:sp>
+        <p:nvSpPr>
+          <p:cNvPr id="10" name="Content Placeholder 9">
+            <a:extLst>
+              <a:ext uri="{FF2B5EF4-FFF2-40B4-BE49-F238E27FC236}">
+                <a16:creationId xmlns:a16="http://schemas.microsoft.com/office/drawing/2014/main" id="{048370A2-B5F1-4E4A-B11D-BD72CFA7E09C}"/>
+              </a:ext>
+            </a:extLst>
+          </p:cNvPr>
+          <p:cNvSpPr>
+            <a:spLocks noGrp="1"/>
+          </p:cNvSpPr>
+          <p:nvPr>
+            <p:ph idx="1"/>
+          </p:nvPr>
+        </p:nvSpPr>
+        <p:spPr>
+          <a:xfrm>
+            <a:off x="838200" y="1825625"/>
+            <a:ext cx="5257800" cy="4351338"/>
+          </a:xfrm>
+        </p:spPr>
+        <p:txBody>
+          <a:bodyPr/>
+          <a:lstStyle/>
+          <a:p>
+            <a:r>
+              <a:rPr lang="en-US" dirty="0"/>
+              <a:t>Counts of webworms in plots sprayed with insecticide or lead/arsenic</a:t>
+            </a:r>
+          </a:p>
+          <a:p>
+            <a:pPr lvl="1"/>
+            <a:r>
+              <a:rPr lang="en-US" dirty="0"/>
+              <a:t>2 insecticide treatments (N/Y)</a:t>
+            </a:r>
+          </a:p>
+          <a:p>
+            <a:pPr lvl="1"/>
+            <a:r>
+              <a:rPr lang="en-US" dirty="0"/>
+              <a:t>2 lead treatments (N/Y)</a:t>
+            </a:r>
+          </a:p>
+          <a:p>
+            <a:pPr lvl="1"/>
+            <a:r>
+              <a:rPr lang="en-US" dirty="0"/>
+              <a:t>2 x 2 factorial design</a:t>
+            </a:r>
+          </a:p>
+          <a:p>
+            <a:endParaRPr lang="en-US" dirty="0"/>
+          </a:p>
+        </p:txBody>
+      </p:sp>
+      <p:pic>
+        <p:nvPicPr>
+          <p:cNvPr id="3" name="Picture 2" descr="Adult female fall webworm, Hyphantria cunea (Drury), laying eggs. Usually there are 400-1000 eggs in a batch. Female died following oviposition, never moving from the leaf. ">
+            <a:extLst>
+              <a:ext uri="{FF2B5EF4-FFF2-40B4-BE49-F238E27FC236}">
+                <a16:creationId xmlns:a16="http://schemas.microsoft.com/office/drawing/2014/main" id="{A1303506-E120-5C5A-ECD7-5368F92D00DF}"/>
+              </a:ext>
+            </a:extLst>
+          </p:cNvPr>
+          <p:cNvPicPr>
+            <a:picLocks noChangeAspect="1" noChangeArrowheads="1"/>
+          </p:cNvPicPr>
+          <p:nvPr/>
+        </p:nvPicPr>
+        <p:blipFill>
+          <a:blip r:embed="rId3">
+            <a:extLst>
+              <a:ext uri="{28A0092B-C50C-407E-A947-70E740481C1C}">
+                <a14:useLocalDpi xmlns:a14="http://schemas.microsoft.com/office/drawing/2010/main" val="0"/>
+              </a:ext>
+            </a:extLst>
+          </a:blip>
+          <a:srcRect/>
+          <a:stretch>
+            <a:fillRect/>
+          </a:stretch>
+        </p:blipFill>
+        <p:spPr bwMode="auto">
+          <a:xfrm>
+            <a:off x="1980875" y="4297553"/>
+            <a:ext cx="2184400" cy="2195322"/>
+          </a:xfrm>
+          <a:prstGeom prst="rect">
+            <a:avLst/>
+          </a:prstGeom>
+          <a:noFill/>
+          <a:extLst>
+            <a:ext uri="{909E8E84-426E-40DD-AFC4-6F175D3DCCD1}">
+              <a14:hiddenFill xmlns:a14="http://schemas.microsoft.com/office/drawing/2010/main">
+                <a:solidFill>
+                  <a:srgbClr val="FFFFFF"/>
+                </a:solidFill>
+              </a14:hiddenFill>
+            </a:ext>
+          </a:extLst>
+        </p:spPr>
+      </p:pic>
+    </p:spTree>
+    <p:extLst>
+      <p:ext uri="{BB962C8B-B14F-4D97-AF65-F5344CB8AC3E}">
+        <p14:creationId xmlns:p14="http://schemas.microsoft.com/office/powerpoint/2010/main" val="3267362473"/>
+      </p:ext>
+    </p:extLst>
+  </p:cSld>
+  <p:clrMapOvr>
+    <a:masterClrMapping/>
+  </p:clrMapOvr>
+  <p:timing>
+    <p:tnLst>
+      <p:par>
+        <p:cTn id="1" dur="indefinite" restart="never" nodeType="tmRoot">
+          <p:childTnLst>
+            <p:seq concurrent="1" nextAc="seek">
+              <p:cTn id="2" dur="indefinite" nodeType="mainSeq">
+                <p:childTnLst>
+                  <p:par>
+                    <p:cTn id="3" fill="hold">
+                      <p:stCondLst>
+                        <p:cond delay="indefinite"/>
+                      </p:stCondLst>
+                      <p:childTnLst>
+                        <p:par>
+                          <p:cTn id="4" fill="hold">
+                            <p:stCondLst>
+                              <p:cond delay="0"/>
+                            </p:stCondLst>
+                            <p:childTnLst>
+                              <p:par>
+                                <p:cTn id="5" presetID="1" presetClass="entr" presetSubtype="0" fill="hold" nodeType="clickEffect">
+                                  <p:stCondLst>
+                                    <p:cond delay="0"/>
+                                  </p:stCondLst>
+                                  <p:childTnLst>
+                                    <p:set>
+                                      <p:cBhvr>
+                                        <p:cTn id="6" dur="1" fill="hold">
+                                          <p:stCondLst>
+                                            <p:cond delay="0"/>
+                                          </p:stCondLst>
+                                        </p:cTn>
+                                        <p:tgtEl>
+                                          <p:spTgt spid="8"/>
+                                        </p:tgtEl>
+                                        <p:attrNameLst>
+                                          <p:attrName>style.visibility</p:attrName>
+                                        </p:attrNameLst>
+                                      </p:cBhvr>
+                                      <p:to>
+                                        <p:strVal val="visible"/>
+                                      </p:to>
+                                    </p:set>
+                                  </p:childTnLst>
+                                </p:cTn>
+                              </p:par>
+                            </p:childTnLst>
+                          </p:cTn>
+                        </p:par>
+                      </p:childTnLst>
+                    </p:cTn>
+                  </p:par>
+                </p:childTnLst>
+              </p:cTn>
+              <p:prevCondLst>
+                <p:cond evt="onPrev" delay="0">
+                  <p:tgtEl>
+                    <p:sldTgt/>
+                  </p:tgtEl>
+                </p:cond>
+              </p:prevCondLst>
+              <p:nextCondLst>
+                <p:cond evt="onNext" delay="0">
+                  <p:tgtEl>
+                    <p:sldTgt/>
+                  </p:tgtEl>
+                </p:cond>
+              </p:nextCondLst>
+            </p:seq>
+          </p:childTnLst>
+        </p:cTn>
+      </p:par>
+    </p:tnLst>
+  </p:timing>
+</p:sld>
+</file>
+
+<file path=ppt/slides/slide20.xml><?xml version="1.0" encoding="utf-8"?>
+<p:sld xmlns:a="http://schemas.openxmlformats.org/drawingml/2006/main" xmlns:r="http://schemas.openxmlformats.org/officeDocument/2006/relationships" xmlns:p="http://schemas.openxmlformats.org/presentationml/2006/main">
+  <p:cSld>
+    <p:spTree>
+      <p:nvGrpSpPr>
+        <p:cNvPr id="1" name=""/>
+        <p:cNvGrpSpPr/>
+        <p:nvPr/>
+      </p:nvGrpSpPr>
+      <p:grpSpPr>
+        <a:xfrm>
+          <a:off x="0" y="0"/>
+          <a:ext cx="0" cy="0"/>
+          <a:chOff x="0" y="0"/>
+          <a:chExt cx="0" cy="0"/>
+        </a:xfrm>
+      </p:grpSpPr>
+      <p:sp>
+        <p:nvSpPr>
+          <p:cNvPr id="2" name="Title 1">
+            <a:extLst>
+              <a:ext uri="{FF2B5EF4-FFF2-40B4-BE49-F238E27FC236}">
+                <a16:creationId xmlns:a16="http://schemas.microsoft.com/office/drawing/2014/main" id="{8FC4BC36-5F1C-43CA-A318-4AD27155D806}"/>
+              </a:ext>
+            </a:extLst>
+          </p:cNvPr>
+          <p:cNvSpPr>
+            <a:spLocks noGrp="1"/>
+          </p:cNvSpPr>
+          <p:nvPr>
+            <p:ph type="title"/>
+          </p:nvPr>
+        </p:nvSpPr>
+        <p:spPr/>
+        <p:txBody>
+          <a:bodyPr/>
+          <a:lstStyle/>
+          <a:p>
+            <a:r>
+              <a:rPr lang="en-US" dirty="0"/>
+              <a:t>The block is good… but is it the best?</a:t>
+            </a:r>
+          </a:p>
+        </p:txBody>
+      </p:sp>
+      <p:sp>
+        <p:nvSpPr>
+          <p:cNvPr id="3" name="Content Placeholder 2">
+            <a:extLst>
+              <a:ext uri="{FF2B5EF4-FFF2-40B4-BE49-F238E27FC236}">
+                <a16:creationId xmlns:a16="http://schemas.microsoft.com/office/drawing/2014/main" id="{12E1D748-7EA9-DE3A-0941-08572D727313}"/>
+              </a:ext>
+            </a:extLst>
+          </p:cNvPr>
+          <p:cNvSpPr>
+            <a:spLocks noGrp="1"/>
+          </p:cNvSpPr>
+          <p:nvPr>
+            <p:ph idx="1"/>
+          </p:nvPr>
+        </p:nvSpPr>
+        <p:spPr/>
+        <p:txBody>
+          <a:bodyPr/>
+          <a:lstStyle/>
+          <a:p>
+            <a:r>
+              <a:rPr lang="en-US" dirty="0"/>
+              <a:t>AIC is a measure of model fit, balancing explanatory power and simplicity</a:t>
+            </a:r>
+          </a:p>
+          <a:p>
+            <a:r>
+              <a:rPr lang="en-US" dirty="0"/>
+              <a:t>Can use AIC to compare models with the same response variable</a:t>
+            </a:r>
+          </a:p>
+          <a:p>
+            <a:pPr lvl="1"/>
+            <a:r>
+              <a:rPr lang="en-US" dirty="0"/>
+              <a:t>Models with different fixed and random effects</a:t>
+            </a:r>
+          </a:p>
+          <a:p>
+            <a:pPr lvl="1"/>
+            <a:r>
+              <a:rPr lang="en-US" dirty="0"/>
+              <a:t>Can’t compare:</a:t>
+            </a:r>
+          </a:p>
+          <a:p>
+            <a:pPr lvl="2"/>
+            <a:r>
+              <a:rPr lang="en-US" dirty="0"/>
+              <a:t>Transformed vs untransformed</a:t>
+            </a:r>
+          </a:p>
+          <a:p>
+            <a:pPr lvl="2"/>
+            <a:r>
+              <a:rPr lang="en-US" dirty="0"/>
+              <a:t>Models with different families</a:t>
+            </a:r>
+          </a:p>
+          <a:p>
+            <a:pPr lvl="2"/>
+            <a:r>
+              <a:rPr lang="en-US" dirty="0"/>
+              <a:t>Full dataset vs </a:t>
+            </a:r>
+            <a:r>
+              <a:rPr lang="en-US" dirty="0" err="1"/>
+              <a:t>subsetted</a:t>
+            </a:r>
+            <a:r>
+              <a:rPr lang="en-US" dirty="0"/>
+              <a:t> dataset (</a:t>
+            </a:r>
+            <a:r>
+              <a:rPr lang="en-US" dirty="0" err="1"/>
+              <a:t>ie</a:t>
+            </a:r>
+            <a:r>
+              <a:rPr lang="en-US" dirty="0"/>
+              <a:t>. outlier removed)</a:t>
+            </a:r>
+          </a:p>
+          <a:p>
+            <a:r>
+              <a:rPr lang="en-US" dirty="0"/>
+              <a:t>Lower AIC is better</a:t>
+            </a:r>
+          </a:p>
+        </p:txBody>
+      </p:sp>
+    </p:spTree>
+    <p:extLst>
+      <p:ext uri="{BB962C8B-B14F-4D97-AF65-F5344CB8AC3E}">
+        <p14:creationId xmlns:p14="http://schemas.microsoft.com/office/powerpoint/2010/main" val="2832366463"/>
+      </p:ext>
+    </p:extLst>
+  </p:cSld>
+  <p:clrMapOvr>
+    <a:masterClrMapping/>
+  </p:clrMapOvr>
+</p:sld>
+</file>
+
+<file path=ppt/slides/slide21.xml><?xml version="1.0" encoding="utf-8"?>
+<p:sld xmlns:a="http://schemas.openxmlformats.org/drawingml/2006/main" xmlns:r="http://schemas.openxmlformats.org/officeDocument/2006/relationships" xmlns:p="http://schemas.openxmlformats.org/presentationml/2006/main">
+  <p:cSld>
+    <p:spTree>
+      <p:nvGrpSpPr>
+        <p:cNvPr id="1" name="">
+          <a:extLst>
+            <a:ext uri="{FF2B5EF4-FFF2-40B4-BE49-F238E27FC236}">
+              <a16:creationId xmlns:a16="http://schemas.microsoft.com/office/drawing/2014/main" id="{B950D74F-9207-7AAE-6BD8-3849BD73BB9C}"/>
+            </a:ext>
+          </a:extLst>
+        </p:cNvPr>
+        <p:cNvGrpSpPr/>
+        <p:nvPr/>
+      </p:nvGrpSpPr>
+      <p:grpSpPr>
+        <a:xfrm>
+          <a:off x="0" y="0"/>
+          <a:ext cx="0" cy="0"/>
+          <a:chOff x="0" y="0"/>
+          <a:chExt cx="0" cy="0"/>
+        </a:xfrm>
+      </p:grpSpPr>
+      <p:sp>
+        <p:nvSpPr>
+          <p:cNvPr id="2" name="Title 1">
+            <a:extLst>
+              <a:ext uri="{FF2B5EF4-FFF2-40B4-BE49-F238E27FC236}">
+                <a16:creationId xmlns:a16="http://schemas.microsoft.com/office/drawing/2014/main" id="{355A2F08-5240-E4E8-2943-224D97CD6B84}"/>
+              </a:ext>
+            </a:extLst>
+          </p:cNvPr>
+          <p:cNvSpPr>
+            <a:spLocks noGrp="1"/>
+          </p:cNvSpPr>
+          <p:nvPr>
+            <p:ph type="title"/>
+          </p:nvPr>
+        </p:nvSpPr>
+        <p:spPr/>
+        <p:txBody>
+          <a:bodyPr/>
+          <a:lstStyle/>
+          <a:p>
+            <a:r>
+              <a:rPr lang="en-US" dirty="0"/>
+              <a:t>The block is good… but is it the best?</a:t>
+            </a:r>
+          </a:p>
+        </p:txBody>
+      </p:sp>
+      <p:sp>
+        <p:nvSpPr>
+          <p:cNvPr id="3" name="Content Placeholder 2">
+            <a:extLst>
+              <a:ext uri="{FF2B5EF4-FFF2-40B4-BE49-F238E27FC236}">
+                <a16:creationId xmlns:a16="http://schemas.microsoft.com/office/drawing/2014/main" id="{A52A558E-43E0-E9B1-6A84-883011522F32}"/>
+              </a:ext>
+            </a:extLst>
+          </p:cNvPr>
+          <p:cNvSpPr>
+            <a:spLocks noGrp="1"/>
+          </p:cNvSpPr>
+          <p:nvPr>
+            <p:ph idx="1"/>
+          </p:nvPr>
+        </p:nvSpPr>
+        <p:spPr/>
+        <p:txBody>
+          <a:bodyPr/>
+          <a:lstStyle/>
+          <a:p>
+            <a:r>
+              <a:rPr lang="en-US" dirty="0"/>
+              <a:t>ADD SLIDE SHOWING AIC VALUES</a:t>
+            </a:r>
+          </a:p>
+        </p:txBody>
+      </p:sp>
+    </p:spTree>
+    <p:extLst>
+      <p:ext uri="{BB962C8B-B14F-4D97-AF65-F5344CB8AC3E}">
+        <p14:creationId xmlns:p14="http://schemas.microsoft.com/office/powerpoint/2010/main" val="1885825590"/>
+      </p:ext>
+    </p:extLst>
+  </p:cSld>
+  <p:clrMapOvr>
+    <a:masterClrMapping/>
+  </p:clrMapOvr>
+</p:sld>
+</file>
+
+<file path=ppt/slides/slide22.xml><?xml version="1.0" encoding="utf-8"?>
 <p:sld xmlns:a="http://schemas.openxmlformats.org/drawingml/2006/main" xmlns:r="http://schemas.openxmlformats.org/officeDocument/2006/relationships" xmlns:p="http://schemas.openxmlformats.org/presentationml/2006/main">
   <p:cSld>
     <p:spTree>
@@ -7919,12 +10026,842 @@
           </a:p>
         </p:txBody>
       </p:sp>
+    </p:spTree>
+    <p:extLst>
+      <p:ext uri="{BB962C8B-B14F-4D97-AF65-F5344CB8AC3E}">
+        <p14:creationId xmlns:p14="http://schemas.microsoft.com/office/powerpoint/2010/main" val="2164730604"/>
+      </p:ext>
+    </p:extLst>
+  </p:cSld>
+  <p:clrMapOvr>
+    <a:masterClrMapping/>
+  </p:clrMapOvr>
+  <p:timing>
+    <p:tnLst>
+      <p:par>
+        <p:cTn id="1" dur="indefinite" restart="never" nodeType="tmRoot">
+          <p:childTnLst>
+            <p:seq concurrent="1" nextAc="seek">
+              <p:cTn id="2" dur="indefinite" nodeType="mainSeq">
+                <p:childTnLst>
+                  <p:par>
+                    <p:cTn id="3" fill="hold">
+                      <p:stCondLst>
+                        <p:cond delay="indefinite"/>
+                      </p:stCondLst>
+                      <p:childTnLst>
+                        <p:par>
+                          <p:cTn id="4" fill="hold">
+                            <p:stCondLst>
+                              <p:cond delay="0"/>
+                            </p:stCondLst>
+                            <p:childTnLst>
+                              <p:par>
+                                <p:cTn id="5" presetID="1" presetClass="entr" presetSubtype="0" fill="hold" nodeType="clickEffect">
+                                  <p:stCondLst>
+                                    <p:cond delay="0"/>
+                                  </p:stCondLst>
+                                  <p:childTnLst>
+                                    <p:set>
+                                      <p:cBhvr>
+                                        <p:cTn id="6" dur="1" fill="hold">
+                                          <p:stCondLst>
+                                            <p:cond delay="0"/>
+                                          </p:stCondLst>
+                                        </p:cTn>
+                                        <p:tgtEl>
+                                          <p:spTgt spid="9"/>
+                                        </p:tgtEl>
+                                        <p:attrNameLst>
+                                          <p:attrName>style.visibility</p:attrName>
+                                        </p:attrNameLst>
+                                      </p:cBhvr>
+                                      <p:to>
+                                        <p:strVal val="visible"/>
+                                      </p:to>
+                                    </p:set>
+                                  </p:childTnLst>
+                                </p:cTn>
+                              </p:par>
+                              <p:par>
+                                <p:cTn id="7" presetID="1" presetClass="entr" presetSubtype="0" fill="hold" grpId="0" nodeType="withEffect">
+                                  <p:stCondLst>
+                                    <p:cond delay="0"/>
+                                  </p:stCondLst>
+                                  <p:childTnLst>
+                                    <p:set>
+                                      <p:cBhvr>
+                                        <p:cTn id="8" dur="1" fill="hold">
+                                          <p:stCondLst>
+                                            <p:cond delay="0"/>
+                                          </p:stCondLst>
+                                        </p:cTn>
+                                        <p:tgtEl>
+                                          <p:spTgt spid="6"/>
+                                        </p:tgtEl>
+                                        <p:attrNameLst>
+                                          <p:attrName>style.visibility</p:attrName>
+                                        </p:attrNameLst>
+                                      </p:cBhvr>
+                                      <p:to>
+                                        <p:strVal val="visible"/>
+                                      </p:to>
+                                    </p:set>
+                                  </p:childTnLst>
+                                </p:cTn>
+                              </p:par>
+                              <p:par>
+                                <p:cTn id="9" presetID="1" presetClass="entr" presetSubtype="0" fill="hold" grpId="0" nodeType="withEffect">
+                                  <p:stCondLst>
+                                    <p:cond delay="0"/>
+                                  </p:stCondLst>
+                                  <p:childTnLst>
+                                    <p:set>
+                                      <p:cBhvr>
+                                        <p:cTn id="10" dur="1" fill="hold">
+                                          <p:stCondLst>
+                                            <p:cond delay="0"/>
+                                          </p:stCondLst>
+                                        </p:cTn>
+                                        <p:tgtEl>
+                                          <p:spTgt spid="10"/>
+                                        </p:tgtEl>
+                                        <p:attrNameLst>
+                                          <p:attrName>style.visibility</p:attrName>
+                                        </p:attrNameLst>
+                                      </p:cBhvr>
+                                      <p:to>
+                                        <p:strVal val="visible"/>
+                                      </p:to>
+                                    </p:set>
+                                  </p:childTnLst>
+                                </p:cTn>
+                              </p:par>
+                            </p:childTnLst>
+                          </p:cTn>
+                        </p:par>
+                      </p:childTnLst>
+                    </p:cTn>
+                  </p:par>
+                  <p:par>
+                    <p:cTn id="11" fill="hold">
+                      <p:stCondLst>
+                        <p:cond delay="indefinite"/>
+                      </p:stCondLst>
+                      <p:childTnLst>
+                        <p:par>
+                          <p:cTn id="12" fill="hold">
+                            <p:stCondLst>
+                              <p:cond delay="0"/>
+                            </p:stCondLst>
+                            <p:childTnLst>
+                              <p:par>
+                                <p:cTn id="13" presetID="1" presetClass="entr" presetSubtype="0" fill="hold" nodeType="clickEffect">
+                                  <p:stCondLst>
+                                    <p:cond delay="0"/>
+                                  </p:stCondLst>
+                                  <p:childTnLst>
+                                    <p:set>
+                                      <p:cBhvr>
+                                        <p:cTn id="14" dur="1" fill="hold">
+                                          <p:stCondLst>
+                                            <p:cond delay="0"/>
+                                          </p:stCondLst>
+                                        </p:cTn>
+                                        <p:tgtEl>
+                                          <p:spTgt spid="12"/>
+                                        </p:tgtEl>
+                                        <p:attrNameLst>
+                                          <p:attrName>style.visibility</p:attrName>
+                                        </p:attrNameLst>
+                                      </p:cBhvr>
+                                      <p:to>
+                                        <p:strVal val="visible"/>
+                                      </p:to>
+                                    </p:set>
+                                  </p:childTnLst>
+                                </p:cTn>
+                              </p:par>
+                              <p:par>
+                                <p:cTn id="15" presetID="1" presetClass="entr" presetSubtype="0" fill="hold" grpId="0" nodeType="withEffect">
+                                  <p:stCondLst>
+                                    <p:cond delay="0"/>
+                                  </p:stCondLst>
+                                  <p:childTnLst>
+                                    <p:set>
+                                      <p:cBhvr>
+                                        <p:cTn id="16" dur="1" fill="hold">
+                                          <p:stCondLst>
+                                            <p:cond delay="0"/>
+                                          </p:stCondLst>
+                                        </p:cTn>
+                                        <p:tgtEl>
+                                          <p:spTgt spid="13"/>
+                                        </p:tgtEl>
+                                        <p:attrNameLst>
+                                          <p:attrName>style.visibility</p:attrName>
+                                        </p:attrNameLst>
+                                      </p:cBhvr>
+                                      <p:to>
+                                        <p:strVal val="visible"/>
+                                      </p:to>
+                                    </p:set>
+                                  </p:childTnLst>
+                                </p:cTn>
+                              </p:par>
+                            </p:childTnLst>
+                          </p:cTn>
+                        </p:par>
+                      </p:childTnLst>
+                    </p:cTn>
+                  </p:par>
+                  <p:par>
+                    <p:cTn id="17" fill="hold">
+                      <p:stCondLst>
+                        <p:cond delay="indefinite"/>
+                      </p:stCondLst>
+                      <p:childTnLst>
+                        <p:par>
+                          <p:cTn id="18" fill="hold">
+                            <p:stCondLst>
+                              <p:cond delay="0"/>
+                            </p:stCondLst>
+                            <p:childTnLst>
+                              <p:par>
+                                <p:cTn id="19" presetID="1" presetClass="entr" presetSubtype="0" fill="hold" grpId="0" nodeType="clickEffect">
+                                  <p:stCondLst>
+                                    <p:cond delay="0"/>
+                                  </p:stCondLst>
+                                  <p:childTnLst>
+                                    <p:set>
+                                      <p:cBhvr>
+                                        <p:cTn id="20" dur="1" fill="hold">
+                                          <p:stCondLst>
+                                            <p:cond delay="0"/>
+                                          </p:stCondLst>
+                                        </p:cTn>
+                                        <p:tgtEl>
+                                          <p:spTgt spid="14"/>
+                                        </p:tgtEl>
+                                        <p:attrNameLst>
+                                          <p:attrName>style.visibility</p:attrName>
+                                        </p:attrNameLst>
+                                      </p:cBhvr>
+                                      <p:to>
+                                        <p:strVal val="visible"/>
+                                      </p:to>
+                                    </p:set>
+                                  </p:childTnLst>
+                                </p:cTn>
+                              </p:par>
+                              <p:par>
+                                <p:cTn id="21" presetID="1" presetClass="entr" presetSubtype="0" fill="hold" nodeType="withEffect">
+                                  <p:stCondLst>
+                                    <p:cond delay="0"/>
+                                  </p:stCondLst>
+                                  <p:childTnLst>
+                                    <p:set>
+                                      <p:cBhvr>
+                                        <p:cTn id="22" dur="1" fill="hold">
+                                          <p:stCondLst>
+                                            <p:cond delay="0"/>
+                                          </p:stCondLst>
+                                        </p:cTn>
+                                        <p:tgtEl>
+                                          <p:spTgt spid="15"/>
+                                        </p:tgtEl>
+                                        <p:attrNameLst>
+                                          <p:attrName>style.visibility</p:attrName>
+                                        </p:attrNameLst>
+                                      </p:cBhvr>
+                                      <p:to>
+                                        <p:strVal val="visible"/>
+                                      </p:to>
+                                    </p:set>
+                                  </p:childTnLst>
+                                </p:cTn>
+                              </p:par>
+                              <p:par>
+                                <p:cTn id="23" presetID="1" presetClass="entr" presetSubtype="0" fill="hold" grpId="0" nodeType="withEffect">
+                                  <p:stCondLst>
+                                    <p:cond delay="0"/>
+                                  </p:stCondLst>
+                                  <p:childTnLst>
+                                    <p:set>
+                                      <p:cBhvr>
+                                        <p:cTn id="24" dur="1" fill="hold">
+                                          <p:stCondLst>
+                                            <p:cond delay="0"/>
+                                          </p:stCondLst>
+                                        </p:cTn>
+                                        <p:tgtEl>
+                                          <p:spTgt spid="16"/>
+                                        </p:tgtEl>
+                                        <p:attrNameLst>
+                                          <p:attrName>style.visibility</p:attrName>
+                                        </p:attrNameLst>
+                                      </p:cBhvr>
+                                      <p:to>
+                                        <p:strVal val="visible"/>
+                                      </p:to>
+                                    </p:set>
+                                  </p:childTnLst>
+                                </p:cTn>
+                              </p:par>
+                            </p:childTnLst>
+                          </p:cTn>
+                        </p:par>
+                      </p:childTnLst>
+                    </p:cTn>
+                  </p:par>
+                </p:childTnLst>
+              </p:cTn>
+              <p:prevCondLst>
+                <p:cond evt="onPrev" delay="0">
+                  <p:tgtEl>
+                    <p:sldTgt/>
+                  </p:tgtEl>
+                </p:cond>
+              </p:prevCondLst>
+              <p:nextCondLst>
+                <p:cond evt="onNext" delay="0">
+                  <p:tgtEl>
+                    <p:sldTgt/>
+                  </p:tgtEl>
+                </p:cond>
+              </p:nextCondLst>
+            </p:seq>
+          </p:childTnLst>
+        </p:cTn>
+      </p:par>
+    </p:tnLst>
+    <p:bldLst>
+      <p:bldP spid="6" grpId="0" animBg="1"/>
+      <p:bldP spid="10" grpId="0"/>
+      <p:bldP spid="13" grpId="0"/>
+      <p:bldP spid="14" grpId="0" animBg="1"/>
+      <p:bldP spid="16" grpId="0"/>
+    </p:bldLst>
+  </p:timing>
+</p:sld>
+</file>
+
+<file path=ppt/slides/slide23.xml><?xml version="1.0" encoding="utf-8"?>
+<p:sld xmlns:a="http://schemas.openxmlformats.org/drawingml/2006/main" xmlns:r="http://schemas.openxmlformats.org/officeDocument/2006/relationships" xmlns:p="http://schemas.openxmlformats.org/presentationml/2006/main">
+  <p:cSld>
+    <p:spTree>
+      <p:nvGrpSpPr>
+        <p:cNvPr id="1" name=""/>
+        <p:cNvGrpSpPr/>
+        <p:nvPr/>
+      </p:nvGrpSpPr>
+      <p:grpSpPr>
+        <a:xfrm>
+          <a:off x="0" y="0"/>
+          <a:ext cx="0" cy="0"/>
+          <a:chOff x="0" y="0"/>
+          <a:chExt cx="0" cy="0"/>
+        </a:xfrm>
+      </p:grpSpPr>
+      <p:sp>
+        <p:nvSpPr>
+          <p:cNvPr id="2" name="Title 1">
+            <a:extLst>
+              <a:ext uri="{FF2B5EF4-FFF2-40B4-BE49-F238E27FC236}">
+                <a16:creationId xmlns:a16="http://schemas.microsoft.com/office/drawing/2014/main" id="{D79CC1BD-C39E-DB2F-90BF-900B33D49C59}"/>
+              </a:ext>
+            </a:extLst>
+          </p:cNvPr>
+          <p:cNvSpPr>
+            <a:spLocks noGrp="1"/>
+          </p:cNvSpPr>
+          <p:nvPr>
+            <p:ph type="title"/>
+          </p:nvPr>
+        </p:nvSpPr>
+        <p:spPr/>
+        <p:txBody>
+          <a:bodyPr/>
+          <a:lstStyle/>
+          <a:p>
+            <a:r>
+              <a:rPr lang="en-US" dirty="0"/>
+              <a:t>Variance components</a:t>
+            </a:r>
+          </a:p>
+        </p:txBody>
+      </p:sp>
+      <p:sp>
+        <p:nvSpPr>
+          <p:cNvPr id="3" name="Content Placeholder 2">
+            <a:extLst>
+              <a:ext uri="{FF2B5EF4-FFF2-40B4-BE49-F238E27FC236}">
+                <a16:creationId xmlns:a16="http://schemas.microsoft.com/office/drawing/2014/main" id="{C2551D2D-2037-618D-4AE6-FF11B5ED33BC}"/>
+              </a:ext>
+            </a:extLst>
+          </p:cNvPr>
+          <p:cNvSpPr>
+            <a:spLocks noGrp="1"/>
+          </p:cNvSpPr>
+          <p:nvPr>
+            <p:ph idx="1"/>
+          </p:nvPr>
+        </p:nvSpPr>
+        <p:spPr/>
+        <p:txBody>
+          <a:bodyPr/>
+          <a:lstStyle/>
+          <a:p>
+            <a:r>
+              <a:rPr lang="en-US" dirty="0"/>
+              <a:t>Add variance components from model</a:t>
+            </a:r>
+          </a:p>
+        </p:txBody>
+      </p:sp>
+    </p:spTree>
+    <p:extLst>
+      <p:ext uri="{BB962C8B-B14F-4D97-AF65-F5344CB8AC3E}">
+        <p14:creationId xmlns:p14="http://schemas.microsoft.com/office/powerpoint/2010/main" val="2706625595"/>
+      </p:ext>
+    </p:extLst>
+  </p:cSld>
+  <p:clrMapOvr>
+    <a:masterClrMapping/>
+  </p:clrMapOvr>
+</p:sld>
+</file>
+
+<file path=ppt/slides/slide24.xml><?xml version="1.0" encoding="utf-8"?>
+<p:sld xmlns:a="http://schemas.openxmlformats.org/drawingml/2006/main" xmlns:r="http://schemas.openxmlformats.org/officeDocument/2006/relationships" xmlns:p="http://schemas.openxmlformats.org/presentationml/2006/main">
+  <p:cSld>
+    <p:spTree>
+      <p:nvGrpSpPr>
+        <p:cNvPr id="1" name="">
+          <a:extLst>
+            <a:ext uri="{FF2B5EF4-FFF2-40B4-BE49-F238E27FC236}">
+              <a16:creationId xmlns:a16="http://schemas.microsoft.com/office/drawing/2014/main" id="{7976B351-A8C4-3DF6-51DF-C77FECFCD077}"/>
+            </a:ext>
+          </a:extLst>
+        </p:cNvPr>
+        <p:cNvGrpSpPr/>
+        <p:nvPr/>
+      </p:nvGrpSpPr>
+      <p:grpSpPr>
+        <a:xfrm>
+          <a:off x="0" y="0"/>
+          <a:ext cx="0" cy="0"/>
+          <a:chOff x="0" y="0"/>
+          <a:chExt cx="0" cy="0"/>
+        </a:xfrm>
+      </p:grpSpPr>
+      <p:sp>
+        <p:nvSpPr>
+          <p:cNvPr id="2" name="Title 1">
+            <a:extLst>
+              <a:ext uri="{FF2B5EF4-FFF2-40B4-BE49-F238E27FC236}">
+                <a16:creationId xmlns:a16="http://schemas.microsoft.com/office/drawing/2014/main" id="{0A284FAB-9CC5-AB7D-A12A-80C3973E9E19}"/>
+              </a:ext>
+            </a:extLst>
+          </p:cNvPr>
+          <p:cNvSpPr>
+            <a:spLocks noGrp="1"/>
+          </p:cNvSpPr>
+          <p:nvPr>
+            <p:ph type="title"/>
+          </p:nvPr>
+        </p:nvSpPr>
+        <p:spPr/>
+        <p:txBody>
+          <a:bodyPr/>
+          <a:lstStyle/>
+          <a:p>
+            <a:r>
+              <a:rPr lang="en-US" dirty="0"/>
+              <a:t>3. Check random effects and model basics</a:t>
+            </a:r>
+          </a:p>
+        </p:txBody>
+      </p:sp>
+      <p:pic>
+        <p:nvPicPr>
+          <p:cNvPr id="4" name="Picture 3" descr="A screenshot of a computer&#10;&#10;AI-generated content may be incorrect.">
+            <a:extLst>
+              <a:ext uri="{FF2B5EF4-FFF2-40B4-BE49-F238E27FC236}">
+                <a16:creationId xmlns:a16="http://schemas.microsoft.com/office/drawing/2014/main" id="{7952B709-22D5-114E-28EA-6D25461C41FA}"/>
+              </a:ext>
+            </a:extLst>
+          </p:cNvPr>
+          <p:cNvPicPr>
+            <a:picLocks noChangeAspect="1"/>
+          </p:cNvPicPr>
+          <p:nvPr/>
+        </p:nvPicPr>
+        <p:blipFill>
+          <a:blip r:embed="rId2">
+            <a:extLst>
+              <a:ext uri="{28A0092B-C50C-407E-A947-70E740481C1C}">
+                <a14:useLocalDpi xmlns:a14="http://schemas.microsoft.com/office/drawing/2010/main" val="0"/>
+              </a:ext>
+            </a:extLst>
+          </a:blip>
+          <a:srcRect t="58027" r="74698"/>
+          <a:stretch/>
+        </p:blipFill>
+        <p:spPr>
+          <a:xfrm>
+            <a:off x="1493856" y="1587672"/>
+            <a:ext cx="5757705" cy="5173208"/>
+          </a:xfrm>
+          <a:prstGeom prst="rect">
+            <a:avLst/>
+          </a:prstGeom>
+        </p:spPr>
+      </p:pic>
+      <p:sp>
+        <p:nvSpPr>
+          <p:cNvPr id="6" name="Rectangle: Rounded Corners 5">
+            <a:extLst>
+              <a:ext uri="{FF2B5EF4-FFF2-40B4-BE49-F238E27FC236}">
+                <a16:creationId xmlns:a16="http://schemas.microsoft.com/office/drawing/2014/main" id="{F548C3F3-30C2-D0C7-B4EA-B16126E38ED1}"/>
+              </a:ext>
+            </a:extLst>
+          </p:cNvPr>
+          <p:cNvSpPr/>
+          <p:nvPr/>
+        </p:nvSpPr>
+        <p:spPr>
+          <a:xfrm>
+            <a:off x="1567543" y="1798655"/>
+            <a:ext cx="4793064" cy="612949"/>
+          </a:xfrm>
+          <a:prstGeom prst="roundRect">
+            <a:avLst/>
+          </a:prstGeom>
+          <a:noFill/>
+          <a:ln>
+            <a:solidFill>
+              <a:srgbClr val="C00000"/>
+            </a:solidFill>
+          </a:ln>
+        </p:spPr>
+        <p:style>
+          <a:lnRef idx="2">
+            <a:schemeClr val="accent1">
+              <a:shade val="15000"/>
+            </a:schemeClr>
+          </a:lnRef>
+          <a:fillRef idx="1">
+            <a:schemeClr val="accent1"/>
+          </a:fillRef>
+          <a:effectRef idx="0">
+            <a:schemeClr val="accent1"/>
+          </a:effectRef>
+          <a:fontRef idx="minor">
+            <a:schemeClr val="lt1"/>
+          </a:fontRef>
+        </p:style>
+        <p:txBody>
+          <a:bodyPr rtlCol="0" anchor="ctr"/>
+          <a:lstStyle/>
+          <a:p>
+            <a:pPr algn="ctr"/>
+            <a:endParaRPr lang="en-US"/>
+          </a:p>
+        </p:txBody>
+      </p:sp>
+      <p:cxnSp>
+        <p:nvCxnSpPr>
+          <p:cNvPr id="9" name="Straight Connector 8">
+            <a:extLst>
+              <a:ext uri="{FF2B5EF4-FFF2-40B4-BE49-F238E27FC236}">
+                <a16:creationId xmlns:a16="http://schemas.microsoft.com/office/drawing/2014/main" id="{A26CCD0F-F059-2C5D-3709-9EF520EB7841}"/>
+              </a:ext>
+            </a:extLst>
+          </p:cNvPr>
+          <p:cNvCxnSpPr>
+            <a:cxnSpLocks/>
+          </p:cNvCxnSpPr>
+          <p:nvPr/>
+        </p:nvCxnSpPr>
+        <p:spPr>
+          <a:xfrm>
+            <a:off x="6360607" y="2094271"/>
+            <a:ext cx="1829664" cy="0"/>
+          </a:xfrm>
+          <a:prstGeom prst="line">
+            <a:avLst/>
+          </a:prstGeom>
+          <a:ln>
+            <a:solidFill>
+              <a:srgbClr val="C00000"/>
+            </a:solidFill>
+          </a:ln>
+        </p:spPr>
+        <p:style>
+          <a:lnRef idx="2">
+            <a:schemeClr val="accent1"/>
+          </a:lnRef>
+          <a:fillRef idx="0">
+            <a:schemeClr val="accent1"/>
+          </a:fillRef>
+          <a:effectRef idx="1">
+            <a:schemeClr val="accent1"/>
+          </a:effectRef>
+          <a:fontRef idx="minor">
+            <a:schemeClr val="tx1"/>
+          </a:fontRef>
+        </p:style>
+      </p:cxnSp>
+      <p:sp>
+        <p:nvSpPr>
+          <p:cNvPr id="10" name="TextBox 9">
+            <a:extLst>
+              <a:ext uri="{FF2B5EF4-FFF2-40B4-BE49-F238E27FC236}">
+                <a16:creationId xmlns:a16="http://schemas.microsoft.com/office/drawing/2014/main" id="{A70F7EA2-DC04-6A77-8B67-3DF39527B9D8}"/>
+              </a:ext>
+            </a:extLst>
+          </p:cNvPr>
+          <p:cNvSpPr txBox="1"/>
+          <p:nvPr/>
+        </p:nvSpPr>
+        <p:spPr>
+          <a:xfrm>
+            <a:off x="8190271" y="1909605"/>
+            <a:ext cx="1505540" cy="369332"/>
+          </a:xfrm>
+          <a:prstGeom prst="rect">
+            <a:avLst/>
+          </a:prstGeom>
+          <a:noFill/>
+        </p:spPr>
+        <p:txBody>
+          <a:bodyPr wrap="none" rtlCol="0">
+            <a:spAutoFit/>
+          </a:bodyPr>
+          <a:lstStyle/>
+          <a:p>
+            <a:r>
+              <a:rPr lang="en-US" dirty="0"/>
+              <a:t>Model basics</a:t>
+            </a:r>
+          </a:p>
+        </p:txBody>
+      </p:sp>
+      <p:cxnSp>
+        <p:nvCxnSpPr>
+          <p:cNvPr id="12" name="Straight Connector 11">
+            <a:extLst>
+              <a:ext uri="{FF2B5EF4-FFF2-40B4-BE49-F238E27FC236}">
+                <a16:creationId xmlns:a16="http://schemas.microsoft.com/office/drawing/2014/main" id="{B2D50A59-8D16-8AB9-6C72-2747848ACF43}"/>
+              </a:ext>
+            </a:extLst>
+          </p:cNvPr>
+          <p:cNvCxnSpPr>
+            <a:cxnSpLocks/>
+          </p:cNvCxnSpPr>
+          <p:nvPr/>
+        </p:nvCxnSpPr>
+        <p:spPr>
+          <a:xfrm>
+            <a:off x="6336729" y="2749199"/>
+            <a:ext cx="1829664" cy="0"/>
+          </a:xfrm>
+          <a:prstGeom prst="line">
+            <a:avLst/>
+          </a:prstGeom>
+          <a:ln>
+            <a:solidFill>
+              <a:srgbClr val="C00000"/>
+            </a:solidFill>
+          </a:ln>
+        </p:spPr>
+        <p:style>
+          <a:lnRef idx="2">
+            <a:schemeClr val="accent1"/>
+          </a:lnRef>
+          <a:fillRef idx="0">
+            <a:schemeClr val="accent1"/>
+          </a:fillRef>
+          <a:effectRef idx="1">
+            <a:schemeClr val="accent1"/>
+          </a:effectRef>
+          <a:fontRef idx="minor">
+            <a:schemeClr val="tx1"/>
+          </a:fontRef>
+        </p:style>
+      </p:cxnSp>
+      <p:sp>
+        <p:nvSpPr>
+          <p:cNvPr id="13" name="TextBox 12">
+            <a:extLst>
+              <a:ext uri="{FF2B5EF4-FFF2-40B4-BE49-F238E27FC236}">
+                <a16:creationId xmlns:a16="http://schemas.microsoft.com/office/drawing/2014/main" id="{C72BDF03-C5B8-5F5C-8823-C1E20DAC7FBC}"/>
+              </a:ext>
+            </a:extLst>
+          </p:cNvPr>
+          <p:cNvSpPr txBox="1"/>
+          <p:nvPr/>
+        </p:nvSpPr>
+        <p:spPr>
+          <a:xfrm>
+            <a:off x="8166393" y="2564533"/>
+            <a:ext cx="3006400" cy="369332"/>
+          </a:xfrm>
+          <a:prstGeom prst="rect">
+            <a:avLst/>
+          </a:prstGeom>
+          <a:noFill/>
+        </p:spPr>
+        <p:txBody>
+          <a:bodyPr wrap="none" rtlCol="0">
+            <a:spAutoFit/>
+          </a:bodyPr>
+          <a:lstStyle/>
+          <a:p>
+            <a:r>
+              <a:rPr lang="en-US" dirty="0"/>
+              <a:t>AIC, etc. (not all that helpful)</a:t>
+            </a:r>
+          </a:p>
+        </p:txBody>
+      </p:sp>
+      <p:sp>
+        <p:nvSpPr>
+          <p:cNvPr id="14" name="Rectangle: Rounded Corners 13">
+            <a:extLst>
+              <a:ext uri="{FF2B5EF4-FFF2-40B4-BE49-F238E27FC236}">
+                <a16:creationId xmlns:a16="http://schemas.microsoft.com/office/drawing/2014/main" id="{22F9495A-CDC1-2E6F-9F75-D9EA68873EDB}"/>
+              </a:ext>
+            </a:extLst>
+          </p:cNvPr>
+          <p:cNvSpPr/>
+          <p:nvPr/>
+        </p:nvSpPr>
+        <p:spPr>
+          <a:xfrm>
+            <a:off x="1567543" y="3416659"/>
+            <a:ext cx="4793064" cy="929197"/>
+          </a:xfrm>
+          <a:prstGeom prst="roundRect">
+            <a:avLst/>
+          </a:prstGeom>
+          <a:noFill/>
+          <a:ln>
+            <a:solidFill>
+              <a:srgbClr val="C00000"/>
+            </a:solidFill>
+          </a:ln>
+        </p:spPr>
+        <p:style>
+          <a:lnRef idx="2">
+            <a:schemeClr val="accent1">
+              <a:shade val="15000"/>
+            </a:schemeClr>
+          </a:lnRef>
+          <a:fillRef idx="1">
+            <a:schemeClr val="accent1"/>
+          </a:fillRef>
+          <a:effectRef idx="0">
+            <a:schemeClr val="accent1"/>
+          </a:effectRef>
+          <a:fontRef idx="minor">
+            <a:schemeClr val="lt1"/>
+          </a:fontRef>
+        </p:style>
+        <p:txBody>
+          <a:bodyPr rtlCol="0" anchor="ctr"/>
+          <a:lstStyle/>
+          <a:p>
+            <a:pPr algn="ctr"/>
+            <a:endParaRPr lang="en-US" dirty="0"/>
+          </a:p>
+        </p:txBody>
+      </p:sp>
+      <p:cxnSp>
+        <p:nvCxnSpPr>
+          <p:cNvPr id="15" name="Straight Connector 14">
+            <a:extLst>
+              <a:ext uri="{FF2B5EF4-FFF2-40B4-BE49-F238E27FC236}">
+                <a16:creationId xmlns:a16="http://schemas.microsoft.com/office/drawing/2014/main" id="{F5AE621A-9CE6-1A02-5630-35BCACE3F336}"/>
+              </a:ext>
+            </a:extLst>
+          </p:cNvPr>
+          <p:cNvCxnSpPr>
+            <a:cxnSpLocks/>
+          </p:cNvCxnSpPr>
+          <p:nvPr/>
+        </p:nvCxnSpPr>
+        <p:spPr>
+          <a:xfrm>
+            <a:off x="6360607" y="3872958"/>
+            <a:ext cx="1829664" cy="0"/>
+          </a:xfrm>
+          <a:prstGeom prst="line">
+            <a:avLst/>
+          </a:prstGeom>
+          <a:ln>
+            <a:solidFill>
+              <a:srgbClr val="C00000"/>
+            </a:solidFill>
+          </a:ln>
+        </p:spPr>
+        <p:style>
+          <a:lnRef idx="2">
+            <a:schemeClr val="accent1"/>
+          </a:lnRef>
+          <a:fillRef idx="0">
+            <a:schemeClr val="accent1"/>
+          </a:fillRef>
+          <a:effectRef idx="1">
+            <a:schemeClr val="accent1"/>
+          </a:effectRef>
+          <a:fontRef idx="minor">
+            <a:schemeClr val="tx1"/>
+          </a:fontRef>
+        </p:style>
+      </p:cxnSp>
+      <p:sp>
+        <p:nvSpPr>
+          <p:cNvPr id="16" name="TextBox 15">
+            <a:extLst>
+              <a:ext uri="{FF2B5EF4-FFF2-40B4-BE49-F238E27FC236}">
+                <a16:creationId xmlns:a16="http://schemas.microsoft.com/office/drawing/2014/main" id="{83EA9698-60E7-4F2E-F69C-7233B4B7A5EE}"/>
+              </a:ext>
+            </a:extLst>
+          </p:cNvPr>
+          <p:cNvSpPr txBox="1"/>
+          <p:nvPr/>
+        </p:nvSpPr>
+        <p:spPr>
+          <a:xfrm>
+            <a:off x="8132345" y="3674078"/>
+            <a:ext cx="3910879" cy="369332"/>
+          </a:xfrm>
+          <a:prstGeom prst="rect">
+            <a:avLst/>
+          </a:prstGeom>
+          <a:noFill/>
+        </p:spPr>
+        <p:txBody>
+          <a:bodyPr wrap="none" rtlCol="0">
+            <a:spAutoFit/>
+          </a:bodyPr>
+          <a:lstStyle/>
+          <a:p>
+            <a:r>
+              <a:rPr lang="en-US" dirty="0"/>
+              <a:t>Random effect “variance component”</a:t>
+            </a:r>
+          </a:p>
+        </p:txBody>
+      </p:sp>
       <p:sp>
         <p:nvSpPr>
           <p:cNvPr id="18" name="Rectangle: Rounded Corners 17">
             <a:extLst>
               <a:ext uri="{FF2B5EF4-FFF2-40B4-BE49-F238E27FC236}">
-                <a16:creationId xmlns:a16="http://schemas.microsoft.com/office/drawing/2014/main" id="{82AADD90-943F-4882-0DF4-0F6BC3A9C853}"/>
+                <a16:creationId xmlns:a16="http://schemas.microsoft.com/office/drawing/2014/main" id="{7A6531B4-2F29-EB9A-FD47-F9127576BE91}"/>
               </a:ext>
             </a:extLst>
           </p:cNvPr>
@@ -7976,7 +10913,7 @@
           <p:cNvPr id="19" name="Straight Connector 18">
             <a:extLst>
               <a:ext uri="{FF2B5EF4-FFF2-40B4-BE49-F238E27FC236}">
-                <a16:creationId xmlns:a16="http://schemas.microsoft.com/office/drawing/2014/main" id="{F257652B-4D6D-C5E8-016E-3030DE4ADD78}"/>
+                <a16:creationId xmlns:a16="http://schemas.microsoft.com/office/drawing/2014/main" id="{82321859-DEC0-AF0B-D739-BED8D0419384}"/>
               </a:ext>
             </a:extLst>
           </p:cNvPr>
@@ -8019,7 +10956,7 @@
           <p:cNvPr id="21" name="TextBox 20">
             <a:extLst>
               <a:ext uri="{FF2B5EF4-FFF2-40B4-BE49-F238E27FC236}">
-                <a16:creationId xmlns:a16="http://schemas.microsoft.com/office/drawing/2014/main" id="{D655D8B7-98AF-AFE2-C50D-EA2C2550BC50}"/>
+                <a16:creationId xmlns:a16="http://schemas.microsoft.com/office/drawing/2014/main" id="{364226D4-815D-53D4-E0BD-3CE671485DC0}"/>
               </a:ext>
             </a:extLst>
           </p:cNvPr>
@@ -8094,7 +11031,7 @@
           <p:cNvPr id="22" name="Right Brace 21">
             <a:extLst>
               <a:ext uri="{FF2B5EF4-FFF2-40B4-BE49-F238E27FC236}">
-                <a16:creationId xmlns:a16="http://schemas.microsoft.com/office/drawing/2014/main" id="{1D4DCCED-C933-E412-F01C-68187B83A6FE}"/>
+                <a16:creationId xmlns:a16="http://schemas.microsoft.com/office/drawing/2014/main" id="{73ADE9D6-B862-F7D6-CED3-1BC062C5CE66}"/>
               </a:ext>
             </a:extLst>
           </p:cNvPr>
@@ -8143,7 +11080,7 @@
           <p:cNvPr id="23" name="Straight Connector 22">
             <a:extLst>
               <a:ext uri="{FF2B5EF4-FFF2-40B4-BE49-F238E27FC236}">
-                <a16:creationId xmlns:a16="http://schemas.microsoft.com/office/drawing/2014/main" id="{C60845DF-4DC6-0F93-CD03-832631DDEF03}"/>
+                <a16:creationId xmlns:a16="http://schemas.microsoft.com/office/drawing/2014/main" id="{8A31B88B-3631-F767-52DF-89A45BB72B59}"/>
               </a:ext>
             </a:extLst>
           </p:cNvPr>
@@ -8186,7 +11123,7 @@
           <p:cNvPr id="26" name="TextBox 25">
             <a:extLst>
               <a:ext uri="{FF2B5EF4-FFF2-40B4-BE49-F238E27FC236}">
-                <a16:creationId xmlns:a16="http://schemas.microsoft.com/office/drawing/2014/main" id="{BCFAA0B2-45F0-7744-6351-D00CDFDFA5E6}"/>
+                <a16:creationId xmlns:a16="http://schemas.microsoft.com/office/drawing/2014/main" id="{61B87B00-481A-0B73-F92E-AF217C47BAB6}"/>
               </a:ext>
             </a:extLst>
           </p:cNvPr>
@@ -8231,7 +11168,7 @@
     </p:spTree>
     <p:extLst>
       <p:ext uri="{BB962C8B-B14F-4D97-AF65-F5344CB8AC3E}">
-        <p14:creationId xmlns:p14="http://schemas.microsoft.com/office/powerpoint/2010/main" val="2164730604"/>
+        <p14:creationId xmlns:p14="http://schemas.microsoft.com/office/powerpoint/2010/main" val="1012050161"/>
       </p:ext>
     </p:extLst>
   </p:cSld>
@@ -8750,156 +11687,7 @@
 </p:sld>
 </file>
 
-<file path=ppt/slides/slide16.xml><?xml version="1.0" encoding="utf-8"?>
-<p:sld xmlns:a="http://schemas.openxmlformats.org/drawingml/2006/main" xmlns:r="http://schemas.openxmlformats.org/officeDocument/2006/relationships" xmlns:p="http://schemas.openxmlformats.org/presentationml/2006/main">
-  <p:cSld>
-    <p:spTree>
-      <p:nvGrpSpPr>
-        <p:cNvPr id="1" name=""/>
-        <p:cNvGrpSpPr/>
-        <p:nvPr/>
-      </p:nvGrpSpPr>
-      <p:grpSpPr>
-        <a:xfrm>
-          <a:off x="0" y="0"/>
-          <a:ext cx="0" cy="0"/>
-          <a:chOff x="0" y="0"/>
-          <a:chExt cx="0" cy="0"/>
-        </a:xfrm>
-      </p:grpSpPr>
-      <p:sp>
-        <p:nvSpPr>
-          <p:cNvPr id="2" name="Title 1">
-            <a:extLst>
-              <a:ext uri="{FF2B5EF4-FFF2-40B4-BE49-F238E27FC236}">
-                <a16:creationId xmlns:a16="http://schemas.microsoft.com/office/drawing/2014/main" id="{8FC4BC36-5F1C-43CA-A318-4AD27155D806}"/>
-              </a:ext>
-            </a:extLst>
-          </p:cNvPr>
-          <p:cNvSpPr>
-            <a:spLocks noGrp="1"/>
-          </p:cNvSpPr>
-          <p:nvPr>
-            <p:ph type="title"/>
-          </p:nvPr>
-        </p:nvSpPr>
-        <p:spPr/>
-        <p:txBody>
-          <a:bodyPr/>
-          <a:lstStyle/>
-          <a:p>
-            <a:r>
-              <a:rPr lang="en-US" dirty="0"/>
-              <a:t>The block is good… but is it the best?</a:t>
-            </a:r>
-          </a:p>
-        </p:txBody>
-      </p:sp>
-      <p:sp>
-        <p:nvSpPr>
-          <p:cNvPr id="3" name="Content Placeholder 2">
-            <a:extLst>
-              <a:ext uri="{FF2B5EF4-FFF2-40B4-BE49-F238E27FC236}">
-                <a16:creationId xmlns:a16="http://schemas.microsoft.com/office/drawing/2014/main" id="{12E1D748-7EA9-DE3A-0941-08572D727313}"/>
-              </a:ext>
-            </a:extLst>
-          </p:cNvPr>
-          <p:cNvSpPr>
-            <a:spLocks noGrp="1"/>
-          </p:cNvSpPr>
-          <p:nvPr>
-            <p:ph idx="1"/>
-          </p:nvPr>
-        </p:nvSpPr>
-        <p:spPr/>
-        <p:txBody>
-          <a:bodyPr/>
-          <a:lstStyle/>
-          <a:p>
-            <a:r>
-              <a:rPr lang="en-US" dirty="0"/>
-              <a:t>AIC is a measure of model fit, balancing explanatory power and simplicity</a:t>
-            </a:r>
-          </a:p>
-          <a:p>
-            <a:r>
-              <a:rPr lang="en-US" dirty="0"/>
-              <a:t>Can use AIC to compare models with the same response variable</a:t>
-            </a:r>
-          </a:p>
-          <a:p>
-            <a:pPr lvl="1"/>
-            <a:r>
-              <a:rPr lang="en-US" dirty="0"/>
-              <a:t>Models with different fixed and random effects</a:t>
-            </a:r>
-          </a:p>
-          <a:p>
-            <a:pPr lvl="1"/>
-            <a:r>
-              <a:rPr lang="en-US" dirty="0"/>
-              <a:t>Can’t compare:</a:t>
-            </a:r>
-          </a:p>
-          <a:p>
-            <a:pPr lvl="2"/>
-            <a:r>
-              <a:rPr lang="en-US" dirty="0"/>
-              <a:t>Transformed vs untransformed</a:t>
-            </a:r>
-          </a:p>
-          <a:p>
-            <a:pPr lvl="2"/>
-            <a:r>
-              <a:rPr lang="en-US" dirty="0"/>
-              <a:t>Models with different families</a:t>
-            </a:r>
-          </a:p>
-          <a:p>
-            <a:pPr lvl="2"/>
-            <a:r>
-              <a:rPr lang="en-US" dirty="0"/>
-              <a:t>Full dataset vs </a:t>
-            </a:r>
-            <a:r>
-              <a:rPr lang="en-US" dirty="0" err="1"/>
-              <a:t>subsetted</a:t>
-            </a:r>
-            <a:r>
-              <a:rPr lang="en-US" dirty="0"/>
-              <a:t> dataset (</a:t>
-            </a:r>
-            <a:r>
-              <a:rPr lang="en-US" dirty="0" err="1"/>
-              <a:t>ie</a:t>
-            </a:r>
-            <a:r>
-              <a:rPr lang="en-US" dirty="0"/>
-              <a:t>. outlier removed)</a:t>
-            </a:r>
-          </a:p>
-          <a:p>
-            <a:r>
-              <a:rPr lang="en-US" dirty="0"/>
-              <a:t>Lower AIC is better</a:t>
-            </a:r>
-          </a:p>
-        </p:txBody>
-      </p:sp>
-    </p:spTree>
-    <p:extLst>
-      <p:ext uri="{BB962C8B-B14F-4D97-AF65-F5344CB8AC3E}">
-        <p14:creationId xmlns:p14="http://schemas.microsoft.com/office/powerpoint/2010/main" val="2832366463"/>
-      </p:ext>
-    </p:extLst>
-  </p:cSld>
-  <p:clrMapOvr>
-    <a:masterClrMapping/>
-  </p:clrMapOvr>
-</p:sld>
-</file>
-
-<file path=ppt/slides/slide17.xml><?xml version="1.0" encoding="utf-8"?>
+<file path=ppt/slides/slide25.xml><?xml version="1.0" encoding="utf-8"?>
 <p:sld xmlns:a="http://schemas.openxmlformats.org/drawingml/2006/main" xmlns:r="http://schemas.openxmlformats.org/officeDocument/2006/relationships" xmlns:p="http://schemas.openxmlformats.org/presentationml/2006/main">
   <p:cSld>
     <p:spTree>
@@ -8976,6 +11764,13 @@
               <a:t>Wald X2 test can be interpreted just like a regular ANOVA table</a:t>
             </a:r>
           </a:p>
+          <a:p>
+            <a:pPr lvl="1"/>
+            <a:r>
+              <a:rPr lang="en-US" dirty="0"/>
+              <a:t>Anova() function is from car package; other packages will give different results</a:t>
+            </a:r>
+          </a:p>
         </p:txBody>
       </p:sp>
       <p:pic>
@@ -9005,7 +11800,7 @@
         </p:blipFill>
         <p:spPr>
           <a:xfrm>
-            <a:off x="2022311" y="2610626"/>
+            <a:off x="2091137" y="3113148"/>
             <a:ext cx="8147378" cy="3379727"/>
           </a:xfrm>
           <a:prstGeom prst="rect">
@@ -9026,7 +11821,171 @@
 </p:sld>
 </file>
 
-<file path=ppt/slides/slide18.xml><?xml version="1.0" encoding="utf-8"?>
+<file path=ppt/slides/slide26.xml><?xml version="1.0" encoding="utf-8"?>
+<p:sld xmlns:a="http://schemas.openxmlformats.org/drawingml/2006/main" xmlns:r="http://schemas.openxmlformats.org/officeDocument/2006/relationships" xmlns:p="http://schemas.openxmlformats.org/presentationml/2006/main">
+  <p:cSld>
+    <p:spTree>
+      <p:nvGrpSpPr>
+        <p:cNvPr id="1" name=""/>
+        <p:cNvGrpSpPr/>
+        <p:nvPr/>
+      </p:nvGrpSpPr>
+      <p:grpSpPr>
+        <a:xfrm>
+          <a:off x="0" y="0"/>
+          <a:ext cx="0" cy="0"/>
+          <a:chOff x="0" y="0"/>
+          <a:chExt cx="0" cy="0"/>
+        </a:xfrm>
+      </p:grpSpPr>
+      <p:sp>
+        <p:nvSpPr>
+          <p:cNvPr id="2" name="Title 1">
+            <a:extLst>
+              <a:ext uri="{FF2B5EF4-FFF2-40B4-BE49-F238E27FC236}">
+                <a16:creationId xmlns:a16="http://schemas.microsoft.com/office/drawing/2014/main" id="{4387936D-FFEF-7E4C-0964-D13DC554A12D}"/>
+              </a:ext>
+            </a:extLst>
+          </p:cNvPr>
+          <p:cNvSpPr>
+            <a:spLocks noGrp="1"/>
+          </p:cNvSpPr>
+          <p:nvPr>
+            <p:ph type="title"/>
+          </p:nvPr>
+        </p:nvSpPr>
+        <p:spPr/>
+        <p:txBody>
+          <a:bodyPr/>
+          <a:lstStyle/>
+          <a:p>
+            <a:r>
+              <a:rPr lang="en-US" dirty="0"/>
+              <a:t>Where do p-values come from?</a:t>
+            </a:r>
+          </a:p>
+        </p:txBody>
+      </p:sp>
+      <p:sp>
+        <p:nvSpPr>
+          <p:cNvPr id="4" name="Text Placeholder 3">
+            <a:extLst>
+              <a:ext uri="{FF2B5EF4-FFF2-40B4-BE49-F238E27FC236}">
+                <a16:creationId xmlns:a16="http://schemas.microsoft.com/office/drawing/2014/main" id="{F567C4C6-7AEB-30A3-D28D-5E2C1F53B3AE}"/>
+              </a:ext>
+            </a:extLst>
+          </p:cNvPr>
+          <p:cNvSpPr>
+            <a:spLocks noGrp="1"/>
+          </p:cNvSpPr>
+          <p:nvPr>
+            <p:ph type="body" idx="1"/>
+          </p:nvPr>
+        </p:nvSpPr>
+        <p:spPr/>
+        <p:txBody>
+          <a:bodyPr/>
+          <a:lstStyle/>
+          <a:p>
+            <a:r>
+              <a:rPr lang="en-US" dirty="0"/>
+              <a:t>F-value</a:t>
+            </a:r>
+          </a:p>
+        </p:txBody>
+      </p:sp>
+      <p:sp>
+        <p:nvSpPr>
+          <p:cNvPr id="5" name="Content Placeholder 4">
+            <a:extLst>
+              <a:ext uri="{FF2B5EF4-FFF2-40B4-BE49-F238E27FC236}">
+                <a16:creationId xmlns:a16="http://schemas.microsoft.com/office/drawing/2014/main" id="{865CB6BE-6219-105F-080A-90E4448A39D9}"/>
+              </a:ext>
+            </a:extLst>
+          </p:cNvPr>
+          <p:cNvSpPr>
+            <a:spLocks noGrp="1"/>
+          </p:cNvSpPr>
+          <p:nvPr>
+            <p:ph sz="half" idx="2"/>
+          </p:nvPr>
+        </p:nvSpPr>
+        <p:spPr/>
+        <p:txBody>
+          <a:bodyPr/>
+          <a:lstStyle/>
+          <a:p>
+            <a:endParaRPr lang="en-US"/>
+          </a:p>
+        </p:txBody>
+      </p:sp>
+      <p:sp>
+        <p:nvSpPr>
+          <p:cNvPr id="6" name="Text Placeholder 5">
+            <a:extLst>
+              <a:ext uri="{FF2B5EF4-FFF2-40B4-BE49-F238E27FC236}">
+                <a16:creationId xmlns:a16="http://schemas.microsoft.com/office/drawing/2014/main" id="{2EBFC604-8837-29F7-0C79-E0B50A62868D}"/>
+              </a:ext>
+            </a:extLst>
+          </p:cNvPr>
+          <p:cNvSpPr>
+            <a:spLocks noGrp="1"/>
+          </p:cNvSpPr>
+          <p:nvPr>
+            <p:ph type="body" sz="quarter" idx="3"/>
+          </p:nvPr>
+        </p:nvSpPr>
+        <p:spPr/>
+        <p:txBody>
+          <a:bodyPr/>
+          <a:lstStyle/>
+          <a:p>
+            <a:r>
+              <a:rPr lang="en-US" dirty="0"/>
+              <a:t>Chi-sq value</a:t>
+            </a:r>
+          </a:p>
+        </p:txBody>
+      </p:sp>
+      <p:sp>
+        <p:nvSpPr>
+          <p:cNvPr id="7" name="Content Placeholder 6">
+            <a:extLst>
+              <a:ext uri="{FF2B5EF4-FFF2-40B4-BE49-F238E27FC236}">
+                <a16:creationId xmlns:a16="http://schemas.microsoft.com/office/drawing/2014/main" id="{F8DEF418-5B84-875E-BE38-F1F8AB9EF581}"/>
+              </a:ext>
+            </a:extLst>
+          </p:cNvPr>
+          <p:cNvSpPr>
+            <a:spLocks noGrp="1"/>
+          </p:cNvSpPr>
+          <p:nvPr>
+            <p:ph sz="quarter" idx="4"/>
+          </p:nvPr>
+        </p:nvSpPr>
+        <p:spPr/>
+        <p:txBody>
+          <a:bodyPr/>
+          <a:lstStyle/>
+          <a:p>
+            <a:endParaRPr lang="en-US"/>
+          </a:p>
+        </p:txBody>
+      </p:sp>
+    </p:spTree>
+    <p:extLst>
+      <p:ext uri="{BB962C8B-B14F-4D97-AF65-F5344CB8AC3E}">
+        <p14:creationId xmlns:p14="http://schemas.microsoft.com/office/powerpoint/2010/main" val="4213243001"/>
+      </p:ext>
+    </p:extLst>
+  </p:cSld>
+  <p:clrMapOvr>
+    <a:masterClrMapping/>
+  </p:clrMapOvr>
+</p:sld>
+</file>
+
+<file path=ppt/slides/slide27.xml><?xml version="1.0" encoding="utf-8"?>
 <p:sld xmlns:a="http://schemas.openxmlformats.org/drawingml/2006/main" xmlns:r="http://schemas.openxmlformats.org/officeDocument/2006/relationships" xmlns:p="http://schemas.openxmlformats.org/presentationml/2006/main">
   <p:cSld>
     <p:spTree>
@@ -9308,7 +12267,7 @@
 </p:sld>
 </file>
 
-<file path=ppt/slides/slide19.xml><?xml version="1.0" encoding="utf-8"?>
+<file path=ppt/slides/slide28.xml><?xml version="1.0" encoding="utf-8"?>
 <p:sld xmlns:a="http://schemas.openxmlformats.org/drawingml/2006/main" xmlns:r="http://schemas.openxmlformats.org/officeDocument/2006/relationships" xmlns:p="http://schemas.openxmlformats.org/presentationml/2006/main">
   <p:cSld>
     <p:spTree>
@@ -9401,7 +12360,165 @@
 </p:sld>
 </file>
 
-<file path=ppt/slides/slide2.xml><?xml version="1.0" encoding="utf-8"?>
+<file path=ppt/slides/slide29.xml><?xml version="1.0" encoding="utf-8"?>
+<p:sld xmlns:a="http://schemas.openxmlformats.org/drawingml/2006/main" xmlns:r="http://schemas.openxmlformats.org/officeDocument/2006/relationships" xmlns:p="http://schemas.openxmlformats.org/presentationml/2006/main">
+  <p:cSld>
+    <p:spTree>
+      <p:nvGrpSpPr>
+        <p:cNvPr id="1" name="">
+          <a:extLst>
+            <a:ext uri="{FF2B5EF4-FFF2-40B4-BE49-F238E27FC236}">
+              <a16:creationId xmlns:a16="http://schemas.microsoft.com/office/drawing/2014/main" id="{9A8B9F8F-44F3-AC74-8208-D37BB27AB24A}"/>
+            </a:ext>
+          </a:extLst>
+        </p:cNvPr>
+        <p:cNvGrpSpPr/>
+        <p:nvPr/>
+      </p:nvGrpSpPr>
+      <p:grpSpPr>
+        <a:xfrm>
+          <a:off x="0" y="0"/>
+          <a:ext cx="0" cy="0"/>
+          <a:chOff x="0" y="0"/>
+          <a:chExt cx="0" cy="0"/>
+        </a:xfrm>
+      </p:grpSpPr>
+      <p:sp>
+        <p:nvSpPr>
+          <p:cNvPr id="2" name="Title 1">
+            <a:extLst>
+              <a:ext uri="{FF2B5EF4-FFF2-40B4-BE49-F238E27FC236}">
+                <a16:creationId xmlns:a16="http://schemas.microsoft.com/office/drawing/2014/main" id="{DAF4BCAF-5103-68F0-169A-A3820E8DAFE5}"/>
+              </a:ext>
+            </a:extLst>
+          </p:cNvPr>
+          <p:cNvSpPr>
+            <a:spLocks noGrp="1"/>
+          </p:cNvSpPr>
+          <p:nvPr>
+            <p:ph type="title"/>
+          </p:nvPr>
+        </p:nvSpPr>
+        <p:spPr/>
+        <p:txBody>
+          <a:bodyPr/>
+          <a:lstStyle/>
+          <a:p>
+            <a:r>
+              <a:rPr lang="en-US" dirty="0"/>
+              <a:t>Step 5. Calculate treatment means (</a:t>
+            </a:r>
+            <a:r>
+              <a:rPr lang="en-US" dirty="0" err="1"/>
+              <a:t>backtransformed</a:t>
+            </a:r>
+            <a:r>
+              <a:rPr lang="en-US" dirty="0"/>
+              <a:t>)</a:t>
+            </a:r>
+          </a:p>
+        </p:txBody>
+      </p:sp>
+      <p:pic>
+        <p:nvPicPr>
+          <p:cNvPr id="5" name="Picture 4" descr="A screenshot of a computer&#10;&#10;AI-generated content may be incorrect.">
+            <a:extLst>
+              <a:ext uri="{FF2B5EF4-FFF2-40B4-BE49-F238E27FC236}">
+                <a16:creationId xmlns:a16="http://schemas.microsoft.com/office/drawing/2014/main" id="{D93AA7FF-A34D-9EE8-DF6D-25FEAD7090ED}"/>
+              </a:ext>
+            </a:extLst>
+          </p:cNvPr>
+          <p:cNvPicPr>
+            <a:picLocks noChangeAspect="1"/>
+          </p:cNvPicPr>
+          <p:nvPr/>
+        </p:nvPicPr>
+        <p:blipFill>
+          <a:blip r:embed="rId2">
+            <a:extLst>
+              <a:ext uri="{28A0092B-C50C-407E-A947-70E740481C1C}">
+                <a14:useLocalDpi xmlns:a14="http://schemas.microsoft.com/office/drawing/2010/main" val="0"/>
+              </a:ext>
+            </a:extLst>
+          </a:blip>
+          <a:srcRect t="82982" r="65550" b="1497"/>
+          <a:stretch/>
+        </p:blipFill>
+        <p:spPr>
+          <a:xfrm>
+            <a:off x="838200" y="2461846"/>
+            <a:ext cx="10665244" cy="2602524"/>
+          </a:xfrm>
+          <a:prstGeom prst="rect">
+            <a:avLst/>
+          </a:prstGeom>
+        </p:spPr>
+      </p:pic>
+      <mc:AlternateContent xmlns:mc="http://schemas.openxmlformats.org/markup-compatibility/2006" xmlns:p14="http://schemas.microsoft.com/office/powerpoint/2010/main">
+        <mc:Choice Requires="p14">
+          <p:contentPart p14:bwMode="auto" r:id="rId3">
+            <p14:nvContentPartPr>
+              <p14:cNvPr id="7" name="Ink 6">
+                <a:extLst>
+                  <a:ext uri="{FF2B5EF4-FFF2-40B4-BE49-F238E27FC236}">
+                    <a16:creationId xmlns:a16="http://schemas.microsoft.com/office/drawing/2014/main" id="{D00CD02F-D19A-0CB1-C81F-3EBB27F0B3BF}"/>
+                  </a:ext>
+                </a:extLst>
+              </p14:cNvPr>
+              <p14:cNvContentPartPr/>
+              <p14:nvPr/>
+            </p14:nvContentPartPr>
+            <p14:xfrm>
+              <a:off x="6270001" y="2552016"/>
+              <a:ext cx="1949760" cy="40680"/>
+            </p14:xfrm>
+          </p:contentPart>
+        </mc:Choice>
+        <mc:Fallback xmlns="">
+          <p:pic>
+            <p:nvPicPr>
+              <p:cNvPr id="7" name="Ink 6">
+                <a:extLst>
+                  <a:ext uri="{FF2B5EF4-FFF2-40B4-BE49-F238E27FC236}">
+                    <a16:creationId xmlns:a16="http://schemas.microsoft.com/office/drawing/2014/main" id="{D00CD02F-D19A-0CB1-C81F-3EBB27F0B3BF}"/>
+                  </a:ext>
+                </a:extLst>
+              </p:cNvPr>
+              <p:cNvPicPr/>
+              <p:nvPr/>
+            </p:nvPicPr>
+            <p:blipFill>
+              <a:blip r:embed="rId4"/>
+              <a:stretch>
+                <a:fillRect/>
+              </a:stretch>
+            </p:blipFill>
+            <p:spPr>
+              <a:xfrm>
+                <a:off x="6216001" y="2444016"/>
+                <a:ext cx="2057400" cy="256320"/>
+              </a:xfrm>
+              <a:prstGeom prst="rect">
+                <a:avLst/>
+              </a:prstGeom>
+            </p:spPr>
+          </p:pic>
+        </mc:Fallback>
+      </mc:AlternateContent>
+    </p:spTree>
+    <p:extLst>
+      <p:ext uri="{BB962C8B-B14F-4D97-AF65-F5344CB8AC3E}">
+        <p14:creationId xmlns:p14="http://schemas.microsoft.com/office/powerpoint/2010/main" val="3685051151"/>
+      </p:ext>
+    </p:extLst>
+  </p:cSld>
+  <p:clrMapOvr>
+    <a:masterClrMapping/>
+  </p:clrMapOvr>
+</p:sld>
+</file>
+
+<file path=ppt/slides/slide3.xml><?xml version="1.0" encoding="utf-8"?>
 <p:sld xmlns:a="http://schemas.openxmlformats.org/drawingml/2006/main" xmlns:r="http://schemas.openxmlformats.org/officeDocument/2006/relationships" xmlns:p="http://schemas.openxmlformats.org/presentationml/2006/main">
   <p:cSld>
     <p:spTree>
@@ -9418,47 +12535,12 @@
           <a:chExt cx="0" cy="0"/>
         </a:xfrm>
       </p:grpSpPr>
-      <p:pic>
-        <p:nvPicPr>
-          <p:cNvPr id="8" name="Picture 7" descr="A screenshot of a computer&#10;&#10;Description automatically generated">
-            <a:extLst>
-              <a:ext uri="{FF2B5EF4-FFF2-40B4-BE49-F238E27FC236}">
-                <a16:creationId xmlns:a16="http://schemas.microsoft.com/office/drawing/2014/main" id="{3B5A5F77-9693-95A1-E667-6148EC8FEAA1}"/>
-              </a:ext>
-            </a:extLst>
-          </p:cNvPr>
-          <p:cNvPicPr>
-            <a:picLocks noChangeAspect="1"/>
-          </p:cNvPicPr>
-          <p:nvPr/>
-        </p:nvPicPr>
-        <p:blipFill rotWithShape="1">
-          <a:blip r:embed="rId2">
-            <a:extLst>
-              <a:ext uri="{28A0092B-C50C-407E-A947-70E740481C1C}">
-                <a14:useLocalDpi xmlns:a14="http://schemas.microsoft.com/office/drawing/2010/main" val="0"/>
-              </a:ext>
-            </a:extLst>
-          </a:blip>
-          <a:srcRect t="10408" r="73534" b="41763"/>
-          <a:stretch/>
-        </p:blipFill>
-        <p:spPr>
-          <a:xfrm>
-            <a:off x="5972493" y="640120"/>
-            <a:ext cx="5656610" cy="5536843"/>
-          </a:xfrm>
-          <a:prstGeom prst="rect">
-            <a:avLst/>
-          </a:prstGeom>
-        </p:spPr>
-      </p:pic>
       <p:sp>
         <p:nvSpPr>
-          <p:cNvPr id="7" name="Title 6">
-            <a:extLst>
-              <a:ext uri="{FF2B5EF4-FFF2-40B4-BE49-F238E27FC236}">
-                <a16:creationId xmlns:a16="http://schemas.microsoft.com/office/drawing/2014/main" id="{D65FADC1-E2DD-4781-84F3-3E0B6262BCB3}"/>
+          <p:cNvPr id="2" name="Title 1">
+            <a:extLst>
+              <a:ext uri="{FF2B5EF4-FFF2-40B4-BE49-F238E27FC236}">
+                <a16:creationId xmlns:a16="http://schemas.microsoft.com/office/drawing/2014/main" id="{C6E7D970-3C8E-4A88-BB7A-973DAF159410}"/>
               </a:ext>
             </a:extLst>
           </p:cNvPr>
@@ -9483,10 +12565,10 @@
       </p:sp>
       <p:sp>
         <p:nvSpPr>
-          <p:cNvPr id="10" name="Content Placeholder 9">
-            <a:extLst>
-              <a:ext uri="{FF2B5EF4-FFF2-40B4-BE49-F238E27FC236}">
-                <a16:creationId xmlns:a16="http://schemas.microsoft.com/office/drawing/2014/main" id="{048370A2-B5F1-4E4A-B11D-BD72CFA7E09C}"/>
+          <p:cNvPr id="3" name="Content Placeholder 2">
+            <a:extLst>
+              <a:ext uri="{FF2B5EF4-FFF2-40B4-BE49-F238E27FC236}">
+                <a16:creationId xmlns:a16="http://schemas.microsoft.com/office/drawing/2014/main" id="{511A6951-C950-4E2E-AC73-02D4034B6999}"/>
               </a:ext>
             </a:extLst>
           </p:cNvPr>
@@ -9540,10 +12622,70 @@
       </p:sp>
       <p:pic>
         <p:nvPicPr>
-          <p:cNvPr id="3" name="Picture 2" descr="Adult female fall webworm, Hyphantria cunea (Drury), laying eggs. Usually there are 400-1000 eggs in a batch. Female died following oviposition, never moving from the leaf. ">
-            <a:extLst>
-              <a:ext uri="{FF2B5EF4-FFF2-40B4-BE49-F238E27FC236}">
-                <a16:creationId xmlns:a16="http://schemas.microsoft.com/office/drawing/2014/main" id="{A1303506-E120-5C5A-ECD7-5368F92D00DF}"/>
+          <p:cNvPr id="7" name="Picture 6">
+            <a:extLst>
+              <a:ext uri="{FF2B5EF4-FFF2-40B4-BE49-F238E27FC236}">
+                <a16:creationId xmlns:a16="http://schemas.microsoft.com/office/drawing/2014/main" id="{B413A3FE-4632-3536-973D-93F118D11A54}"/>
+              </a:ext>
+            </a:extLst>
+          </p:cNvPr>
+          <p:cNvPicPr>
+            <a:picLocks noChangeAspect="1"/>
+          </p:cNvPicPr>
+          <p:nvPr/>
+        </p:nvPicPr>
+        <p:blipFill>
+          <a:blip r:embed="rId2"/>
+          <a:stretch>
+            <a:fillRect/>
+          </a:stretch>
+        </p:blipFill>
+        <p:spPr>
+          <a:xfrm>
+            <a:off x="7000568" y="233420"/>
+            <a:ext cx="4789385" cy="3195580"/>
+          </a:xfrm>
+          <a:prstGeom prst="rect">
+            <a:avLst/>
+          </a:prstGeom>
+        </p:spPr>
+      </p:pic>
+      <p:pic>
+        <p:nvPicPr>
+          <p:cNvPr id="9" name="Picture 8">
+            <a:extLst>
+              <a:ext uri="{FF2B5EF4-FFF2-40B4-BE49-F238E27FC236}">
+                <a16:creationId xmlns:a16="http://schemas.microsoft.com/office/drawing/2014/main" id="{08964B1A-F18E-9659-FA3A-3B3FAD4F6B5A}"/>
+              </a:ext>
+            </a:extLst>
+          </p:cNvPr>
+          <p:cNvPicPr>
+            <a:picLocks noChangeAspect="1"/>
+          </p:cNvPicPr>
+          <p:nvPr/>
+        </p:nvPicPr>
+        <p:blipFill>
+          <a:blip r:embed="rId3"/>
+          <a:stretch>
+            <a:fillRect/>
+          </a:stretch>
+        </p:blipFill>
+        <p:spPr>
+          <a:xfrm>
+            <a:off x="7000568" y="3429000"/>
+            <a:ext cx="4789385" cy="3195580"/>
+          </a:xfrm>
+          <a:prstGeom prst="rect">
+            <a:avLst/>
+          </a:prstGeom>
+        </p:spPr>
+      </p:pic>
+      <p:pic>
+        <p:nvPicPr>
+          <p:cNvPr id="10" name="Picture 2" descr="Adult female fall webworm, Hyphantria cunea (Drury), laying eggs. Usually there are 400-1000 eggs in a batch. Female died following oviposition, never moving from the leaf. ">
+            <a:extLst>
+              <a:ext uri="{FF2B5EF4-FFF2-40B4-BE49-F238E27FC236}">
+                <a16:creationId xmlns:a16="http://schemas.microsoft.com/office/drawing/2014/main" id="{846BA0B0-919A-AF84-4366-15605A2A113C}"/>
               </a:ext>
             </a:extLst>
           </p:cNvPr>
@@ -9553,7 +12695,7 @@
           <p:nvPr/>
         </p:nvPicPr>
         <p:blipFill>
-          <a:blip r:embed="rId3">
+          <a:blip r:embed="rId4">
             <a:extLst>
               <a:ext uri="{28A0092B-C50C-407E-A947-70E740481C1C}">
                 <a14:useLocalDpi xmlns:a14="http://schemas.microsoft.com/office/drawing/2010/main" val="0"/>
@@ -9588,7 +12730,7 @@
     </p:spTree>
     <p:extLst>
       <p:ext uri="{BB962C8B-B14F-4D97-AF65-F5344CB8AC3E}">
-        <p14:creationId xmlns:p14="http://schemas.microsoft.com/office/powerpoint/2010/main" val="3267362473"/>
+        <p14:creationId xmlns:p14="http://schemas.microsoft.com/office/powerpoint/2010/main" val="1136672399"/>
       </p:ext>
     </p:extLst>
   </p:cSld>
@@ -9629,7 +12771,7 @@
                                           </p:stCondLst>
                                         </p:cTn>
                                         <p:tgtEl>
-                                          <p:spTgt spid="8"/>
+                                          <p:spTgt spid="9"/>
                                         </p:tgtEl>
                                         <p:attrNameLst>
                                           <p:attrName>style.visibility</p:attrName>
@@ -9673,165 +12815,7 @@
 </p:sld>
 </file>
 
-<file path=ppt/slides/slide20.xml><?xml version="1.0" encoding="utf-8"?>
-<p:sld xmlns:a="http://schemas.openxmlformats.org/drawingml/2006/main" xmlns:r="http://schemas.openxmlformats.org/officeDocument/2006/relationships" xmlns:p="http://schemas.openxmlformats.org/presentationml/2006/main">
-  <p:cSld>
-    <p:spTree>
-      <p:nvGrpSpPr>
-        <p:cNvPr id="1" name="">
-          <a:extLst>
-            <a:ext uri="{FF2B5EF4-FFF2-40B4-BE49-F238E27FC236}">
-              <a16:creationId xmlns:a16="http://schemas.microsoft.com/office/drawing/2014/main" id="{9A8B9F8F-44F3-AC74-8208-D37BB27AB24A}"/>
-            </a:ext>
-          </a:extLst>
-        </p:cNvPr>
-        <p:cNvGrpSpPr/>
-        <p:nvPr/>
-      </p:nvGrpSpPr>
-      <p:grpSpPr>
-        <a:xfrm>
-          <a:off x="0" y="0"/>
-          <a:ext cx="0" cy="0"/>
-          <a:chOff x="0" y="0"/>
-          <a:chExt cx="0" cy="0"/>
-        </a:xfrm>
-      </p:grpSpPr>
-      <p:sp>
-        <p:nvSpPr>
-          <p:cNvPr id="2" name="Title 1">
-            <a:extLst>
-              <a:ext uri="{FF2B5EF4-FFF2-40B4-BE49-F238E27FC236}">
-                <a16:creationId xmlns:a16="http://schemas.microsoft.com/office/drawing/2014/main" id="{DAF4BCAF-5103-68F0-169A-A3820E8DAFE5}"/>
-              </a:ext>
-            </a:extLst>
-          </p:cNvPr>
-          <p:cNvSpPr>
-            <a:spLocks noGrp="1"/>
-          </p:cNvSpPr>
-          <p:nvPr>
-            <p:ph type="title"/>
-          </p:nvPr>
-        </p:nvSpPr>
-        <p:spPr/>
-        <p:txBody>
-          <a:bodyPr/>
-          <a:lstStyle/>
-          <a:p>
-            <a:r>
-              <a:rPr lang="en-US" dirty="0"/>
-              <a:t>Step 5. Calculate treatment means (</a:t>
-            </a:r>
-            <a:r>
-              <a:rPr lang="en-US" dirty="0" err="1"/>
-              <a:t>backtransformed</a:t>
-            </a:r>
-            <a:r>
-              <a:rPr lang="en-US" dirty="0"/>
-              <a:t>)</a:t>
-            </a:r>
-          </a:p>
-        </p:txBody>
-      </p:sp>
-      <p:pic>
-        <p:nvPicPr>
-          <p:cNvPr id="5" name="Picture 4" descr="A screenshot of a computer&#10;&#10;AI-generated content may be incorrect.">
-            <a:extLst>
-              <a:ext uri="{FF2B5EF4-FFF2-40B4-BE49-F238E27FC236}">
-                <a16:creationId xmlns:a16="http://schemas.microsoft.com/office/drawing/2014/main" id="{D93AA7FF-A34D-9EE8-DF6D-25FEAD7090ED}"/>
-              </a:ext>
-            </a:extLst>
-          </p:cNvPr>
-          <p:cNvPicPr>
-            <a:picLocks noChangeAspect="1"/>
-          </p:cNvPicPr>
-          <p:nvPr/>
-        </p:nvPicPr>
-        <p:blipFill>
-          <a:blip r:embed="rId2">
-            <a:extLst>
-              <a:ext uri="{28A0092B-C50C-407E-A947-70E740481C1C}">
-                <a14:useLocalDpi xmlns:a14="http://schemas.microsoft.com/office/drawing/2010/main" val="0"/>
-              </a:ext>
-            </a:extLst>
-          </a:blip>
-          <a:srcRect t="82982" r="65550" b="1497"/>
-          <a:stretch/>
-        </p:blipFill>
-        <p:spPr>
-          <a:xfrm>
-            <a:off x="838200" y="2461846"/>
-            <a:ext cx="10665244" cy="2602524"/>
-          </a:xfrm>
-          <a:prstGeom prst="rect">
-            <a:avLst/>
-          </a:prstGeom>
-        </p:spPr>
-      </p:pic>
-      <mc:AlternateContent xmlns:mc="http://schemas.openxmlformats.org/markup-compatibility/2006">
-        <mc:Choice xmlns:p14="http://schemas.microsoft.com/office/powerpoint/2010/main" Requires="p14">
-          <p:contentPart p14:bwMode="auto" r:id="rId3">
-            <p14:nvContentPartPr>
-              <p14:cNvPr id="7" name="Ink 6">
-                <a:extLst>
-                  <a:ext uri="{FF2B5EF4-FFF2-40B4-BE49-F238E27FC236}">
-                    <a16:creationId xmlns:a16="http://schemas.microsoft.com/office/drawing/2014/main" id="{D00CD02F-D19A-0CB1-C81F-3EBB27F0B3BF}"/>
-                  </a:ext>
-                </a:extLst>
-              </p14:cNvPr>
-              <p14:cNvContentPartPr/>
-              <p14:nvPr/>
-            </p14:nvContentPartPr>
-            <p14:xfrm>
-              <a:off x="6270001" y="2552016"/>
-              <a:ext cx="1949760" cy="40680"/>
-            </p14:xfrm>
-          </p:contentPart>
-        </mc:Choice>
-        <mc:Fallback>
-          <p:pic>
-            <p:nvPicPr>
-              <p:cNvPr id="7" name="Ink 6">
-                <a:extLst>
-                  <a:ext uri="{FF2B5EF4-FFF2-40B4-BE49-F238E27FC236}">
-                    <a16:creationId xmlns:a16="http://schemas.microsoft.com/office/drawing/2014/main" id="{D00CD02F-D19A-0CB1-C81F-3EBB27F0B3BF}"/>
-                  </a:ext>
-                </a:extLst>
-              </p:cNvPr>
-              <p:cNvPicPr/>
-              <p:nvPr/>
-            </p:nvPicPr>
-            <p:blipFill>
-              <a:blip r:embed="rId4"/>
-              <a:stretch>
-                <a:fillRect/>
-              </a:stretch>
-            </p:blipFill>
-            <p:spPr>
-              <a:xfrm>
-                <a:off x="6216001" y="2444016"/>
-                <a:ext cx="2057400" cy="256320"/>
-              </a:xfrm>
-              <a:prstGeom prst="rect">
-                <a:avLst/>
-              </a:prstGeom>
-            </p:spPr>
-          </p:pic>
-        </mc:Fallback>
-      </mc:AlternateContent>
-    </p:spTree>
-    <p:extLst>
-      <p:ext uri="{BB962C8B-B14F-4D97-AF65-F5344CB8AC3E}">
-        <p14:creationId xmlns:p14="http://schemas.microsoft.com/office/powerpoint/2010/main" val="3685051151"/>
-      </p:ext>
-    </p:extLst>
-  </p:cSld>
-  <p:clrMapOvr>
-    <a:masterClrMapping/>
-  </p:clrMapOvr>
-</p:sld>
-</file>
-
-<file path=ppt/slides/slide21.xml><?xml version="1.0" encoding="utf-8"?>
+<file path=ppt/slides/slide30.xml><?xml version="1.0" encoding="utf-8"?>
 <p:sld xmlns:a="http://schemas.openxmlformats.org/drawingml/2006/main" xmlns:r="http://schemas.openxmlformats.org/officeDocument/2006/relationships" xmlns:p="http://schemas.openxmlformats.org/presentationml/2006/main">
   <p:cSld>
     <p:spTree>
@@ -9950,8 +12934,8 @@
           </a:p>
         </p:txBody>
       </p:sp>
-      <mc:AlternateContent xmlns:mc="http://schemas.openxmlformats.org/markup-compatibility/2006">
-        <mc:Choice xmlns:p14="http://schemas.microsoft.com/office/powerpoint/2010/main" Requires="p14">
+      <mc:AlternateContent xmlns:mc="http://schemas.openxmlformats.org/markup-compatibility/2006" xmlns:p14="http://schemas.microsoft.com/office/powerpoint/2010/main">
+        <mc:Choice Requires="p14">
           <p:contentPart p14:bwMode="auto" r:id="rId3">
             <p14:nvContentPartPr>
               <p14:cNvPr id="7" name="Ink 6">
@@ -9970,7 +12954,7 @@
             </p14:xfrm>
           </p:contentPart>
         </mc:Choice>
-        <mc:Fallback>
+        <mc:Fallback xmlns="">
           <p:pic>
             <p:nvPicPr>
               <p:cNvPr id="7" name="Ink 6">
@@ -10014,7 +12998,71 @@
 </p:sld>
 </file>
 
-<file path=ppt/slides/slide22.xml><?xml version="1.0" encoding="utf-8"?>
+<file path=ppt/slides/slide31.xml><?xml version="1.0" encoding="utf-8"?>
+<p:sld xmlns:a="http://schemas.openxmlformats.org/drawingml/2006/main" xmlns:r="http://schemas.openxmlformats.org/officeDocument/2006/relationships" xmlns:p="http://schemas.openxmlformats.org/presentationml/2006/main">
+  <p:cSld>
+    <p:spTree>
+      <p:nvGrpSpPr>
+        <p:cNvPr id="1" name="">
+          <a:extLst>
+            <a:ext uri="{FF2B5EF4-FFF2-40B4-BE49-F238E27FC236}">
+              <a16:creationId xmlns:a16="http://schemas.microsoft.com/office/drawing/2014/main" id="{E1314600-8786-0592-1344-FD803DBC0575}"/>
+            </a:ext>
+          </a:extLst>
+        </p:cNvPr>
+        <p:cNvGrpSpPr/>
+        <p:nvPr/>
+      </p:nvGrpSpPr>
+      <p:grpSpPr>
+        <a:xfrm>
+          <a:off x="0" y="0"/>
+          <a:ext cx="0" cy="0"/>
+          <a:chOff x="0" y="0"/>
+          <a:chExt cx="0" cy="0"/>
+        </a:xfrm>
+      </p:grpSpPr>
+      <p:sp>
+        <p:nvSpPr>
+          <p:cNvPr id="2" name="Title 1">
+            <a:extLst>
+              <a:ext uri="{FF2B5EF4-FFF2-40B4-BE49-F238E27FC236}">
+                <a16:creationId xmlns:a16="http://schemas.microsoft.com/office/drawing/2014/main" id="{B756DF86-BB23-ACAD-8E72-30E5FD1CD853}"/>
+              </a:ext>
+            </a:extLst>
+          </p:cNvPr>
+          <p:cNvSpPr>
+            <a:spLocks noGrp="1"/>
+          </p:cNvSpPr>
+          <p:nvPr>
+            <p:ph type="title"/>
+          </p:nvPr>
+        </p:nvSpPr>
+        <p:spPr/>
+        <p:txBody>
+          <a:bodyPr/>
+          <a:lstStyle/>
+          <a:p>
+            <a:r>
+              <a:rPr lang="en-US" dirty="0"/>
+              <a:t>Step 6. Conduct contrasts - letters</a:t>
+            </a:r>
+          </a:p>
+        </p:txBody>
+      </p:sp>
+    </p:spTree>
+    <p:extLst>
+      <p:ext uri="{BB962C8B-B14F-4D97-AF65-F5344CB8AC3E}">
+        <p14:creationId xmlns:p14="http://schemas.microsoft.com/office/powerpoint/2010/main" val="2141947599"/>
+      </p:ext>
+    </p:extLst>
+  </p:cSld>
+  <p:clrMapOvr>
+    <a:masterClrMapping/>
+  </p:clrMapOvr>
+</p:sld>
+</file>
+
+<file path=ppt/slides/slide32.xml><?xml version="1.0" encoding="utf-8"?>
 <p:sld xmlns:a="http://schemas.openxmlformats.org/drawingml/2006/main" xmlns:r="http://schemas.openxmlformats.org/officeDocument/2006/relationships" xmlns:p="http://schemas.openxmlformats.org/presentationml/2006/main">
   <p:cSld>
     <p:spTree>
@@ -10158,7 +13206,7 @@
 </p:sld>
 </file>
 
-<file path=ppt/slides/slide23.xml><?xml version="1.0" encoding="utf-8"?>
+<file path=ppt/slides/slide33.xml><?xml version="1.0" encoding="utf-8"?>
 <p:sld xmlns:a="http://schemas.openxmlformats.org/drawingml/2006/main" xmlns:r="http://schemas.openxmlformats.org/officeDocument/2006/relationships" xmlns:p="http://schemas.openxmlformats.org/presentationml/2006/main">
   <p:cSld>
     <p:spTree>
@@ -10627,7 +13675,93 @@
 </p:sld>
 </file>
 
-<file path=ppt/slides/slide24.xml><?xml version="1.0" encoding="utf-8"?>
+<file path=ppt/slides/slide34.xml><?xml version="1.0" encoding="utf-8"?>
+<p:sld xmlns:a="http://schemas.openxmlformats.org/drawingml/2006/main" xmlns:r="http://schemas.openxmlformats.org/officeDocument/2006/relationships" xmlns:p="http://schemas.openxmlformats.org/presentationml/2006/main">
+  <p:cSld>
+    <p:spTree>
+      <p:nvGrpSpPr>
+        <p:cNvPr id="1" name=""/>
+        <p:cNvGrpSpPr/>
+        <p:nvPr/>
+      </p:nvGrpSpPr>
+      <p:grpSpPr>
+        <a:xfrm>
+          <a:off x="0" y="0"/>
+          <a:ext cx="0" cy="0"/>
+          <a:chOff x="0" y="0"/>
+          <a:chExt cx="0" cy="0"/>
+        </a:xfrm>
+      </p:grpSpPr>
+      <p:sp>
+        <p:nvSpPr>
+          <p:cNvPr id="2" name="Title 1">
+            <a:extLst>
+              <a:ext uri="{FF2B5EF4-FFF2-40B4-BE49-F238E27FC236}">
+                <a16:creationId xmlns:a16="http://schemas.microsoft.com/office/drawing/2014/main" id="{CCC52D36-1A6C-2191-6805-558B0B655210}"/>
+              </a:ext>
+            </a:extLst>
+          </p:cNvPr>
+          <p:cNvSpPr>
+            <a:spLocks noGrp="1"/>
+          </p:cNvSpPr>
+          <p:nvPr>
+            <p:ph type="title"/>
+          </p:nvPr>
+        </p:nvSpPr>
+        <p:spPr/>
+        <p:txBody>
+          <a:bodyPr/>
+          <a:lstStyle/>
+          <a:p>
+            <a:r>
+              <a:rPr lang="en-US" dirty="0"/>
+              <a:t>Step 8. Make graphs</a:t>
+            </a:r>
+          </a:p>
+        </p:txBody>
+      </p:sp>
+      <p:sp>
+        <p:nvSpPr>
+          <p:cNvPr id="3" name="Content Placeholder 2">
+            <a:extLst>
+              <a:ext uri="{FF2B5EF4-FFF2-40B4-BE49-F238E27FC236}">
+                <a16:creationId xmlns:a16="http://schemas.microsoft.com/office/drawing/2014/main" id="{D8D3CE5D-0A3E-A39C-C52A-2684031168C3}"/>
+              </a:ext>
+            </a:extLst>
+          </p:cNvPr>
+          <p:cNvSpPr>
+            <a:spLocks noGrp="1"/>
+          </p:cNvSpPr>
+          <p:nvPr>
+            <p:ph idx="1"/>
+          </p:nvPr>
+        </p:nvSpPr>
+        <p:spPr/>
+        <p:txBody>
+          <a:bodyPr/>
+          <a:lstStyle/>
+          <a:p>
+            <a:r>
+              <a:rPr lang="en-US" dirty="0"/>
+              <a:t>Return to this in the afternoon</a:t>
+            </a:r>
+          </a:p>
+        </p:txBody>
+      </p:sp>
+    </p:spTree>
+    <p:extLst>
+      <p:ext uri="{BB962C8B-B14F-4D97-AF65-F5344CB8AC3E}">
+        <p14:creationId xmlns:p14="http://schemas.microsoft.com/office/powerpoint/2010/main" val="1323137996"/>
+      </p:ext>
+    </p:extLst>
+  </p:cSld>
+  <p:clrMapOvr>
+    <a:masterClrMapping/>
+  </p:clrMapOvr>
+</p:sld>
+</file>
+
+<file path=ppt/slides/slide35.xml><?xml version="1.0" encoding="utf-8"?>
 <p:sld xmlns:a="http://schemas.openxmlformats.org/drawingml/2006/main" xmlns:r="http://schemas.openxmlformats.org/officeDocument/2006/relationships" xmlns:p="http://schemas.openxmlformats.org/presentationml/2006/main">
   <p:cSld>
     <p:spTree>
@@ -11840,303 +14974,6 @@
 </p:sld>
 </file>
 
-<file path=ppt/slides/slide3.xml><?xml version="1.0" encoding="utf-8"?>
-<p:sld xmlns:a="http://schemas.openxmlformats.org/drawingml/2006/main" xmlns:r="http://schemas.openxmlformats.org/officeDocument/2006/relationships" xmlns:p="http://schemas.openxmlformats.org/presentationml/2006/main">
-  <p:cSld>
-    <p:spTree>
-      <p:nvGrpSpPr>
-        <p:cNvPr id="1" name=""/>
-        <p:cNvGrpSpPr/>
-        <p:nvPr/>
-      </p:nvGrpSpPr>
-      <p:grpSpPr>
-        <a:xfrm>
-          <a:off x="0" y="0"/>
-          <a:ext cx="0" cy="0"/>
-          <a:chOff x="0" y="0"/>
-          <a:chExt cx="0" cy="0"/>
-        </a:xfrm>
-      </p:grpSpPr>
-      <p:sp>
-        <p:nvSpPr>
-          <p:cNvPr id="2" name="Title 1">
-            <a:extLst>
-              <a:ext uri="{FF2B5EF4-FFF2-40B4-BE49-F238E27FC236}">
-                <a16:creationId xmlns:a16="http://schemas.microsoft.com/office/drawing/2014/main" id="{C6E7D970-3C8E-4A88-BB7A-973DAF159410}"/>
-              </a:ext>
-            </a:extLst>
-          </p:cNvPr>
-          <p:cNvSpPr>
-            <a:spLocks noGrp="1"/>
-          </p:cNvSpPr>
-          <p:nvPr>
-            <p:ph type="title"/>
-          </p:nvPr>
-        </p:nvSpPr>
-        <p:spPr/>
-        <p:txBody>
-          <a:bodyPr/>
-          <a:lstStyle/>
-          <a:p>
-            <a:r>
-              <a:rPr lang="en-US" dirty="0"/>
-              <a:t>Beall webworm data</a:t>
-            </a:r>
-          </a:p>
-        </p:txBody>
-      </p:sp>
-      <p:sp>
-        <p:nvSpPr>
-          <p:cNvPr id="3" name="Content Placeholder 2">
-            <a:extLst>
-              <a:ext uri="{FF2B5EF4-FFF2-40B4-BE49-F238E27FC236}">
-                <a16:creationId xmlns:a16="http://schemas.microsoft.com/office/drawing/2014/main" id="{511A6951-C950-4E2E-AC73-02D4034B6999}"/>
-              </a:ext>
-            </a:extLst>
-          </p:cNvPr>
-          <p:cNvSpPr>
-            <a:spLocks noGrp="1"/>
-          </p:cNvSpPr>
-          <p:nvPr>
-            <p:ph idx="1"/>
-          </p:nvPr>
-        </p:nvSpPr>
-        <p:spPr>
-          <a:xfrm>
-            <a:off x="838200" y="1825625"/>
-            <a:ext cx="5257800" cy="4351338"/>
-          </a:xfrm>
-        </p:spPr>
-        <p:txBody>
-          <a:bodyPr/>
-          <a:lstStyle/>
-          <a:p>
-            <a:r>
-              <a:rPr lang="en-US" dirty="0"/>
-              <a:t>Counts of webworms in plots sprayed with insecticide or lead/arsenic</a:t>
-            </a:r>
-          </a:p>
-          <a:p>
-            <a:pPr lvl="1"/>
-            <a:r>
-              <a:rPr lang="en-US" dirty="0"/>
-              <a:t>2 insecticide treatments (N/Y)</a:t>
-            </a:r>
-          </a:p>
-          <a:p>
-            <a:pPr lvl="1"/>
-            <a:r>
-              <a:rPr lang="en-US" dirty="0"/>
-              <a:t>2 lead treatments (N/Y)</a:t>
-            </a:r>
-          </a:p>
-          <a:p>
-            <a:pPr lvl="1"/>
-            <a:r>
-              <a:rPr lang="en-US" dirty="0"/>
-              <a:t>2 x 2 factorial design</a:t>
-            </a:r>
-          </a:p>
-          <a:p>
-            <a:endParaRPr lang="en-US" dirty="0"/>
-          </a:p>
-        </p:txBody>
-      </p:sp>
-      <p:pic>
-        <p:nvPicPr>
-          <p:cNvPr id="7" name="Picture 6">
-            <a:extLst>
-              <a:ext uri="{FF2B5EF4-FFF2-40B4-BE49-F238E27FC236}">
-                <a16:creationId xmlns:a16="http://schemas.microsoft.com/office/drawing/2014/main" id="{B413A3FE-4632-3536-973D-93F118D11A54}"/>
-              </a:ext>
-            </a:extLst>
-          </p:cNvPr>
-          <p:cNvPicPr>
-            <a:picLocks noChangeAspect="1"/>
-          </p:cNvPicPr>
-          <p:nvPr/>
-        </p:nvPicPr>
-        <p:blipFill>
-          <a:blip r:embed="rId2"/>
-          <a:stretch>
-            <a:fillRect/>
-          </a:stretch>
-        </p:blipFill>
-        <p:spPr>
-          <a:xfrm>
-            <a:off x="7000568" y="233420"/>
-            <a:ext cx="4789385" cy="3195580"/>
-          </a:xfrm>
-          <a:prstGeom prst="rect">
-            <a:avLst/>
-          </a:prstGeom>
-        </p:spPr>
-      </p:pic>
-      <p:pic>
-        <p:nvPicPr>
-          <p:cNvPr id="9" name="Picture 8">
-            <a:extLst>
-              <a:ext uri="{FF2B5EF4-FFF2-40B4-BE49-F238E27FC236}">
-                <a16:creationId xmlns:a16="http://schemas.microsoft.com/office/drawing/2014/main" id="{08964B1A-F18E-9659-FA3A-3B3FAD4F6B5A}"/>
-              </a:ext>
-            </a:extLst>
-          </p:cNvPr>
-          <p:cNvPicPr>
-            <a:picLocks noChangeAspect="1"/>
-          </p:cNvPicPr>
-          <p:nvPr/>
-        </p:nvPicPr>
-        <p:blipFill>
-          <a:blip r:embed="rId3"/>
-          <a:stretch>
-            <a:fillRect/>
-          </a:stretch>
-        </p:blipFill>
-        <p:spPr>
-          <a:xfrm>
-            <a:off x="7000568" y="3429000"/>
-            <a:ext cx="4789385" cy="3195580"/>
-          </a:xfrm>
-          <a:prstGeom prst="rect">
-            <a:avLst/>
-          </a:prstGeom>
-        </p:spPr>
-      </p:pic>
-      <p:pic>
-        <p:nvPicPr>
-          <p:cNvPr id="10" name="Picture 2" descr="Adult female fall webworm, Hyphantria cunea (Drury), laying eggs. Usually there are 400-1000 eggs in a batch. Female died following oviposition, never moving from the leaf. ">
-            <a:extLst>
-              <a:ext uri="{FF2B5EF4-FFF2-40B4-BE49-F238E27FC236}">
-                <a16:creationId xmlns:a16="http://schemas.microsoft.com/office/drawing/2014/main" id="{846BA0B0-919A-AF84-4366-15605A2A113C}"/>
-              </a:ext>
-            </a:extLst>
-          </p:cNvPr>
-          <p:cNvPicPr>
-            <a:picLocks noChangeAspect="1" noChangeArrowheads="1"/>
-          </p:cNvPicPr>
-          <p:nvPr/>
-        </p:nvPicPr>
-        <p:blipFill>
-          <a:blip r:embed="rId4">
-            <a:extLst>
-              <a:ext uri="{28A0092B-C50C-407E-A947-70E740481C1C}">
-                <a14:useLocalDpi xmlns:a14="http://schemas.microsoft.com/office/drawing/2010/main" val="0"/>
-              </a:ext>
-            </a:extLst>
-          </a:blip>
-          <a:srcRect/>
-          <a:stretch>
-            <a:fillRect/>
-          </a:stretch>
-        </p:blipFill>
-        <p:spPr bwMode="auto">
-          <a:xfrm>
-            <a:off x="1980875" y="4297553"/>
-            <a:ext cx="2184400" cy="2195322"/>
-          </a:xfrm>
-          <a:prstGeom prst="rect">
-            <a:avLst/>
-          </a:prstGeom>
-          <a:noFill/>
-          <a:extLst>
-            <a:ext uri="{909E8E84-426E-40DD-AFC4-6F175D3DCCD1}">
-              <a14:hiddenFill xmlns:a14="http://schemas.microsoft.com/office/drawing/2010/main">
-                <a:solidFill>
-                  <a:srgbClr val="FFFFFF"/>
-                </a:solidFill>
-              </a14:hiddenFill>
-            </a:ext>
-          </a:extLst>
-        </p:spPr>
-      </p:pic>
-    </p:spTree>
-    <p:extLst>
-      <p:ext uri="{BB962C8B-B14F-4D97-AF65-F5344CB8AC3E}">
-        <p14:creationId xmlns:p14="http://schemas.microsoft.com/office/powerpoint/2010/main" val="1136672399"/>
-      </p:ext>
-    </p:extLst>
-  </p:cSld>
-  <p:clrMapOvr>
-    <a:masterClrMapping/>
-  </p:clrMapOvr>
-  <p:timing>
-    <p:tnLst>
-      <p:par>
-        <p:cTn id="1" dur="indefinite" restart="never" nodeType="tmRoot">
-          <p:childTnLst>
-            <p:seq concurrent="1" nextAc="seek">
-              <p:cTn id="2" dur="indefinite" nodeType="mainSeq">
-                <p:childTnLst>
-                  <p:par>
-                    <p:cTn id="3" fill="hold">
-                      <p:stCondLst>
-                        <p:cond delay="indefinite"/>
-                      </p:stCondLst>
-                      <p:childTnLst>
-                        <p:par>
-                          <p:cTn id="4" fill="hold">
-                            <p:stCondLst>
-                              <p:cond delay="0"/>
-                            </p:stCondLst>
-                            <p:childTnLst>
-                              <p:par>
-                                <p:cTn id="5" presetID="1" presetClass="entr" presetSubtype="0" fill="hold" nodeType="clickEffect">
-                                  <p:stCondLst>
-                                    <p:cond delay="0"/>
-                                  </p:stCondLst>
-                                  <p:childTnLst>
-                                    <p:set>
-                                      <p:cBhvr>
-                                        <p:cTn id="6" dur="1" fill="hold">
-                                          <p:stCondLst>
-                                            <p:cond delay="0"/>
-                                          </p:stCondLst>
-                                        </p:cTn>
-                                        <p:tgtEl>
-                                          <p:spTgt spid="9"/>
-                                        </p:tgtEl>
-                                        <p:attrNameLst>
-                                          <p:attrName>style.visibility</p:attrName>
-                                        </p:attrNameLst>
-                                      </p:cBhvr>
-                                      <p:to>
-                                        <p:strVal val="visible"/>
-                                      </p:to>
-                                    </p:set>
-                                  </p:childTnLst>
-                                </p:cTn>
-                              </p:par>
-                            </p:childTnLst>
-                          </p:cTn>
-                        </p:par>
-                      </p:childTnLst>
-                    </p:cTn>
-                  </p:par>
-                </p:childTnLst>
-              </p:cTn>
-              <p:prevCondLst>
-                <p:cond evt="onPrev" delay="0">
-                  <p:tgtEl>
-                    <p:sldTgt/>
-                  </p:tgtEl>
-                </p:cond>
-              </p:prevCondLst>
-              <p:nextCondLst>
-                <p:cond evt="onNext" delay="0">
-                  <p:tgtEl>
-                    <p:sldTgt/>
-                  </p:tgtEl>
-                </p:cond>
-              </p:nextCondLst>
-            </p:seq>
-          </p:childTnLst>
-        </p:cTn>
-      </p:par>
-    </p:tnLst>
-  </p:timing>
-</p:sld>
-</file>
-
 <file path=ppt/slides/slide4.xml><?xml version="1.0" encoding="utf-8"?>
 <p:sld xmlns:a="http://schemas.openxmlformats.org/drawingml/2006/main" xmlns:r="http://schemas.openxmlformats.org/officeDocument/2006/relationships" xmlns:p="http://schemas.openxmlformats.org/presentationml/2006/main">
   <p:cSld>
@@ -13692,6 +16529,89 @@
           <p:cNvPr id="2" name="Title 1">
             <a:extLst>
               <a:ext uri="{FF2B5EF4-FFF2-40B4-BE49-F238E27FC236}">
+                <a16:creationId xmlns:a16="http://schemas.microsoft.com/office/drawing/2014/main" id="{BD8261F3-5FD0-192A-C27F-64E2C83881C0}"/>
+              </a:ext>
+            </a:extLst>
+          </p:cNvPr>
+          <p:cNvSpPr>
+            <a:spLocks noGrp="1"/>
+          </p:cNvSpPr>
+          <p:nvPr>
+            <p:ph type="title"/>
+          </p:nvPr>
+        </p:nvSpPr>
+        <p:spPr/>
+        <p:txBody>
+          <a:bodyPr/>
+          <a:lstStyle/>
+          <a:p>
+            <a:r>
+              <a:rPr lang="en-US" dirty="0"/>
+              <a:t>Assumptions of linear models ???</a:t>
+            </a:r>
+          </a:p>
+        </p:txBody>
+      </p:sp>
+      <p:sp>
+        <p:nvSpPr>
+          <p:cNvPr id="3" name="Content Placeholder 2">
+            <a:extLst>
+              <a:ext uri="{FF2B5EF4-FFF2-40B4-BE49-F238E27FC236}">
+                <a16:creationId xmlns:a16="http://schemas.microsoft.com/office/drawing/2014/main" id="{64475BF7-9542-BF22-855C-6B0642F53778}"/>
+              </a:ext>
+            </a:extLst>
+          </p:cNvPr>
+          <p:cNvSpPr>
+            <a:spLocks noGrp="1"/>
+          </p:cNvSpPr>
+          <p:nvPr>
+            <p:ph idx="1"/>
+          </p:nvPr>
+        </p:nvSpPr>
+        <p:spPr/>
+        <p:txBody>
+          <a:bodyPr/>
+          <a:lstStyle/>
+          <a:p>
+            <a:endParaRPr lang="en-US"/>
+          </a:p>
+        </p:txBody>
+      </p:sp>
+    </p:spTree>
+    <p:extLst>
+      <p:ext uri="{BB962C8B-B14F-4D97-AF65-F5344CB8AC3E}">
+        <p14:creationId xmlns:p14="http://schemas.microsoft.com/office/powerpoint/2010/main" val="354349290"/>
+      </p:ext>
+    </p:extLst>
+  </p:cSld>
+  <p:clrMapOvr>
+    <a:masterClrMapping/>
+  </p:clrMapOvr>
+</p:sld>
+</file>
+
+<file path=ppt/slides/slide8.xml><?xml version="1.0" encoding="utf-8"?>
+<p:sld xmlns:a="http://schemas.openxmlformats.org/drawingml/2006/main" xmlns:r="http://schemas.openxmlformats.org/officeDocument/2006/relationships" xmlns:p="http://schemas.openxmlformats.org/presentationml/2006/main">
+  <p:cSld>
+    <p:spTree>
+      <p:nvGrpSpPr>
+        <p:cNvPr id="1" name=""/>
+        <p:cNvGrpSpPr/>
+        <p:nvPr/>
+      </p:nvGrpSpPr>
+      <p:grpSpPr>
+        <a:xfrm>
+          <a:off x="0" y="0"/>
+          <a:ext cx="0" cy="0"/>
+          <a:chOff x="0" y="0"/>
+          <a:chExt cx="0" cy="0"/>
+        </a:xfrm>
+      </p:grpSpPr>
+      <p:sp>
+        <p:nvSpPr>
+          <p:cNvPr id="2" name="Title 1">
+            <a:extLst>
+              <a:ext uri="{FF2B5EF4-FFF2-40B4-BE49-F238E27FC236}">
                 <a16:creationId xmlns:a16="http://schemas.microsoft.com/office/drawing/2014/main" id="{4BBA2193-89D7-B2FD-6C82-7FF7C59B0CF9}"/>
               </a:ext>
             </a:extLst>
@@ -13793,7 +16713,7 @@
 </p:sld>
 </file>
 
-<file path=ppt/slides/slide8.xml><?xml version="1.0" encoding="utf-8"?>
+<file path=ppt/slides/slide9.xml><?xml version="1.0" encoding="utf-8"?>
 <p:sld xmlns:a="http://schemas.openxmlformats.org/drawingml/2006/main" xmlns:r="http://schemas.openxmlformats.org/officeDocument/2006/relationships" xmlns:p="http://schemas.openxmlformats.org/presentationml/2006/main">
   <p:cSld>
     <p:spTree>
@@ -14288,8 +17208,8 @@
           </a:p>
         </p:txBody>
       </p:sp>
-      <mc:AlternateContent xmlns:mc="http://schemas.openxmlformats.org/markup-compatibility/2006">
-        <mc:Choice xmlns:p14="http://schemas.microsoft.com/office/powerpoint/2010/main" Requires="p14">
+      <mc:AlternateContent xmlns:mc="http://schemas.openxmlformats.org/markup-compatibility/2006" xmlns:p14="http://schemas.microsoft.com/office/powerpoint/2010/main">
+        <mc:Choice Requires="p14">
           <p:contentPart p14:bwMode="auto" r:id="rId3">
             <p14:nvContentPartPr>
               <p14:cNvPr id="9" name="Ink 8">
@@ -14308,7 +17228,7 @@
             </p14:xfrm>
           </p:contentPart>
         </mc:Choice>
-        <mc:Fallback>
+        <mc:Fallback xmlns="">
           <p:pic>
             <p:nvPicPr>
               <p:cNvPr id="9" name="Ink 8">
@@ -14349,258 +17269,6 @@
   <p:clrMapOvr>
     <a:masterClrMapping/>
   </p:clrMapOvr>
-</p:sld>
-</file>
-
-<file path=ppt/slides/slide9.xml><?xml version="1.0" encoding="utf-8"?>
-<p:sld xmlns:a="http://schemas.openxmlformats.org/drawingml/2006/main" xmlns:r="http://schemas.openxmlformats.org/officeDocument/2006/relationships" xmlns:p="http://schemas.openxmlformats.org/presentationml/2006/main">
-  <p:cSld>
-    <p:spTree>
-      <p:nvGrpSpPr>
-        <p:cNvPr id="1" name="">
-          <a:extLst>
-            <a:ext uri="{FF2B5EF4-FFF2-40B4-BE49-F238E27FC236}">
-              <a16:creationId xmlns:a16="http://schemas.microsoft.com/office/drawing/2014/main" id="{FD8EF74D-9493-32B3-A6AA-4565F5613AF9}"/>
-            </a:ext>
-          </a:extLst>
-        </p:cNvPr>
-        <p:cNvGrpSpPr/>
-        <p:nvPr/>
-      </p:nvGrpSpPr>
-      <p:grpSpPr>
-        <a:xfrm>
-          <a:off x="0" y="0"/>
-          <a:ext cx="0" cy="0"/>
-          <a:chOff x="0" y="0"/>
-          <a:chExt cx="0" cy="0"/>
-        </a:xfrm>
-      </p:grpSpPr>
-      <p:pic>
-        <p:nvPicPr>
-          <p:cNvPr id="4" name="Picture 3" descr="A screenshot of a computer&#10;&#10;AI-generated content may be incorrect.">
-            <a:extLst>
-              <a:ext uri="{FF2B5EF4-FFF2-40B4-BE49-F238E27FC236}">
-                <a16:creationId xmlns:a16="http://schemas.microsoft.com/office/drawing/2014/main" id="{04D87E28-878C-39AA-0FCA-D6DD2346BFDA}"/>
-              </a:ext>
-            </a:extLst>
-          </p:cNvPr>
-          <p:cNvPicPr>
-            <a:picLocks noChangeAspect="1"/>
-          </p:cNvPicPr>
-          <p:nvPr/>
-        </p:nvPicPr>
-        <p:blipFill>
-          <a:blip r:embed="rId2">
-            <a:extLst>
-              <a:ext uri="{28A0092B-C50C-407E-A947-70E740481C1C}">
-                <a14:useLocalDpi xmlns:a14="http://schemas.microsoft.com/office/drawing/2010/main" val="0"/>
-              </a:ext>
-            </a:extLst>
-          </a:blip>
-          <a:srcRect t="94110" r="70000" b="2019"/>
-          <a:stretch/>
-        </p:blipFill>
-        <p:spPr>
-          <a:xfrm>
-            <a:off x="1133845" y="1781882"/>
-            <a:ext cx="9924306" cy="693635"/>
-          </a:xfrm>
-          <a:prstGeom prst="rect">
-            <a:avLst/>
-          </a:prstGeom>
-        </p:spPr>
-      </p:pic>
-      <p:sp>
-        <p:nvSpPr>
-          <p:cNvPr id="2" name="Title 1">
-            <a:extLst>
-              <a:ext uri="{FF2B5EF4-FFF2-40B4-BE49-F238E27FC236}">
-                <a16:creationId xmlns:a16="http://schemas.microsoft.com/office/drawing/2014/main" id="{480212FF-A54D-4931-1B63-7DFCC7173481}"/>
-              </a:ext>
-            </a:extLst>
-          </p:cNvPr>
-          <p:cNvSpPr>
-            <a:spLocks noGrp="1"/>
-          </p:cNvSpPr>
-          <p:nvPr>
-            <p:ph type="title"/>
-          </p:nvPr>
-        </p:nvSpPr>
-        <p:spPr/>
-        <p:txBody>
-          <a:bodyPr/>
-          <a:lstStyle/>
-          <a:p>
-            <a:r>
-              <a:rPr lang="en-US" dirty="0"/>
-              <a:t>Step 2b. Check </a:t>
-            </a:r>
-            <a:r>
-              <a:rPr lang="en-US" dirty="0" err="1"/>
-              <a:t>resids</a:t>
-            </a:r>
-            <a:r>
-              <a:rPr lang="en-US" dirty="0"/>
-              <a:t> and </a:t>
-            </a:r>
-            <a:r>
-              <a:rPr lang="en-US" dirty="0" err="1"/>
-              <a:t>overdisperion</a:t>
-            </a:r>
-            <a:endParaRPr lang="en-US" dirty="0"/>
-          </a:p>
-        </p:txBody>
-      </p:sp>
-      <p:pic>
-        <p:nvPicPr>
-          <p:cNvPr id="8" name="Picture 7">
-            <a:extLst>
-              <a:ext uri="{FF2B5EF4-FFF2-40B4-BE49-F238E27FC236}">
-                <a16:creationId xmlns:a16="http://schemas.microsoft.com/office/drawing/2014/main" id="{B7D33391-CCE8-9F84-D005-B7382ECCD86E}"/>
-              </a:ext>
-            </a:extLst>
-          </p:cNvPr>
-          <p:cNvPicPr>
-            <a:picLocks noChangeAspect="1"/>
-          </p:cNvPicPr>
-          <p:nvPr/>
-        </p:nvPicPr>
-        <p:blipFill>
-          <a:blip r:embed="rId3"/>
-          <a:stretch>
-            <a:fillRect/>
-          </a:stretch>
-        </p:blipFill>
-        <p:spPr>
-          <a:xfrm>
-            <a:off x="330233" y="2475517"/>
-            <a:ext cx="7753350" cy="4019550"/>
-          </a:xfrm>
-          <a:prstGeom prst="rect">
-            <a:avLst/>
-          </a:prstGeom>
-        </p:spPr>
-      </p:pic>
-      <p:pic>
-        <p:nvPicPr>
-          <p:cNvPr id="10" name="Picture 9" descr="A screenshot of a computer&#10;&#10;AI-generated content may be incorrect.">
-            <a:extLst>
-              <a:ext uri="{FF2B5EF4-FFF2-40B4-BE49-F238E27FC236}">
-                <a16:creationId xmlns:a16="http://schemas.microsoft.com/office/drawing/2014/main" id="{F2D752E5-FF66-91D4-9487-C7B0AC3BF529}"/>
-              </a:ext>
-            </a:extLst>
-          </p:cNvPr>
-          <p:cNvPicPr>
-            <a:picLocks noChangeAspect="1"/>
-          </p:cNvPicPr>
-          <p:nvPr/>
-        </p:nvPicPr>
-        <p:blipFill>
-          <a:blip r:embed="rId4">
-            <a:extLst>
-              <a:ext uri="{28A0092B-C50C-407E-A947-70E740481C1C}">
-                <a14:useLocalDpi xmlns:a14="http://schemas.microsoft.com/office/drawing/2010/main" val="0"/>
-              </a:ext>
-            </a:extLst>
-          </a:blip>
-          <a:srcRect t="81917" r="84176" b="3602"/>
-          <a:stretch/>
-        </p:blipFill>
-        <p:spPr>
-          <a:xfrm>
-            <a:off x="8083583" y="3828206"/>
-            <a:ext cx="4014138" cy="1989573"/>
-          </a:xfrm>
-          <a:prstGeom prst="rect">
-            <a:avLst/>
-          </a:prstGeom>
-        </p:spPr>
-      </p:pic>
-    </p:spTree>
-    <p:extLst>
-      <p:ext uri="{BB962C8B-B14F-4D97-AF65-F5344CB8AC3E}">
-        <p14:creationId xmlns:p14="http://schemas.microsoft.com/office/powerpoint/2010/main" val="203590955"/>
-      </p:ext>
-    </p:extLst>
-  </p:cSld>
-  <p:clrMapOvr>
-    <a:masterClrMapping/>
-  </p:clrMapOvr>
-  <p:timing>
-    <p:tnLst>
-      <p:par>
-        <p:cTn id="1" dur="indefinite" restart="never" nodeType="tmRoot">
-          <p:childTnLst>
-            <p:seq concurrent="1" nextAc="seek">
-              <p:cTn id="2" dur="indefinite" nodeType="mainSeq">
-                <p:childTnLst>
-                  <p:par>
-                    <p:cTn id="3" fill="hold">
-                      <p:stCondLst>
-                        <p:cond delay="indefinite"/>
-                      </p:stCondLst>
-                      <p:childTnLst>
-                        <p:par>
-                          <p:cTn id="4" fill="hold">
-                            <p:stCondLst>
-                              <p:cond delay="0"/>
-                            </p:stCondLst>
-                            <p:childTnLst>
-                              <p:par>
-                                <p:cTn id="5" presetID="1" presetClass="entr" presetSubtype="0" fill="hold" nodeType="clickEffect">
-                                  <p:stCondLst>
-                                    <p:cond delay="0"/>
-                                  </p:stCondLst>
-                                  <p:childTnLst>
-                                    <p:set>
-                                      <p:cBhvr>
-                                        <p:cTn id="6" dur="1" fill="hold">
-                                          <p:stCondLst>
-                                            <p:cond delay="0"/>
-                                          </p:stCondLst>
-                                        </p:cTn>
-                                        <p:tgtEl>
-                                          <p:spTgt spid="10"/>
-                                        </p:tgtEl>
-                                        <p:attrNameLst>
-                                          <p:attrName>style.visibility</p:attrName>
-                                        </p:attrNameLst>
-                                      </p:cBhvr>
-                                      <p:to>
-                                        <p:strVal val="visible"/>
-                                      </p:to>
-                                    </p:set>
-                                  </p:childTnLst>
-                                </p:cTn>
-                              </p:par>
-                            </p:childTnLst>
-                          </p:cTn>
-                        </p:par>
-                      </p:childTnLst>
-                    </p:cTn>
-                  </p:par>
-                </p:childTnLst>
-              </p:cTn>
-              <p:prevCondLst>
-                <p:cond evt="onPrev" delay="0">
-                  <p:tgtEl>
-                    <p:sldTgt/>
-                  </p:tgtEl>
-                </p:cond>
-              </p:prevCondLst>
-              <p:nextCondLst>
-                <p:cond evt="onNext" delay="0">
-                  <p:tgtEl>
-                    <p:sldTgt/>
-                  </p:tgtEl>
-                </p:cond>
-              </p:nextCondLst>
-            </p:seq>
-          </p:childTnLst>
-        </p:cTn>
-      </p:par>
-    </p:tnLst>
-  </p:timing>
 </p:sld>
 </file>
 

--- a/Slides and materials/WorkedExample_GLMM_Counts.pptx
+++ b/Slides and materials/WorkedExample_GLMM_Counts.pptx
@@ -30,7 +30,7 @@
     <p:sldId id="507" r:id="rId21"/>
     <p:sldId id="553" r:id="rId22"/>
     <p:sldId id="535" r:id="rId23"/>
-    <p:sldId id="555" r:id="rId24"/>
+    <p:sldId id="561" r:id="rId24"/>
     <p:sldId id="554" r:id="rId25"/>
     <p:sldId id="549" r:id="rId26"/>
     <p:sldId id="556" r:id="rId27"/>
@@ -152,7 +152,7 @@
 <file path=ppt/revisionInfo.xml><?xml version="1.0" encoding="utf-8"?>
 <p1510:revInfo xmlns:a="http://schemas.openxmlformats.org/drawingml/2006/main" xmlns:r="http://schemas.openxmlformats.org/officeDocument/2006/relationships" xmlns:p1510="http://schemas.microsoft.com/office/powerpoint/2015/10/main">
   <p1510:revLst>
-    <p1510:client id="{FB79AC2A-0317-4D91-91C8-9DEC31FB803B}" v="137" dt="2025-05-23T18:50:39.988"/>
+    <p1510:client id="{FB79AC2A-0317-4D91-91C8-9DEC31FB803B}" v="167" dt="2025-05-23T20:59:03.822"/>
   </p1510:revLst>
 </p1510:revInfo>
 </file>
@@ -162,7 +162,7 @@
   <pc:docChgLst>
     <pc:chgData name="Hahn, Phil" userId="2d5c7d3c-1ebc-4c64-a257-24a55868d9d9" providerId="ADAL" clId="{FB79AC2A-0317-4D91-91C8-9DEC31FB803B}"/>
     <pc:docChg chg="undo redo custSel addSld delSld modSld sldOrd">
-      <pc:chgData name="Hahn, Phil" userId="2d5c7d3c-1ebc-4c64-a257-24a55868d9d9" providerId="ADAL" clId="{FB79AC2A-0317-4D91-91C8-9DEC31FB803B}" dt="2025-05-23T18:50:40.040" v="2887" actId="27636"/>
+      <pc:chgData name="Hahn, Phil" userId="2d5c7d3c-1ebc-4c64-a257-24a55868d9d9" providerId="ADAL" clId="{FB79AC2A-0317-4D91-91C8-9DEC31FB803B}" dt="2025-05-23T20:59:57.092" v="3496" actId="1076"/>
       <pc:docMkLst>
         <pc:docMk/>
       </pc:docMkLst>
@@ -517,7 +517,7 @@
         </pc:picChg>
       </pc:sldChg>
       <pc:sldChg chg="addSp delSp modSp mod delAnim modAnim">
-        <pc:chgData name="Hahn, Phil" userId="2d5c7d3c-1ebc-4c64-a257-24a55868d9d9" providerId="ADAL" clId="{FB79AC2A-0317-4D91-91C8-9DEC31FB803B}" dt="2025-05-23T18:18:09.746" v="2505" actId="478"/>
+        <pc:chgData name="Hahn, Phil" userId="2d5c7d3c-1ebc-4c64-a257-24a55868d9d9" providerId="ADAL" clId="{FB79AC2A-0317-4D91-91C8-9DEC31FB803B}" dt="2025-05-23T20:35:15.511" v="3137" actId="113"/>
         <pc:sldMkLst>
           <pc:docMk/>
           <pc:sldMk cId="2164730604" sldId="535"/>
@@ -563,7 +563,7 @@
           </ac:spMkLst>
         </pc:spChg>
         <pc:spChg chg="add mod">
-          <ac:chgData name="Hahn, Phil" userId="2d5c7d3c-1ebc-4c64-a257-24a55868d9d9" providerId="ADAL" clId="{FB79AC2A-0317-4D91-91C8-9DEC31FB803B}" dt="2025-05-22T20:28:08.264" v="1079" actId="1076"/>
+          <ac:chgData name="Hahn, Phil" userId="2d5c7d3c-1ebc-4c64-a257-24a55868d9d9" providerId="ADAL" clId="{FB79AC2A-0317-4D91-91C8-9DEC31FB803B}" dt="2025-05-23T20:35:15.511" v="3137" actId="113"/>
           <ac:spMkLst>
             <pc:docMk/>
             <pc:sldMk cId="2164730604" sldId="535"/>
@@ -616,6 +616,14 @@
             <pc:docMk/>
             <pc:sldMk cId="2164730604" sldId="535"/>
             <ac:picMk id="5" creationId="{302CB599-05D5-8BB7-E49D-8B338E3A1594}"/>
+          </ac:picMkLst>
+        </pc:picChg>
+        <pc:picChg chg="add del mod modCrop">
+          <ac:chgData name="Hahn, Phil" userId="2d5c7d3c-1ebc-4c64-a257-24a55868d9d9" providerId="ADAL" clId="{FB79AC2A-0317-4D91-91C8-9DEC31FB803B}" dt="2025-05-23T20:35:13.314" v="3136" actId="21"/>
+          <ac:picMkLst>
+            <pc:docMk/>
+            <pc:sldMk cId="2164730604" sldId="535"/>
+            <ac:picMk id="5" creationId="{B4407D0E-58D2-3166-CF41-C8CC053E91A9}"/>
           </ac:picMkLst>
         </pc:picChg>
         <pc:picChg chg="del">
@@ -1045,7 +1053,7 @@
         </pc:inkChg>
       </pc:sldChg>
       <pc:sldChg chg="addSp delSp modSp new mod">
-        <pc:chgData name="Hahn, Phil" userId="2d5c7d3c-1ebc-4c64-a257-24a55868d9d9" providerId="ADAL" clId="{FB79AC2A-0317-4D91-91C8-9DEC31FB803B}" dt="2025-05-22T19:41:46.083" v="486"/>
+        <pc:chgData name="Hahn, Phil" userId="2d5c7d3c-1ebc-4c64-a257-24a55868d9d9" providerId="ADAL" clId="{FB79AC2A-0317-4D91-91C8-9DEC31FB803B}" dt="2025-05-23T20:26:29.434" v="3017" actId="1076"/>
         <pc:sldMkLst>
           <pc:docMk/>
           <pc:sldMk cId="2633461711" sldId="543"/>
@@ -1066,16 +1074,24 @@
             <ac:spMk id="3" creationId="{2027407D-BE75-544B-A4C2-F625647D85D3}"/>
           </ac:spMkLst>
         </pc:spChg>
+        <pc:picChg chg="add mod modCrop">
+          <ac:chgData name="Hahn, Phil" userId="2d5c7d3c-1ebc-4c64-a257-24a55868d9d9" providerId="ADAL" clId="{FB79AC2A-0317-4D91-91C8-9DEC31FB803B}" dt="2025-05-23T20:23:17.378" v="2944" actId="1076"/>
+          <ac:picMkLst>
+            <pc:docMk/>
+            <pc:sldMk cId="2633461711" sldId="543"/>
+            <ac:picMk id="4" creationId="{2F4AA433-967D-3924-7A49-3759892400DB}"/>
+          </ac:picMkLst>
+        </pc:picChg>
         <pc:picChg chg="add mod">
-          <ac:chgData name="Hahn, Phil" userId="2d5c7d3c-1ebc-4c64-a257-24a55868d9d9" providerId="ADAL" clId="{FB79AC2A-0317-4D91-91C8-9DEC31FB803B}" dt="2025-05-22T19:41:41.577" v="485" actId="1076"/>
+          <ac:chgData name="Hahn, Phil" userId="2d5c7d3c-1ebc-4c64-a257-24a55868d9d9" providerId="ADAL" clId="{FB79AC2A-0317-4D91-91C8-9DEC31FB803B}" dt="2025-05-23T20:26:29.434" v="3017" actId="1076"/>
           <ac:picMkLst>
             <pc:docMk/>
             <pc:sldMk cId="2633461711" sldId="543"/>
             <ac:picMk id="5" creationId="{3DA5078D-6221-834A-AFB4-D988CF122E41}"/>
           </ac:picMkLst>
         </pc:picChg>
-        <pc:picChg chg="add mod">
-          <ac:chgData name="Hahn, Phil" userId="2d5c7d3c-1ebc-4c64-a257-24a55868d9d9" providerId="ADAL" clId="{FB79AC2A-0317-4D91-91C8-9DEC31FB803B}" dt="2025-05-22T19:41:46.083" v="486"/>
+        <pc:picChg chg="add del mod">
+          <ac:chgData name="Hahn, Phil" userId="2d5c7d3c-1ebc-4c64-a257-24a55868d9d9" providerId="ADAL" clId="{FB79AC2A-0317-4D91-91C8-9DEC31FB803B}" dt="2025-05-23T20:22:34.082" v="2933" actId="478"/>
           <ac:picMkLst>
             <pc:docMk/>
             <pc:sldMk cId="2633461711" sldId="543"/>
@@ -1570,30 +1586,78 @@
           </ac:inkMkLst>
         </pc:inkChg>
       </pc:sldChg>
-      <pc:sldChg chg="modSp add mod ord">
-        <pc:chgData name="Hahn, Phil" userId="2d5c7d3c-1ebc-4c64-a257-24a55868d9d9" providerId="ADAL" clId="{FB79AC2A-0317-4D91-91C8-9DEC31FB803B}" dt="2025-05-23T18:16:54.891" v="2503"/>
+      <pc:sldChg chg="addSp modSp add mod ord">
+        <pc:chgData name="Hahn, Phil" userId="2d5c7d3c-1ebc-4c64-a257-24a55868d9d9" providerId="ADAL" clId="{FB79AC2A-0317-4D91-91C8-9DEC31FB803B}" dt="2025-05-23T20:29:42.971" v="3120" actId="20577"/>
         <pc:sldMkLst>
           <pc:docMk/>
           <pc:sldMk cId="1885825590" sldId="553"/>
         </pc:sldMkLst>
         <pc:spChg chg="mod">
-          <ac:chgData name="Hahn, Phil" userId="2d5c7d3c-1ebc-4c64-a257-24a55868d9d9" providerId="ADAL" clId="{FB79AC2A-0317-4D91-91C8-9DEC31FB803B}" dt="2025-05-23T18:16:41.545" v="2501" actId="20577"/>
+          <ac:chgData name="Hahn, Phil" userId="2d5c7d3c-1ebc-4c64-a257-24a55868d9d9" providerId="ADAL" clId="{FB79AC2A-0317-4D91-91C8-9DEC31FB803B}" dt="2025-05-23T20:29:42.971" v="3120" actId="20577"/>
           <ac:spMkLst>
             <pc:docMk/>
             <pc:sldMk cId="1885825590" sldId="553"/>
             <ac:spMk id="3" creationId="{A52A558E-43E0-E9B1-6A84-883011522F32}"/>
           </ac:spMkLst>
         </pc:spChg>
+        <pc:spChg chg="add">
+          <ac:chgData name="Hahn, Phil" userId="2d5c7d3c-1ebc-4c64-a257-24a55868d9d9" providerId="ADAL" clId="{FB79AC2A-0317-4D91-91C8-9DEC31FB803B}" dt="2025-05-23T20:28:42.233" v="3018"/>
+          <ac:spMkLst>
+            <pc:docMk/>
+            <pc:sldMk cId="1885825590" sldId="553"/>
+            <ac:spMk id="4" creationId="{E611848E-1EC7-E8D9-EFAC-C898C89D8C3A}"/>
+          </ac:spMkLst>
+        </pc:spChg>
       </pc:sldChg>
-      <pc:sldChg chg="add">
-        <pc:chgData name="Hahn, Phil" userId="2d5c7d3c-1ebc-4c64-a257-24a55868d9d9" providerId="ADAL" clId="{FB79AC2A-0317-4D91-91C8-9DEC31FB803B}" dt="2025-05-23T18:18:00.306" v="2504" actId="2890"/>
+      <pc:sldChg chg="addSp delSp add mod addAnim delAnim">
+        <pc:chgData name="Hahn, Phil" userId="2d5c7d3c-1ebc-4c64-a257-24a55868d9d9" providerId="ADAL" clId="{FB79AC2A-0317-4D91-91C8-9DEC31FB803B}" dt="2025-05-23T20:31:05.535" v="3124" actId="478"/>
         <pc:sldMkLst>
           <pc:docMk/>
           <pc:sldMk cId="1012050161" sldId="554"/>
         </pc:sldMkLst>
+        <pc:spChg chg="add del">
+          <ac:chgData name="Hahn, Phil" userId="2d5c7d3c-1ebc-4c64-a257-24a55868d9d9" providerId="ADAL" clId="{FB79AC2A-0317-4D91-91C8-9DEC31FB803B}" dt="2025-05-23T20:31:05.535" v="3124" actId="478"/>
+          <ac:spMkLst>
+            <pc:docMk/>
+            <pc:sldMk cId="1012050161" sldId="554"/>
+            <ac:spMk id="6" creationId="{F548C3F3-30C2-D0C7-B4EA-B16126E38ED1}"/>
+          </ac:spMkLst>
+        </pc:spChg>
+        <pc:spChg chg="add del">
+          <ac:chgData name="Hahn, Phil" userId="2d5c7d3c-1ebc-4c64-a257-24a55868d9d9" providerId="ADAL" clId="{FB79AC2A-0317-4D91-91C8-9DEC31FB803B}" dt="2025-05-23T20:31:05.535" v="3124" actId="478"/>
+          <ac:spMkLst>
+            <pc:docMk/>
+            <pc:sldMk cId="1012050161" sldId="554"/>
+            <ac:spMk id="10" creationId="{A70F7EA2-DC04-6A77-8B67-3DF39527B9D8}"/>
+          </ac:spMkLst>
+        </pc:spChg>
+        <pc:spChg chg="add del">
+          <ac:chgData name="Hahn, Phil" userId="2d5c7d3c-1ebc-4c64-a257-24a55868d9d9" providerId="ADAL" clId="{FB79AC2A-0317-4D91-91C8-9DEC31FB803B}" dt="2025-05-23T20:31:05.535" v="3124" actId="478"/>
+          <ac:spMkLst>
+            <pc:docMk/>
+            <pc:sldMk cId="1012050161" sldId="554"/>
+            <ac:spMk id="13" creationId="{C72BDF03-C5B8-5F5C-8823-C1E20DAC7FBC}"/>
+          </ac:spMkLst>
+        </pc:spChg>
+        <pc:cxnChg chg="add del">
+          <ac:chgData name="Hahn, Phil" userId="2d5c7d3c-1ebc-4c64-a257-24a55868d9d9" providerId="ADAL" clId="{FB79AC2A-0317-4D91-91C8-9DEC31FB803B}" dt="2025-05-23T20:31:05.535" v="3124" actId="478"/>
+          <ac:cxnSpMkLst>
+            <pc:docMk/>
+            <pc:sldMk cId="1012050161" sldId="554"/>
+            <ac:cxnSpMk id="9" creationId="{A26CCD0F-F059-2C5D-3709-9EF520EB7841}"/>
+          </ac:cxnSpMkLst>
+        </pc:cxnChg>
+        <pc:cxnChg chg="add del">
+          <ac:chgData name="Hahn, Phil" userId="2d5c7d3c-1ebc-4c64-a257-24a55868d9d9" providerId="ADAL" clId="{FB79AC2A-0317-4D91-91C8-9DEC31FB803B}" dt="2025-05-23T20:31:05.535" v="3124" actId="478"/>
+          <ac:cxnSpMkLst>
+            <pc:docMk/>
+            <pc:sldMk cId="1012050161" sldId="554"/>
+            <ac:cxnSpMk id="12" creationId="{B2D50A59-8D16-8AB9-6C72-2747848ACF43}"/>
+          </ac:cxnSpMkLst>
+        </pc:cxnChg>
       </pc:sldChg>
-      <pc:sldChg chg="modSp new mod">
-        <pc:chgData name="Hahn, Phil" userId="2d5c7d3c-1ebc-4c64-a257-24a55868d9d9" providerId="ADAL" clId="{FB79AC2A-0317-4D91-91C8-9DEC31FB803B}" dt="2025-05-23T18:18:24.789" v="2560" actId="20577"/>
+      <pc:sldChg chg="modSp new add del mod">
+        <pc:chgData name="Hahn, Phil" userId="2d5c7d3c-1ebc-4c64-a257-24a55868d9d9" providerId="ADAL" clId="{FB79AC2A-0317-4D91-91C8-9DEC31FB803B}" dt="2025-05-23T20:31:09.985" v="3126" actId="47"/>
         <pc:sldMkLst>
           <pc:docMk/>
           <pc:sldMk cId="2706625595" sldId="555"/>
@@ -1615,8 +1679,8 @@
           </ac:spMkLst>
         </pc:spChg>
       </pc:sldChg>
-      <pc:sldChg chg="addSp delSp modSp new mod modClrScheme chgLayout">
-        <pc:chgData name="Hahn, Phil" userId="2d5c7d3c-1ebc-4c64-a257-24a55868d9d9" providerId="ADAL" clId="{FB79AC2A-0317-4D91-91C8-9DEC31FB803B}" dt="2025-05-23T18:20:52.525" v="2751" actId="20577"/>
+      <pc:sldChg chg="addSp delSp modSp new mod modClrScheme modAnim chgLayout">
+        <pc:chgData name="Hahn, Phil" userId="2d5c7d3c-1ebc-4c64-a257-24a55868d9d9" providerId="ADAL" clId="{FB79AC2A-0317-4D91-91C8-9DEC31FB803B}" dt="2025-05-23T20:54:41.243" v="3484" actId="14100"/>
         <pc:sldMkLst>
           <pc:docMk/>
           <pc:sldMk cId="4213243001" sldId="556"/>
@@ -1638,7 +1702,7 @@
           </ac:spMkLst>
         </pc:spChg>
         <pc:spChg chg="add mod ord">
-          <ac:chgData name="Hahn, Phil" userId="2d5c7d3c-1ebc-4c64-a257-24a55868d9d9" providerId="ADAL" clId="{FB79AC2A-0317-4D91-91C8-9DEC31FB803B}" dt="2025-05-23T18:20:47.961" v="2739" actId="20577"/>
+          <ac:chgData name="Hahn, Phil" userId="2d5c7d3c-1ebc-4c64-a257-24a55868d9d9" providerId="ADAL" clId="{FB79AC2A-0317-4D91-91C8-9DEC31FB803B}" dt="2025-05-23T20:52:54.186" v="3361" actId="1035"/>
           <ac:spMkLst>
             <pc:docMk/>
             <pc:sldMk cId="4213243001" sldId="556"/>
@@ -1646,7 +1710,7 @@
           </ac:spMkLst>
         </pc:spChg>
         <pc:spChg chg="add mod ord">
-          <ac:chgData name="Hahn, Phil" userId="2d5c7d3c-1ebc-4c64-a257-24a55868d9d9" providerId="ADAL" clId="{FB79AC2A-0317-4D91-91C8-9DEC31FB803B}" dt="2025-05-23T18:20:36.294" v="2692" actId="700"/>
+          <ac:chgData name="Hahn, Phil" userId="2d5c7d3c-1ebc-4c64-a257-24a55868d9d9" providerId="ADAL" clId="{FB79AC2A-0317-4D91-91C8-9DEC31FB803B}" dt="2025-05-23T20:53:33.300" v="3403" actId="313"/>
           <ac:spMkLst>
             <pc:docMk/>
             <pc:sldMk cId="4213243001" sldId="556"/>
@@ -1654,7 +1718,7 @@
           </ac:spMkLst>
         </pc:spChg>
         <pc:spChg chg="add mod ord">
-          <ac:chgData name="Hahn, Phil" userId="2d5c7d3c-1ebc-4c64-a257-24a55868d9d9" providerId="ADAL" clId="{FB79AC2A-0317-4D91-91C8-9DEC31FB803B}" dt="2025-05-23T18:20:52.525" v="2751" actId="20577"/>
+          <ac:chgData name="Hahn, Phil" userId="2d5c7d3c-1ebc-4c64-a257-24a55868d9d9" providerId="ADAL" clId="{FB79AC2A-0317-4D91-91C8-9DEC31FB803B}" dt="2025-05-23T20:52:54.186" v="3361" actId="1035"/>
           <ac:spMkLst>
             <pc:docMk/>
             <pc:sldMk cId="4213243001" sldId="556"/>
@@ -1662,16 +1726,32 @@
           </ac:spMkLst>
         </pc:spChg>
         <pc:spChg chg="add mod ord">
-          <ac:chgData name="Hahn, Phil" userId="2d5c7d3c-1ebc-4c64-a257-24a55868d9d9" providerId="ADAL" clId="{FB79AC2A-0317-4D91-91C8-9DEC31FB803B}" dt="2025-05-23T18:20:36.294" v="2692" actId="700"/>
+          <ac:chgData name="Hahn, Phil" userId="2d5c7d3c-1ebc-4c64-a257-24a55868d9d9" providerId="ADAL" clId="{FB79AC2A-0317-4D91-91C8-9DEC31FB803B}" dt="2025-05-23T20:54:16.001" v="3479" actId="20577"/>
           <ac:spMkLst>
             <pc:docMk/>
             <pc:sldMk cId="4213243001" sldId="556"/>
             <ac:spMk id="7" creationId="{F8DEF418-5B84-875E-BE38-F1F8AB9EF581}"/>
           </ac:spMkLst>
         </pc:spChg>
+        <pc:picChg chg="add mod">
+          <ac:chgData name="Hahn, Phil" userId="2d5c7d3c-1ebc-4c64-a257-24a55868d9d9" providerId="ADAL" clId="{FB79AC2A-0317-4D91-91C8-9DEC31FB803B}" dt="2025-05-23T20:54:41.243" v="3484" actId="14100"/>
+          <ac:picMkLst>
+            <pc:docMk/>
+            <pc:sldMk cId="4213243001" sldId="556"/>
+            <ac:picMk id="9" creationId="{DC67CC67-89DB-A520-AC45-92034E08239B}"/>
+          </ac:picMkLst>
+        </pc:picChg>
+        <pc:picChg chg="add mod">
+          <ac:chgData name="Hahn, Phil" userId="2d5c7d3c-1ebc-4c64-a257-24a55868d9d9" providerId="ADAL" clId="{FB79AC2A-0317-4D91-91C8-9DEC31FB803B}" dt="2025-05-23T20:52:41.266" v="3339" actId="1076"/>
+          <ac:picMkLst>
+            <pc:docMk/>
+            <pc:sldMk cId="4213243001" sldId="556"/>
+            <ac:picMk id="11" creationId="{76788A65-140A-498A-A698-17B49DAF7591}"/>
+          </ac:picMkLst>
+        </pc:picChg>
       </pc:sldChg>
-      <pc:sldChg chg="delSp modSp add mod">
-        <pc:chgData name="Hahn, Phil" userId="2d5c7d3c-1ebc-4c64-a257-24a55868d9d9" providerId="ADAL" clId="{FB79AC2A-0317-4D91-91C8-9DEC31FB803B}" dt="2025-05-23T18:22:04.548" v="2766" actId="478"/>
+      <pc:sldChg chg="addSp delSp modSp add mod">
+        <pc:chgData name="Hahn, Phil" userId="2d5c7d3c-1ebc-4c64-a257-24a55868d9d9" providerId="ADAL" clId="{FB79AC2A-0317-4D91-91C8-9DEC31FB803B}" dt="2025-05-23T20:59:57.092" v="3496" actId="1076"/>
         <pc:sldMkLst>
           <pc:docMk/>
           <pc:sldMk cId="2141947599" sldId="557"/>
@@ -1698,6 +1778,14 @@
             <pc:docMk/>
             <pc:sldMk cId="2141947599" sldId="557"/>
             <ac:picMk id="4" creationId="{3BF985B0-3566-45AE-E10E-3158A05F727B}"/>
+          </ac:picMkLst>
+        </pc:picChg>
+        <pc:picChg chg="add mod modCrop">
+          <ac:chgData name="Hahn, Phil" userId="2d5c7d3c-1ebc-4c64-a257-24a55868d9d9" providerId="ADAL" clId="{FB79AC2A-0317-4D91-91C8-9DEC31FB803B}" dt="2025-05-23T20:59:57.092" v="3496" actId="1076"/>
+          <ac:picMkLst>
+            <pc:docMk/>
+            <pc:sldMk cId="2141947599" sldId="557"/>
+            <ac:picMk id="6" creationId="{6BC5908F-FCD6-3958-D86E-5B1CCAA412A9}"/>
           </ac:picMkLst>
         </pc:picChg>
         <pc:inkChg chg="del">
@@ -1739,20 +1827,36 @@
           </ac:spMkLst>
         </pc:spChg>
       </pc:sldChg>
-      <pc:sldChg chg="modSp new mod">
-        <pc:chgData name="Hahn, Phil" userId="2d5c7d3c-1ebc-4c64-a257-24a55868d9d9" providerId="ADAL" clId="{FB79AC2A-0317-4D91-91C8-9DEC31FB803B}" dt="2025-05-23T18:26:35.369" v="2855" actId="20577"/>
+      <pc:sldChg chg="addSp delSp modSp new mod">
+        <pc:chgData name="Hahn, Phil" userId="2d5c7d3c-1ebc-4c64-a257-24a55868d9d9" providerId="ADAL" clId="{FB79AC2A-0317-4D91-91C8-9DEC31FB803B}" dt="2025-05-23T20:26:23.098" v="3016" actId="5793"/>
         <pc:sldMkLst>
           <pc:docMk/>
           <pc:sldMk cId="354349290" sldId="559"/>
         </pc:sldMkLst>
         <pc:spChg chg="mod">
-          <ac:chgData name="Hahn, Phil" userId="2d5c7d3c-1ebc-4c64-a257-24a55868d9d9" providerId="ADAL" clId="{FB79AC2A-0317-4D91-91C8-9DEC31FB803B}" dt="2025-05-23T18:26:35.369" v="2855" actId="20577"/>
+          <ac:chgData name="Hahn, Phil" userId="2d5c7d3c-1ebc-4c64-a257-24a55868d9d9" providerId="ADAL" clId="{FB79AC2A-0317-4D91-91C8-9DEC31FB803B}" dt="2025-05-23T20:21:16.628" v="2930" actId="14100"/>
           <ac:spMkLst>
             <pc:docMk/>
             <pc:sldMk cId="354349290" sldId="559"/>
             <ac:spMk id="2" creationId="{BD8261F3-5FD0-192A-C27F-64E2C83881C0}"/>
           </ac:spMkLst>
         </pc:spChg>
+        <pc:spChg chg="mod">
+          <ac:chgData name="Hahn, Phil" userId="2d5c7d3c-1ebc-4c64-a257-24a55868d9d9" providerId="ADAL" clId="{FB79AC2A-0317-4D91-91C8-9DEC31FB803B}" dt="2025-05-23T20:26:23.098" v="3016" actId="5793"/>
+          <ac:spMkLst>
+            <pc:docMk/>
+            <pc:sldMk cId="354349290" sldId="559"/>
+            <ac:spMk id="3" creationId="{64475BF7-9542-BF22-855C-6B0642F53778}"/>
+          </ac:spMkLst>
+        </pc:spChg>
+        <pc:picChg chg="add del mod">
+          <ac:chgData name="Hahn, Phil" userId="2d5c7d3c-1ebc-4c64-a257-24a55868d9d9" providerId="ADAL" clId="{FB79AC2A-0317-4D91-91C8-9DEC31FB803B}" dt="2025-05-23T20:25:30.338" v="3010" actId="478"/>
+          <ac:picMkLst>
+            <pc:docMk/>
+            <pc:sldMk cId="354349290" sldId="559"/>
+            <ac:picMk id="4" creationId="{C9B82881-C3B2-7AB2-56DA-2FA117B7E4C4}"/>
+          </ac:picMkLst>
+        </pc:picChg>
       </pc:sldChg>
       <pc:sldChg chg="modSp new mod">
         <pc:chgData name="Hahn, Phil" userId="2d5c7d3c-1ebc-4c64-a257-24a55868d9d9" providerId="ADAL" clId="{FB79AC2A-0317-4D91-91C8-9DEC31FB803B}" dt="2025-05-23T18:28:06.292" v="2885" actId="20577"/>
@@ -1768,6 +1872,53 @@
             <ac:spMk id="2" creationId="{71FE8DF8-8FF8-7182-254D-C6AC3CA6696D}"/>
           </ac:spMkLst>
         </pc:spChg>
+      </pc:sldChg>
+      <pc:sldChg chg="addSp modSp add mod modAnim">
+        <pc:chgData name="Hahn, Phil" userId="2d5c7d3c-1ebc-4c64-a257-24a55868d9d9" providerId="ADAL" clId="{FB79AC2A-0317-4D91-91C8-9DEC31FB803B}" dt="2025-05-23T20:39:43.063" v="3164"/>
+        <pc:sldMkLst>
+          <pc:docMk/>
+          <pc:sldMk cId="876978325" sldId="561"/>
+        </pc:sldMkLst>
+        <pc:spChg chg="add mod">
+          <ac:chgData name="Hahn, Phil" userId="2d5c7d3c-1ebc-4c64-a257-24a55868d9d9" providerId="ADAL" clId="{FB79AC2A-0317-4D91-91C8-9DEC31FB803B}" dt="2025-05-23T20:36:47.668" v="3149" actId="208"/>
+          <ac:spMkLst>
+            <pc:docMk/>
+            <pc:sldMk cId="876978325" sldId="561"/>
+            <ac:spMk id="3" creationId="{ADFBD869-311C-A2B0-E36D-10ADA71F0C66}"/>
+          </ac:spMkLst>
+        </pc:spChg>
+        <pc:spChg chg="add mod">
+          <ac:chgData name="Hahn, Phil" userId="2d5c7d3c-1ebc-4c64-a257-24a55868d9d9" providerId="ADAL" clId="{FB79AC2A-0317-4D91-91C8-9DEC31FB803B}" dt="2025-05-23T20:36:37.678" v="3148" actId="208"/>
+          <ac:spMkLst>
+            <pc:docMk/>
+            <pc:sldMk cId="876978325" sldId="561"/>
+            <ac:spMk id="7" creationId="{D1C63E8C-D7CB-70EC-1FF1-4740E39B2655}"/>
+          </ac:spMkLst>
+        </pc:spChg>
+        <pc:spChg chg="add mod">
+          <ac:chgData name="Hahn, Phil" userId="2d5c7d3c-1ebc-4c64-a257-24a55868d9d9" providerId="ADAL" clId="{FB79AC2A-0317-4D91-91C8-9DEC31FB803B}" dt="2025-05-23T20:39:22.142" v="3163" actId="1076"/>
+          <ac:spMkLst>
+            <pc:docMk/>
+            <pc:sldMk cId="876978325" sldId="561"/>
+            <ac:spMk id="8" creationId="{8DAD461B-F5BA-6FF3-92CD-6EF6A9052A7D}"/>
+          </ac:spMkLst>
+        </pc:spChg>
+        <pc:spChg chg="mod">
+          <ac:chgData name="Hahn, Phil" userId="2d5c7d3c-1ebc-4c64-a257-24a55868d9d9" providerId="ADAL" clId="{FB79AC2A-0317-4D91-91C8-9DEC31FB803B}" dt="2025-05-23T20:35:25.206" v="3140" actId="113"/>
+          <ac:spMkLst>
+            <pc:docMk/>
+            <pc:sldMk cId="876978325" sldId="561"/>
+            <ac:spMk id="16" creationId="{65543933-3FBA-7D46-A792-13C4A882007F}"/>
+          </ac:spMkLst>
+        </pc:spChg>
+        <pc:picChg chg="add mod">
+          <ac:chgData name="Hahn, Phil" userId="2d5c7d3c-1ebc-4c64-a257-24a55868d9d9" providerId="ADAL" clId="{FB79AC2A-0317-4D91-91C8-9DEC31FB803B}" dt="2025-05-23T20:35:22.368" v="3139" actId="1076"/>
+          <ac:picMkLst>
+            <pc:docMk/>
+            <pc:sldMk cId="876978325" sldId="561"/>
+            <ac:picMk id="5" creationId="{B4407D0E-58D2-3166-CF41-C8CC053E91A9}"/>
+          </ac:picMkLst>
+        </pc:picChg>
       </pc:sldChg>
     </pc:docChg>
   </pc:docChgLst>
@@ -9588,10 +9739,47 @@
           <a:bodyPr/>
           <a:lstStyle/>
           <a:p>
-            <a:r>
-              <a:rPr lang="en-US" dirty="0"/>
-              <a:t>ADD SLIDE SHOWING AIC VALUES</a:t>
-            </a:r>
+            <a:pPr marL="0" indent="0">
+              <a:buNone/>
+            </a:pPr>
+            <a:r>
+              <a:rPr lang="da-DK" dirty="0"/>
+              <a:t> model 		  df      AIC</a:t>
+            </a:r>
+          </a:p>
+          <a:p>
+            <a:pPr marL="0" indent="0">
+              <a:buNone/>
+            </a:pPr>
+            <a:r>
+              <a:rPr lang="da-DK" dirty="0"/>
+              <a:t>mod_nbinom      	  5       3052.969</a:t>
+            </a:r>
+          </a:p>
+          <a:p>
+            <a:pPr marL="0" indent="0">
+              <a:buNone/>
+            </a:pPr>
+            <a:r>
+              <a:rPr lang="da-DK" dirty="0"/>
+              <a:t>mod_nbinom_blk   6       3007.412</a:t>
+            </a:r>
+          </a:p>
+          <a:p>
+            <a:pPr marL="0" indent="0">
+              <a:buNone/>
+            </a:pPr>
+            <a:endParaRPr lang="da-DK" dirty="0"/>
+          </a:p>
+          <a:p>
+            <a:pPr marL="0" indent="0">
+              <a:buNone/>
+            </a:pPr>
+            <a:r>
+              <a:rPr lang="da-DK" dirty="0"/>
+              <a:t>df is the number of parameters estimated by the model</a:t>
+            </a:r>
+            <a:endParaRPr lang="en-US" dirty="0"/>
           </a:p>
         </p:txBody>
       </p:sp>
@@ -10006,7 +10194,7 @@
         <p:spPr>
           <a:xfrm>
             <a:off x="8132345" y="3674078"/>
-            <a:ext cx="3910879" cy="369332"/>
+            <a:ext cx="3946978" cy="369332"/>
           </a:xfrm>
           <a:prstGeom prst="rect">
             <a:avLst/>
@@ -10351,7 +10539,13 @@
   <p:cSld>
     <p:spTree>
       <p:nvGrpSpPr>
-        <p:cNvPr id="1" name=""/>
+        <p:cNvPr id="1" name="">
+          <a:extLst>
+            <a:ext uri="{FF2B5EF4-FFF2-40B4-BE49-F238E27FC236}">
+              <a16:creationId xmlns:a16="http://schemas.microsoft.com/office/drawing/2014/main" id="{8C96CF38-F794-EB06-7265-E391A19588E1}"/>
+            </a:ext>
+          </a:extLst>
+        </p:cNvPr>
         <p:cNvGrpSpPr/>
         <p:nvPr/>
       </p:nvGrpSpPr>
@@ -10368,7 +10562,7 @@
           <p:cNvPr id="2" name="Title 1">
             <a:extLst>
               <a:ext uri="{FF2B5EF4-FFF2-40B4-BE49-F238E27FC236}">
-                <a16:creationId xmlns:a16="http://schemas.microsoft.com/office/drawing/2014/main" id="{D79CC1BD-C39E-DB2F-90BF-900B33D49C59}"/>
+                <a16:creationId xmlns:a16="http://schemas.microsoft.com/office/drawing/2014/main" id="{2385CBB4-8251-3112-9328-2EA891FF6E4C}"/>
               </a:ext>
             </a:extLst>
           </p:cNvPr>
@@ -10386,49 +10580,757 @@
           <a:p>
             <a:r>
               <a:rPr lang="en-US" dirty="0"/>
-              <a:t>Variance components</a:t>
+              <a:t>3. Check random effects and model basics</a:t>
+            </a:r>
+          </a:p>
+        </p:txBody>
+      </p:sp>
+      <p:pic>
+        <p:nvPicPr>
+          <p:cNvPr id="4" name="Picture 3" descr="A screenshot of a computer&#10;&#10;AI-generated content may be incorrect.">
+            <a:extLst>
+              <a:ext uri="{FF2B5EF4-FFF2-40B4-BE49-F238E27FC236}">
+                <a16:creationId xmlns:a16="http://schemas.microsoft.com/office/drawing/2014/main" id="{7A1693B1-9D53-F96F-3CB1-E6EC1A110783}"/>
+              </a:ext>
+            </a:extLst>
+          </p:cNvPr>
+          <p:cNvPicPr>
+            <a:picLocks noChangeAspect="1"/>
+          </p:cNvPicPr>
+          <p:nvPr/>
+        </p:nvPicPr>
+        <p:blipFill>
+          <a:blip r:embed="rId2">
+            <a:extLst>
+              <a:ext uri="{28A0092B-C50C-407E-A947-70E740481C1C}">
+                <a14:useLocalDpi xmlns:a14="http://schemas.microsoft.com/office/drawing/2010/main" val="0"/>
+              </a:ext>
+            </a:extLst>
+          </a:blip>
+          <a:srcRect t="58027" r="74698"/>
+          <a:stretch/>
+        </p:blipFill>
+        <p:spPr>
+          <a:xfrm>
+            <a:off x="1493856" y="1587672"/>
+            <a:ext cx="5757705" cy="5173208"/>
+          </a:xfrm>
+          <a:prstGeom prst="rect">
+            <a:avLst/>
+          </a:prstGeom>
+        </p:spPr>
+      </p:pic>
+      <p:sp>
+        <p:nvSpPr>
+          <p:cNvPr id="6" name="Rectangle: Rounded Corners 5">
+            <a:extLst>
+              <a:ext uri="{FF2B5EF4-FFF2-40B4-BE49-F238E27FC236}">
+                <a16:creationId xmlns:a16="http://schemas.microsoft.com/office/drawing/2014/main" id="{BCE6DDDB-F76F-BAAA-F4E8-740C127FE2FD}"/>
+              </a:ext>
+            </a:extLst>
+          </p:cNvPr>
+          <p:cNvSpPr/>
+          <p:nvPr/>
+        </p:nvSpPr>
+        <p:spPr>
+          <a:xfrm>
+            <a:off x="1567543" y="1798655"/>
+            <a:ext cx="4793064" cy="612949"/>
+          </a:xfrm>
+          <a:prstGeom prst="roundRect">
+            <a:avLst/>
+          </a:prstGeom>
+          <a:noFill/>
+          <a:ln>
+            <a:solidFill>
+              <a:srgbClr val="C00000"/>
+            </a:solidFill>
+          </a:ln>
+        </p:spPr>
+        <p:style>
+          <a:lnRef idx="2">
+            <a:schemeClr val="accent1">
+              <a:shade val="15000"/>
+            </a:schemeClr>
+          </a:lnRef>
+          <a:fillRef idx="1">
+            <a:schemeClr val="accent1"/>
+          </a:fillRef>
+          <a:effectRef idx="0">
+            <a:schemeClr val="accent1"/>
+          </a:effectRef>
+          <a:fontRef idx="minor">
+            <a:schemeClr val="lt1"/>
+          </a:fontRef>
+        </p:style>
+        <p:txBody>
+          <a:bodyPr rtlCol="0" anchor="ctr"/>
+          <a:lstStyle/>
+          <a:p>
+            <a:pPr algn="ctr"/>
+            <a:endParaRPr lang="en-US"/>
+          </a:p>
+        </p:txBody>
+      </p:sp>
+      <p:cxnSp>
+        <p:nvCxnSpPr>
+          <p:cNvPr id="9" name="Straight Connector 8">
+            <a:extLst>
+              <a:ext uri="{FF2B5EF4-FFF2-40B4-BE49-F238E27FC236}">
+                <a16:creationId xmlns:a16="http://schemas.microsoft.com/office/drawing/2014/main" id="{A8A2D962-9E13-2D22-5A27-89DA6F277518}"/>
+              </a:ext>
+            </a:extLst>
+          </p:cNvPr>
+          <p:cNvCxnSpPr>
+            <a:cxnSpLocks/>
+          </p:cNvCxnSpPr>
+          <p:nvPr/>
+        </p:nvCxnSpPr>
+        <p:spPr>
+          <a:xfrm>
+            <a:off x="6360607" y="2094271"/>
+            <a:ext cx="1829664" cy="0"/>
+          </a:xfrm>
+          <a:prstGeom prst="line">
+            <a:avLst/>
+          </a:prstGeom>
+          <a:ln>
+            <a:solidFill>
+              <a:srgbClr val="C00000"/>
+            </a:solidFill>
+          </a:ln>
+        </p:spPr>
+        <p:style>
+          <a:lnRef idx="2">
+            <a:schemeClr val="accent1"/>
+          </a:lnRef>
+          <a:fillRef idx="0">
+            <a:schemeClr val="accent1"/>
+          </a:fillRef>
+          <a:effectRef idx="1">
+            <a:schemeClr val="accent1"/>
+          </a:effectRef>
+          <a:fontRef idx="minor">
+            <a:schemeClr val="tx1"/>
+          </a:fontRef>
+        </p:style>
+      </p:cxnSp>
+      <p:sp>
+        <p:nvSpPr>
+          <p:cNvPr id="10" name="TextBox 9">
+            <a:extLst>
+              <a:ext uri="{FF2B5EF4-FFF2-40B4-BE49-F238E27FC236}">
+                <a16:creationId xmlns:a16="http://schemas.microsoft.com/office/drawing/2014/main" id="{20ADF919-3B01-A4DA-19F8-234193A6DEFA}"/>
+              </a:ext>
+            </a:extLst>
+          </p:cNvPr>
+          <p:cNvSpPr txBox="1"/>
+          <p:nvPr/>
+        </p:nvSpPr>
+        <p:spPr>
+          <a:xfrm>
+            <a:off x="8190271" y="1909605"/>
+            <a:ext cx="1505540" cy="369332"/>
+          </a:xfrm>
+          <a:prstGeom prst="rect">
+            <a:avLst/>
+          </a:prstGeom>
+          <a:noFill/>
+        </p:spPr>
+        <p:txBody>
+          <a:bodyPr wrap="none" rtlCol="0">
+            <a:spAutoFit/>
+          </a:bodyPr>
+          <a:lstStyle/>
+          <a:p>
+            <a:r>
+              <a:rPr lang="en-US" dirty="0"/>
+              <a:t>Model basics</a:t>
+            </a:r>
+          </a:p>
+        </p:txBody>
+      </p:sp>
+      <p:cxnSp>
+        <p:nvCxnSpPr>
+          <p:cNvPr id="12" name="Straight Connector 11">
+            <a:extLst>
+              <a:ext uri="{FF2B5EF4-FFF2-40B4-BE49-F238E27FC236}">
+                <a16:creationId xmlns:a16="http://schemas.microsoft.com/office/drawing/2014/main" id="{C0C704F7-BB08-EFB2-2388-AD43FF85F38D}"/>
+              </a:ext>
+            </a:extLst>
+          </p:cNvPr>
+          <p:cNvCxnSpPr>
+            <a:cxnSpLocks/>
+          </p:cNvCxnSpPr>
+          <p:nvPr/>
+        </p:nvCxnSpPr>
+        <p:spPr>
+          <a:xfrm>
+            <a:off x="6336729" y="2749199"/>
+            <a:ext cx="1829664" cy="0"/>
+          </a:xfrm>
+          <a:prstGeom prst="line">
+            <a:avLst/>
+          </a:prstGeom>
+          <a:ln>
+            <a:solidFill>
+              <a:srgbClr val="C00000"/>
+            </a:solidFill>
+          </a:ln>
+        </p:spPr>
+        <p:style>
+          <a:lnRef idx="2">
+            <a:schemeClr val="accent1"/>
+          </a:lnRef>
+          <a:fillRef idx="0">
+            <a:schemeClr val="accent1"/>
+          </a:fillRef>
+          <a:effectRef idx="1">
+            <a:schemeClr val="accent1"/>
+          </a:effectRef>
+          <a:fontRef idx="minor">
+            <a:schemeClr val="tx1"/>
+          </a:fontRef>
+        </p:style>
+      </p:cxnSp>
+      <p:sp>
+        <p:nvSpPr>
+          <p:cNvPr id="13" name="TextBox 12">
+            <a:extLst>
+              <a:ext uri="{FF2B5EF4-FFF2-40B4-BE49-F238E27FC236}">
+                <a16:creationId xmlns:a16="http://schemas.microsoft.com/office/drawing/2014/main" id="{8277073C-7389-3941-1079-3736CF5F1EF0}"/>
+              </a:ext>
+            </a:extLst>
+          </p:cNvPr>
+          <p:cNvSpPr txBox="1"/>
+          <p:nvPr/>
+        </p:nvSpPr>
+        <p:spPr>
+          <a:xfrm>
+            <a:off x="8166393" y="2564533"/>
+            <a:ext cx="3006400" cy="369332"/>
+          </a:xfrm>
+          <a:prstGeom prst="rect">
+            <a:avLst/>
+          </a:prstGeom>
+          <a:noFill/>
+        </p:spPr>
+        <p:txBody>
+          <a:bodyPr wrap="none" rtlCol="0">
+            <a:spAutoFit/>
+          </a:bodyPr>
+          <a:lstStyle/>
+          <a:p>
+            <a:r>
+              <a:rPr lang="en-US" dirty="0"/>
+              <a:t>AIC, etc. (not all that helpful)</a:t>
             </a:r>
           </a:p>
         </p:txBody>
       </p:sp>
       <p:sp>
         <p:nvSpPr>
-          <p:cNvPr id="3" name="Content Placeholder 2">
-            <a:extLst>
-              <a:ext uri="{FF2B5EF4-FFF2-40B4-BE49-F238E27FC236}">
-                <a16:creationId xmlns:a16="http://schemas.microsoft.com/office/drawing/2014/main" id="{C2551D2D-2037-618D-4AE6-FF11B5ED33BC}"/>
-              </a:ext>
-            </a:extLst>
-          </p:cNvPr>
-          <p:cNvSpPr>
-            <a:spLocks noGrp="1"/>
-          </p:cNvSpPr>
-          <p:nvPr>
-            <p:ph idx="1"/>
-          </p:nvPr>
+          <p:cNvPr id="14" name="Rectangle: Rounded Corners 13">
+            <a:extLst>
+              <a:ext uri="{FF2B5EF4-FFF2-40B4-BE49-F238E27FC236}">
+                <a16:creationId xmlns:a16="http://schemas.microsoft.com/office/drawing/2014/main" id="{FCF40669-9ED9-C323-A212-F593F46C8924}"/>
+              </a:ext>
+            </a:extLst>
+          </p:cNvPr>
+          <p:cNvSpPr/>
+          <p:nvPr/>
         </p:nvSpPr>
-        <p:spPr/>
+        <p:spPr>
+          <a:xfrm>
+            <a:off x="1567543" y="3416659"/>
+            <a:ext cx="4793064" cy="929197"/>
+          </a:xfrm>
+          <a:prstGeom prst="roundRect">
+            <a:avLst/>
+          </a:prstGeom>
+          <a:noFill/>
+          <a:ln>
+            <a:solidFill>
+              <a:srgbClr val="C00000"/>
+            </a:solidFill>
+          </a:ln>
+        </p:spPr>
+        <p:style>
+          <a:lnRef idx="2">
+            <a:schemeClr val="accent1">
+              <a:shade val="15000"/>
+            </a:schemeClr>
+          </a:lnRef>
+          <a:fillRef idx="1">
+            <a:schemeClr val="accent1"/>
+          </a:fillRef>
+          <a:effectRef idx="0">
+            <a:schemeClr val="accent1"/>
+          </a:effectRef>
+          <a:fontRef idx="minor">
+            <a:schemeClr val="lt1"/>
+          </a:fontRef>
+        </p:style>
         <p:txBody>
-          <a:bodyPr/>
+          <a:bodyPr rtlCol="0" anchor="ctr"/>
           <a:lstStyle/>
           <a:p>
-            <a:r>
-              <a:rPr lang="en-US" dirty="0"/>
-              <a:t>Add variance components from model</a:t>
-            </a:r>
+            <a:pPr algn="ctr"/>
+            <a:endParaRPr lang="en-US" dirty="0"/>
+          </a:p>
+        </p:txBody>
+      </p:sp>
+      <p:cxnSp>
+        <p:nvCxnSpPr>
+          <p:cNvPr id="15" name="Straight Connector 14">
+            <a:extLst>
+              <a:ext uri="{FF2B5EF4-FFF2-40B4-BE49-F238E27FC236}">
+                <a16:creationId xmlns:a16="http://schemas.microsoft.com/office/drawing/2014/main" id="{E71024AC-B805-2D91-CBF4-D15E1907F6C0}"/>
+              </a:ext>
+            </a:extLst>
+          </p:cNvPr>
+          <p:cNvCxnSpPr>
+            <a:cxnSpLocks/>
+          </p:cNvCxnSpPr>
+          <p:nvPr/>
+        </p:nvCxnSpPr>
+        <p:spPr>
+          <a:xfrm>
+            <a:off x="6360607" y="3872958"/>
+            <a:ext cx="1829664" cy="0"/>
+          </a:xfrm>
+          <a:prstGeom prst="line">
+            <a:avLst/>
+          </a:prstGeom>
+          <a:ln>
+            <a:solidFill>
+              <a:srgbClr val="C00000"/>
+            </a:solidFill>
+          </a:ln>
+        </p:spPr>
+        <p:style>
+          <a:lnRef idx="2">
+            <a:schemeClr val="accent1"/>
+          </a:lnRef>
+          <a:fillRef idx="0">
+            <a:schemeClr val="accent1"/>
+          </a:fillRef>
+          <a:effectRef idx="1">
+            <a:schemeClr val="accent1"/>
+          </a:effectRef>
+          <a:fontRef idx="minor">
+            <a:schemeClr val="tx1"/>
+          </a:fontRef>
+        </p:style>
+      </p:cxnSp>
+      <p:sp>
+        <p:nvSpPr>
+          <p:cNvPr id="16" name="TextBox 15">
+            <a:extLst>
+              <a:ext uri="{FF2B5EF4-FFF2-40B4-BE49-F238E27FC236}">
+                <a16:creationId xmlns:a16="http://schemas.microsoft.com/office/drawing/2014/main" id="{65543933-3FBA-7D46-A792-13C4A882007F}"/>
+              </a:ext>
+            </a:extLst>
+          </p:cNvPr>
+          <p:cNvSpPr txBox="1"/>
+          <p:nvPr/>
+        </p:nvSpPr>
+        <p:spPr>
+          <a:xfrm>
+            <a:off x="8132345" y="3674078"/>
+            <a:ext cx="4157933" cy="369332"/>
+          </a:xfrm>
+          <a:prstGeom prst="rect">
+            <a:avLst/>
+          </a:prstGeom>
+          <a:noFill/>
+        </p:spPr>
+        <p:txBody>
+          <a:bodyPr wrap="none" rtlCol="0">
+            <a:spAutoFit/>
+          </a:bodyPr>
+          <a:lstStyle/>
+          <a:p>
+            <a:r>
+              <a:rPr lang="en-US" b="1" dirty="0"/>
+              <a:t>Random effect “variance component”</a:t>
+            </a:r>
+          </a:p>
+        </p:txBody>
+      </p:sp>
+      <p:pic>
+        <p:nvPicPr>
+          <p:cNvPr id="5" name="Picture 4" descr="A screenshot of a computer&#10;&#10;AI-generated content may be incorrect.">
+            <a:extLst>
+              <a:ext uri="{FF2B5EF4-FFF2-40B4-BE49-F238E27FC236}">
+                <a16:creationId xmlns:a16="http://schemas.microsoft.com/office/drawing/2014/main" id="{B4407D0E-58D2-3166-CF41-C8CC053E91A9}"/>
+              </a:ext>
+            </a:extLst>
+          </p:cNvPr>
+          <p:cNvPicPr>
+            <a:picLocks noChangeAspect="1"/>
+          </p:cNvPicPr>
+          <p:nvPr/>
+        </p:nvPicPr>
+        <p:blipFill>
+          <a:blip r:embed="rId3">
+            <a:extLst>
+              <a:ext uri="{28A0092B-C50C-407E-A947-70E740481C1C}">
+                <a14:useLocalDpi xmlns:a14="http://schemas.microsoft.com/office/drawing/2010/main" val="0"/>
+              </a:ext>
+            </a:extLst>
+          </a:blip>
+          <a:srcRect t="70734" r="78468" b="2465"/>
+          <a:stretch/>
+        </p:blipFill>
+        <p:spPr>
+          <a:xfrm>
+            <a:off x="8286530" y="4262327"/>
+            <a:ext cx="3394704" cy="2288564"/>
+          </a:xfrm>
+          <a:prstGeom prst="rect">
+            <a:avLst/>
+          </a:prstGeom>
+        </p:spPr>
+      </p:pic>
+      <p:sp>
+        <p:nvSpPr>
+          <p:cNvPr id="3" name="Rectangle: Rounded Corners 2">
+            <a:extLst>
+              <a:ext uri="{FF2B5EF4-FFF2-40B4-BE49-F238E27FC236}">
+                <a16:creationId xmlns:a16="http://schemas.microsoft.com/office/drawing/2014/main" id="{ADFBD869-311C-A2B0-E36D-10ADA71F0C66}"/>
+              </a:ext>
+            </a:extLst>
+          </p:cNvPr>
+          <p:cNvSpPr/>
+          <p:nvPr/>
+        </p:nvSpPr>
+        <p:spPr>
+          <a:xfrm>
+            <a:off x="10363200" y="4444181"/>
+            <a:ext cx="599768" cy="2106710"/>
+          </a:xfrm>
+          <a:prstGeom prst="roundRect">
+            <a:avLst/>
+          </a:prstGeom>
+          <a:noFill/>
+          <a:ln>
+            <a:solidFill>
+              <a:srgbClr val="00B050"/>
+            </a:solidFill>
+          </a:ln>
+        </p:spPr>
+        <p:style>
+          <a:lnRef idx="2">
+            <a:schemeClr val="accent1">
+              <a:shade val="15000"/>
+            </a:schemeClr>
+          </a:lnRef>
+          <a:fillRef idx="1">
+            <a:schemeClr val="accent1"/>
+          </a:fillRef>
+          <a:effectRef idx="0">
+            <a:schemeClr val="accent1"/>
+          </a:effectRef>
+          <a:fontRef idx="minor">
+            <a:schemeClr val="lt1"/>
+          </a:fontRef>
+        </p:style>
+        <p:txBody>
+          <a:bodyPr rtlCol="0" anchor="ctr"/>
+          <a:lstStyle/>
+          <a:p>
+            <a:pPr algn="ctr"/>
+            <a:endParaRPr lang="en-US"/>
+          </a:p>
+        </p:txBody>
+      </p:sp>
+      <p:sp>
+        <p:nvSpPr>
+          <p:cNvPr id="7" name="Freeform: Shape 6">
+            <a:extLst>
+              <a:ext uri="{FF2B5EF4-FFF2-40B4-BE49-F238E27FC236}">
+                <a16:creationId xmlns:a16="http://schemas.microsoft.com/office/drawing/2014/main" id="{D1C63E8C-D7CB-70EC-1FF1-4740E39B2655}"/>
+              </a:ext>
+            </a:extLst>
+          </p:cNvPr>
+          <p:cNvSpPr/>
+          <p:nvPr/>
+        </p:nvSpPr>
+        <p:spPr>
+          <a:xfrm>
+            <a:off x="6369640" y="3872958"/>
+            <a:ext cx="3973895" cy="1670817"/>
+          </a:xfrm>
+          <a:custGeom>
+            <a:avLst/>
+            <a:gdLst>
+              <a:gd name="connsiteX0" fmla="*/ 3973895 w 3973895"/>
+              <a:gd name="connsiteY0" fmla="*/ 1433890 h 1442104"/>
+              <a:gd name="connsiteX1" fmla="*/ 1604321 w 3973895"/>
+              <a:gd name="connsiteY1" fmla="*/ 1256910 h 1442104"/>
+              <a:gd name="connsiteX2" fmla="*/ 257302 w 3973895"/>
+              <a:gd name="connsiteY2" fmla="*/ 185194 h 1442104"/>
+              <a:gd name="connsiteX3" fmla="*/ 1663 w 3973895"/>
+              <a:gd name="connsiteY3" fmla="*/ 8213 h 1442104"/>
+            </a:gdLst>
+            <a:ahLst/>
+            <a:cxnLst>
+              <a:cxn ang="0">
+                <a:pos x="connsiteX0" y="connsiteY0"/>
+              </a:cxn>
+              <a:cxn ang="0">
+                <a:pos x="connsiteX1" y="connsiteY1"/>
+              </a:cxn>
+              <a:cxn ang="0">
+                <a:pos x="connsiteX2" y="connsiteY2"/>
+              </a:cxn>
+              <a:cxn ang="0">
+                <a:pos x="connsiteX3" y="connsiteY3"/>
+              </a:cxn>
+            </a:cxnLst>
+            <a:rect l="l" t="t" r="r" b="b"/>
+            <a:pathLst>
+              <a:path w="3973895" h="1442104">
+                <a:moveTo>
+                  <a:pt x="3973895" y="1433890"/>
+                </a:moveTo>
+                <a:cubicBezTo>
+                  <a:pt x="3098824" y="1449458"/>
+                  <a:pt x="2223753" y="1465026"/>
+                  <a:pt x="1604321" y="1256910"/>
+                </a:cubicBezTo>
+                <a:cubicBezTo>
+                  <a:pt x="984889" y="1048794"/>
+                  <a:pt x="524412" y="393310"/>
+                  <a:pt x="257302" y="185194"/>
+                </a:cubicBezTo>
+                <a:cubicBezTo>
+                  <a:pt x="-9808" y="-22922"/>
+                  <a:pt x="-4073" y="-7355"/>
+                  <a:pt x="1663" y="8213"/>
+                </a:cubicBezTo>
+              </a:path>
+            </a:pathLst>
+          </a:custGeom>
+          <a:noFill/>
+          <a:ln>
+            <a:solidFill>
+              <a:srgbClr val="00B050"/>
+            </a:solidFill>
+          </a:ln>
+        </p:spPr>
+        <p:style>
+          <a:lnRef idx="2">
+            <a:schemeClr val="accent1">
+              <a:shade val="15000"/>
+            </a:schemeClr>
+          </a:lnRef>
+          <a:fillRef idx="1">
+            <a:schemeClr val="accent1"/>
+          </a:fillRef>
+          <a:effectRef idx="0">
+            <a:schemeClr val="accent1"/>
+          </a:effectRef>
+          <a:fontRef idx="minor">
+            <a:schemeClr val="lt1"/>
+          </a:fontRef>
+        </p:style>
+        <p:txBody>
+          <a:bodyPr rtlCol="0" anchor="ctr"/>
+          <a:lstStyle/>
+          <a:p>
+            <a:pPr algn="ctr"/>
+            <a:endParaRPr lang="en-US"/>
+          </a:p>
+        </p:txBody>
+      </p:sp>
+      <p:sp>
+        <p:nvSpPr>
+          <p:cNvPr id="8" name="TextBox 7">
+            <a:extLst>
+              <a:ext uri="{FF2B5EF4-FFF2-40B4-BE49-F238E27FC236}">
+                <a16:creationId xmlns:a16="http://schemas.microsoft.com/office/drawing/2014/main" id="{8DAD461B-F5BA-6FF3-92CD-6EF6A9052A7D}"/>
+              </a:ext>
+            </a:extLst>
+          </p:cNvPr>
+          <p:cNvSpPr txBox="1"/>
+          <p:nvPr/>
+        </p:nvSpPr>
+        <p:spPr>
+          <a:xfrm>
+            <a:off x="7068734" y="4510731"/>
+            <a:ext cx="567784" cy="584775"/>
+          </a:xfrm>
+          <a:prstGeom prst="rect">
+            <a:avLst/>
+          </a:prstGeom>
+          <a:solidFill>
+            <a:schemeClr val="bg1"/>
+          </a:solidFill>
+        </p:spPr>
+        <p:txBody>
+          <a:bodyPr wrap="none" rtlCol="0">
+            <a:spAutoFit/>
+          </a:bodyPr>
+          <a:lstStyle/>
+          <a:p>
+            <a:r>
+              <a:rPr lang="el-GR" sz="3200" dirty="0"/>
+              <a:t>σ</a:t>
+            </a:r>
+            <a:r>
+              <a:rPr lang="en-US" sz="3200" baseline="30000" dirty="0"/>
+              <a:t>2</a:t>
+            </a:r>
+            <a:endParaRPr lang="en-US" sz="3200" dirty="0"/>
           </a:p>
         </p:txBody>
       </p:sp>
     </p:spTree>
     <p:extLst>
       <p:ext uri="{BB962C8B-B14F-4D97-AF65-F5344CB8AC3E}">
-        <p14:creationId xmlns:p14="http://schemas.microsoft.com/office/powerpoint/2010/main" val="2706625595"/>
+        <p14:creationId xmlns:p14="http://schemas.microsoft.com/office/powerpoint/2010/main" val="876978325"/>
       </p:ext>
     </p:extLst>
   </p:cSld>
   <p:clrMapOvr>
     <a:masterClrMapping/>
   </p:clrMapOvr>
+  <p:timing>
+    <p:tnLst>
+      <p:par>
+        <p:cTn id="1" dur="indefinite" restart="never" nodeType="tmRoot">
+          <p:childTnLst>
+            <p:seq concurrent="1" nextAc="seek">
+              <p:cTn id="2" dur="indefinite" nodeType="mainSeq">
+                <p:childTnLst>
+                  <p:par>
+                    <p:cTn id="3" fill="hold">
+                      <p:stCondLst>
+                        <p:cond delay="indefinite"/>
+                      </p:stCondLst>
+                      <p:childTnLst>
+                        <p:par>
+                          <p:cTn id="4" fill="hold">
+                            <p:stCondLst>
+                              <p:cond delay="0"/>
+                            </p:stCondLst>
+                            <p:childTnLst>
+                              <p:par>
+                                <p:cTn id="5" presetID="1" presetClass="entr" presetSubtype="0" fill="hold" grpId="0" nodeType="clickEffect">
+                                  <p:stCondLst>
+                                    <p:cond delay="0"/>
+                                  </p:stCondLst>
+                                  <p:childTnLst>
+                                    <p:set>
+                                      <p:cBhvr>
+                                        <p:cTn id="6" dur="1" fill="hold">
+                                          <p:stCondLst>
+                                            <p:cond delay="0"/>
+                                          </p:stCondLst>
+                                        </p:cTn>
+                                        <p:tgtEl>
+                                          <p:spTgt spid="3"/>
+                                        </p:tgtEl>
+                                        <p:attrNameLst>
+                                          <p:attrName>style.visibility</p:attrName>
+                                        </p:attrNameLst>
+                                      </p:cBhvr>
+                                      <p:to>
+                                        <p:strVal val="visible"/>
+                                      </p:to>
+                                    </p:set>
+                                  </p:childTnLst>
+                                </p:cTn>
+                              </p:par>
+                              <p:par>
+                                <p:cTn id="7" presetID="1" presetClass="entr" presetSubtype="0" fill="hold" grpId="0" nodeType="withEffect">
+                                  <p:stCondLst>
+                                    <p:cond delay="0"/>
+                                  </p:stCondLst>
+                                  <p:childTnLst>
+                                    <p:set>
+                                      <p:cBhvr>
+                                        <p:cTn id="8" dur="1" fill="hold">
+                                          <p:stCondLst>
+                                            <p:cond delay="0"/>
+                                          </p:stCondLst>
+                                        </p:cTn>
+                                        <p:tgtEl>
+                                          <p:spTgt spid="7"/>
+                                        </p:tgtEl>
+                                        <p:attrNameLst>
+                                          <p:attrName>style.visibility</p:attrName>
+                                        </p:attrNameLst>
+                                      </p:cBhvr>
+                                      <p:to>
+                                        <p:strVal val="visible"/>
+                                      </p:to>
+                                    </p:set>
+                                  </p:childTnLst>
+                                </p:cTn>
+                              </p:par>
+                              <p:par>
+                                <p:cTn id="9" presetID="1" presetClass="entr" presetSubtype="0" fill="hold" grpId="0" nodeType="withEffect">
+                                  <p:stCondLst>
+                                    <p:cond delay="0"/>
+                                  </p:stCondLst>
+                                  <p:childTnLst>
+                                    <p:set>
+                                      <p:cBhvr>
+                                        <p:cTn id="10" dur="1" fill="hold">
+                                          <p:stCondLst>
+                                            <p:cond delay="0"/>
+                                          </p:stCondLst>
+                                        </p:cTn>
+                                        <p:tgtEl>
+                                          <p:spTgt spid="8"/>
+                                        </p:tgtEl>
+                                        <p:attrNameLst>
+                                          <p:attrName>style.visibility</p:attrName>
+                                        </p:attrNameLst>
+                                      </p:cBhvr>
+                                      <p:to>
+                                        <p:strVal val="visible"/>
+                                      </p:to>
+                                    </p:set>
+                                  </p:childTnLst>
+                                </p:cTn>
+                              </p:par>
+                            </p:childTnLst>
+                          </p:cTn>
+                        </p:par>
+                      </p:childTnLst>
+                    </p:cTn>
+                  </p:par>
+                </p:childTnLst>
+              </p:cTn>
+              <p:prevCondLst>
+                <p:cond evt="onPrev" delay="0">
+                  <p:tgtEl>
+                    <p:sldTgt/>
+                  </p:tgtEl>
+                </p:cond>
+              </p:prevCondLst>
+              <p:nextCondLst>
+                <p:cond evt="onNext" delay="0">
+                  <p:tgtEl>
+                    <p:sldTgt/>
+                  </p:tgtEl>
+                </p:cond>
+              </p:nextCondLst>
+            </p:seq>
+          </p:childTnLst>
+        </p:cTn>
+      </p:par>
+    </p:tnLst>
+    <p:bldLst>
+      <p:bldP spid="3" grpId="0" animBg="1"/>
+      <p:bldP spid="7" grpId="0" animBg="1"/>
+      <p:bldP spid="8" grpId="0" animBg="1"/>
+    </p:bldLst>
+  </p:timing>
 </p:sld>
 </file>
 
@@ -11882,7 +12784,12 @@
             <p:ph type="body" idx="1"/>
           </p:nvPr>
         </p:nvSpPr>
-        <p:spPr/>
+        <p:spPr>
+          <a:xfrm>
+            <a:off x="839788" y="1061733"/>
+            <a:ext cx="5157787" cy="823912"/>
+          </a:xfrm>
+        </p:spPr>
         <p:txBody>
           <a:bodyPr/>
           <a:lstStyle/>
@@ -11910,12 +12817,49 @@
             <p:ph sz="half" idx="2"/>
           </p:nvPr>
         </p:nvSpPr>
-        <p:spPr/>
+        <p:spPr>
+          <a:xfrm>
+            <a:off x="839788" y="1885645"/>
+            <a:ext cx="5157787" cy="3684588"/>
+          </a:xfrm>
+        </p:spPr>
         <p:txBody>
           <a:bodyPr/>
           <a:lstStyle/>
           <a:p>
-            <a:endParaRPr lang="en-US"/>
+            <a:r>
+              <a:rPr lang="en-US" dirty="0"/>
+              <a:t>From least squares </a:t>
+            </a:r>
+          </a:p>
+          <a:p>
+            <a:r>
+              <a:rPr lang="en-US" dirty="0"/>
+              <a:t>F = MS</a:t>
+            </a:r>
+            <a:r>
+              <a:rPr lang="en-US" baseline="-25000" dirty="0"/>
+              <a:t>B</a:t>
+            </a:r>
+            <a:r>
+              <a:rPr lang="en-US" dirty="0"/>
+              <a:t> / MS</a:t>
+            </a:r>
+            <a:r>
+              <a:rPr lang="en-US" baseline="-25000" dirty="0"/>
+              <a:t>W</a:t>
+            </a:r>
+          </a:p>
+          <a:p>
+            <a:r>
+              <a:rPr lang="en-US" dirty="0"/>
+              <a:t>Calculate “p” from F-</a:t>
+            </a:r>
+            <a:r>
+              <a:rPr lang="en-US" dirty="0" err="1"/>
+              <a:t>dist</a:t>
+            </a:r>
+            <a:endParaRPr lang="en-US" dirty="0"/>
           </a:p>
         </p:txBody>
       </p:sp>
@@ -11935,7 +12879,12 @@
             <p:ph type="body" sz="quarter" idx="3"/>
           </p:nvPr>
         </p:nvSpPr>
-        <p:spPr/>
+        <p:spPr>
+          <a:xfrm>
+            <a:off x="6172200" y="1061733"/>
+            <a:ext cx="5183188" cy="823912"/>
+          </a:xfrm>
+        </p:spPr>
         <p:txBody>
           <a:bodyPr/>
           <a:lstStyle/>
@@ -11963,15 +12912,126 @@
             <p:ph sz="quarter" idx="4"/>
           </p:nvPr>
         </p:nvSpPr>
-        <p:spPr/>
+        <p:spPr>
+          <a:xfrm>
+            <a:off x="6172200" y="1885645"/>
+            <a:ext cx="5183188" cy="3684588"/>
+          </a:xfrm>
+        </p:spPr>
         <p:txBody>
           <a:bodyPr/>
           <a:lstStyle/>
           <a:p>
-            <a:endParaRPr lang="en-US"/>
+            <a:r>
+              <a:rPr lang="en-US" dirty="0"/>
+              <a:t>From maximum likelihood</a:t>
+            </a:r>
+          </a:p>
+          <a:p>
+            <a:r>
+              <a:rPr lang="fr-FR" dirty="0"/>
+              <a:t>χ2 = (</a:t>
+            </a:r>
+            <a:r>
+              <a:rPr lang="fr-FR" dirty="0" err="1"/>
+              <a:t>effect</a:t>
+            </a:r>
+            <a:r>
+              <a:rPr lang="fr-FR" dirty="0"/>
+              <a:t> size / SE)</a:t>
+            </a:r>
+            <a:r>
+              <a:rPr lang="fr-FR" baseline="30000" dirty="0"/>
+              <a:t>2</a:t>
+            </a:r>
+          </a:p>
+          <a:p>
+            <a:r>
+              <a:rPr lang="fr-FR" dirty="0" err="1"/>
+              <a:t>Calculate</a:t>
+            </a:r>
+            <a:r>
+              <a:rPr lang="fr-FR" dirty="0"/>
+              <a:t> </a:t>
+            </a:r>
+            <a:r>
+              <a:rPr lang="fr-FR" i="1" dirty="0"/>
+              <a:t>P </a:t>
+            </a:r>
+            <a:r>
+              <a:rPr lang="fr-FR" dirty="0" err="1"/>
+              <a:t>from</a:t>
+            </a:r>
+            <a:r>
+              <a:rPr lang="fr-FR" dirty="0"/>
+              <a:t> X2-dist</a:t>
+            </a:r>
+          </a:p>
+          <a:p>
+            <a:endParaRPr lang="en-US" dirty="0"/>
           </a:p>
         </p:txBody>
       </p:sp>
+      <p:pic>
+        <p:nvPicPr>
+          <p:cNvPr id="9" name="Picture 8">
+            <a:extLst>
+              <a:ext uri="{FF2B5EF4-FFF2-40B4-BE49-F238E27FC236}">
+                <a16:creationId xmlns:a16="http://schemas.microsoft.com/office/drawing/2014/main" id="{DC67CC67-89DB-A520-AC45-92034E08239B}"/>
+              </a:ext>
+            </a:extLst>
+          </p:cNvPr>
+          <p:cNvPicPr>
+            <a:picLocks noChangeAspect="1"/>
+          </p:cNvPicPr>
+          <p:nvPr/>
+        </p:nvPicPr>
+        <p:blipFill>
+          <a:blip r:embed="rId2"/>
+          <a:stretch>
+            <a:fillRect/>
+          </a:stretch>
+        </p:blipFill>
+        <p:spPr>
+          <a:xfrm>
+            <a:off x="589728" y="3524683"/>
+            <a:ext cx="4208414" cy="3158061"/>
+          </a:xfrm>
+          <a:prstGeom prst="rect">
+            <a:avLst/>
+          </a:prstGeom>
+        </p:spPr>
+      </p:pic>
+      <p:pic>
+        <p:nvPicPr>
+          <p:cNvPr id="11" name="Picture 10">
+            <a:extLst>
+              <a:ext uri="{FF2B5EF4-FFF2-40B4-BE49-F238E27FC236}">
+                <a16:creationId xmlns:a16="http://schemas.microsoft.com/office/drawing/2014/main" id="{76788A65-140A-498A-A698-17B49DAF7591}"/>
+              </a:ext>
+            </a:extLst>
+          </p:cNvPr>
+          <p:cNvPicPr>
+            <a:picLocks noChangeAspect="1"/>
+          </p:cNvPicPr>
+          <p:nvPr/>
+        </p:nvPicPr>
+        <p:blipFill>
+          <a:blip r:embed="rId3"/>
+          <a:stretch>
+            <a:fillRect/>
+          </a:stretch>
+        </p:blipFill>
+        <p:spPr>
+          <a:xfrm>
+            <a:off x="6194427" y="3525998"/>
+            <a:ext cx="4346510" cy="3261691"/>
+          </a:xfrm>
+          <a:prstGeom prst="rect">
+            <a:avLst/>
+          </a:prstGeom>
+        </p:spPr>
+      </p:pic>
     </p:spTree>
     <p:extLst>
       <p:ext uri="{BB962C8B-B14F-4D97-AF65-F5344CB8AC3E}">
@@ -11982,6 +13042,424 @@
   <p:clrMapOvr>
     <a:masterClrMapping/>
   </p:clrMapOvr>
+  <p:timing>
+    <p:tnLst>
+      <p:par>
+        <p:cTn id="1" dur="indefinite" restart="never" nodeType="tmRoot">
+          <p:childTnLst>
+            <p:seq concurrent="1" nextAc="seek">
+              <p:cTn id="2" dur="indefinite" nodeType="mainSeq">
+                <p:childTnLst>
+                  <p:par>
+                    <p:cTn id="3" fill="hold">
+                      <p:stCondLst>
+                        <p:cond delay="indefinite"/>
+                      </p:stCondLst>
+                      <p:childTnLst>
+                        <p:par>
+                          <p:cTn id="4" fill="hold">
+                            <p:stCondLst>
+                              <p:cond delay="0"/>
+                            </p:stCondLst>
+                            <p:childTnLst>
+                              <p:par>
+                                <p:cTn id="5" presetID="1" presetClass="entr" presetSubtype="0" fill="hold" grpId="0" nodeType="clickEffect">
+                                  <p:stCondLst>
+                                    <p:cond delay="0"/>
+                                  </p:stCondLst>
+                                  <p:childTnLst>
+                                    <p:set>
+                                      <p:cBhvr>
+                                        <p:cTn id="6" dur="1" fill="hold">
+                                          <p:stCondLst>
+                                            <p:cond delay="0"/>
+                                          </p:stCondLst>
+                                        </p:cTn>
+                                        <p:tgtEl>
+                                          <p:spTgt spid="5">
+                                            <p:txEl>
+                                              <p:pRg st="0" end="0"/>
+                                            </p:txEl>
+                                          </p:spTgt>
+                                        </p:tgtEl>
+                                        <p:attrNameLst>
+                                          <p:attrName>style.visibility</p:attrName>
+                                        </p:attrNameLst>
+                                      </p:cBhvr>
+                                      <p:to>
+                                        <p:strVal val="visible"/>
+                                      </p:to>
+                                    </p:set>
+                                  </p:childTnLst>
+                                </p:cTn>
+                              </p:par>
+                            </p:childTnLst>
+                          </p:cTn>
+                        </p:par>
+                      </p:childTnLst>
+                    </p:cTn>
+                  </p:par>
+                  <p:par>
+                    <p:cTn id="7" fill="hold">
+                      <p:stCondLst>
+                        <p:cond delay="indefinite"/>
+                      </p:stCondLst>
+                      <p:childTnLst>
+                        <p:par>
+                          <p:cTn id="8" fill="hold">
+                            <p:stCondLst>
+                              <p:cond delay="0"/>
+                            </p:stCondLst>
+                            <p:childTnLst>
+                              <p:par>
+                                <p:cTn id="9" presetID="1" presetClass="entr" presetSubtype="0" fill="hold" grpId="0" nodeType="clickEffect">
+                                  <p:stCondLst>
+                                    <p:cond delay="0"/>
+                                  </p:stCondLst>
+                                  <p:childTnLst>
+                                    <p:set>
+                                      <p:cBhvr>
+                                        <p:cTn id="10" dur="1" fill="hold">
+                                          <p:stCondLst>
+                                            <p:cond delay="0"/>
+                                          </p:stCondLst>
+                                        </p:cTn>
+                                        <p:tgtEl>
+                                          <p:spTgt spid="5">
+                                            <p:txEl>
+                                              <p:pRg st="1" end="1"/>
+                                            </p:txEl>
+                                          </p:spTgt>
+                                        </p:tgtEl>
+                                        <p:attrNameLst>
+                                          <p:attrName>style.visibility</p:attrName>
+                                        </p:attrNameLst>
+                                      </p:cBhvr>
+                                      <p:to>
+                                        <p:strVal val="visible"/>
+                                      </p:to>
+                                    </p:set>
+                                  </p:childTnLst>
+                                </p:cTn>
+                              </p:par>
+                            </p:childTnLst>
+                          </p:cTn>
+                        </p:par>
+                      </p:childTnLst>
+                    </p:cTn>
+                  </p:par>
+                  <p:par>
+                    <p:cTn id="11" fill="hold">
+                      <p:stCondLst>
+                        <p:cond delay="indefinite"/>
+                      </p:stCondLst>
+                      <p:childTnLst>
+                        <p:par>
+                          <p:cTn id="12" fill="hold">
+                            <p:stCondLst>
+                              <p:cond delay="0"/>
+                            </p:stCondLst>
+                            <p:childTnLst>
+                              <p:par>
+                                <p:cTn id="13" presetID="1" presetClass="entr" presetSubtype="0" fill="hold" grpId="0" nodeType="clickEffect">
+                                  <p:stCondLst>
+                                    <p:cond delay="0"/>
+                                  </p:stCondLst>
+                                  <p:childTnLst>
+                                    <p:set>
+                                      <p:cBhvr>
+                                        <p:cTn id="14" dur="1" fill="hold">
+                                          <p:stCondLst>
+                                            <p:cond delay="0"/>
+                                          </p:stCondLst>
+                                        </p:cTn>
+                                        <p:tgtEl>
+                                          <p:spTgt spid="5">
+                                            <p:txEl>
+                                              <p:pRg st="2" end="2"/>
+                                            </p:txEl>
+                                          </p:spTgt>
+                                        </p:tgtEl>
+                                        <p:attrNameLst>
+                                          <p:attrName>style.visibility</p:attrName>
+                                        </p:attrNameLst>
+                                      </p:cBhvr>
+                                      <p:to>
+                                        <p:strVal val="visible"/>
+                                      </p:to>
+                                    </p:set>
+                                  </p:childTnLst>
+                                </p:cTn>
+                              </p:par>
+                            </p:childTnLst>
+                          </p:cTn>
+                        </p:par>
+                      </p:childTnLst>
+                    </p:cTn>
+                  </p:par>
+                  <p:par>
+                    <p:cTn id="15" fill="hold">
+                      <p:stCondLst>
+                        <p:cond delay="indefinite"/>
+                      </p:stCondLst>
+                      <p:childTnLst>
+                        <p:par>
+                          <p:cTn id="16" fill="hold">
+                            <p:stCondLst>
+                              <p:cond delay="0"/>
+                            </p:stCondLst>
+                            <p:childTnLst>
+                              <p:par>
+                                <p:cTn id="17" presetID="1" presetClass="entr" presetSubtype="0" fill="hold" nodeType="clickEffect">
+                                  <p:stCondLst>
+                                    <p:cond delay="0"/>
+                                  </p:stCondLst>
+                                  <p:childTnLst>
+                                    <p:set>
+                                      <p:cBhvr>
+                                        <p:cTn id="18" dur="1" fill="hold">
+                                          <p:stCondLst>
+                                            <p:cond delay="0"/>
+                                          </p:stCondLst>
+                                        </p:cTn>
+                                        <p:tgtEl>
+                                          <p:spTgt spid="9"/>
+                                        </p:tgtEl>
+                                        <p:attrNameLst>
+                                          <p:attrName>style.visibility</p:attrName>
+                                        </p:attrNameLst>
+                                      </p:cBhvr>
+                                      <p:to>
+                                        <p:strVal val="visible"/>
+                                      </p:to>
+                                    </p:set>
+                                  </p:childTnLst>
+                                </p:cTn>
+                              </p:par>
+                            </p:childTnLst>
+                          </p:cTn>
+                        </p:par>
+                      </p:childTnLst>
+                    </p:cTn>
+                  </p:par>
+                  <p:par>
+                    <p:cTn id="19" fill="hold">
+                      <p:stCondLst>
+                        <p:cond delay="indefinite"/>
+                      </p:stCondLst>
+                      <p:childTnLst>
+                        <p:par>
+                          <p:cTn id="20" fill="hold">
+                            <p:stCondLst>
+                              <p:cond delay="0"/>
+                            </p:stCondLst>
+                            <p:childTnLst>
+                              <p:par>
+                                <p:cTn id="21" presetID="1" presetClass="entr" presetSubtype="0" fill="hold" grpId="0" nodeType="clickEffect">
+                                  <p:stCondLst>
+                                    <p:cond delay="0"/>
+                                  </p:stCondLst>
+                                  <p:childTnLst>
+                                    <p:set>
+                                      <p:cBhvr>
+                                        <p:cTn id="22" dur="1" fill="hold">
+                                          <p:stCondLst>
+                                            <p:cond delay="0"/>
+                                          </p:stCondLst>
+                                        </p:cTn>
+                                        <p:tgtEl>
+                                          <p:spTgt spid="7">
+                                            <p:txEl>
+                                              <p:pRg st="0" end="0"/>
+                                            </p:txEl>
+                                          </p:spTgt>
+                                        </p:tgtEl>
+                                        <p:attrNameLst>
+                                          <p:attrName>style.visibility</p:attrName>
+                                        </p:attrNameLst>
+                                      </p:cBhvr>
+                                      <p:to>
+                                        <p:strVal val="visible"/>
+                                      </p:to>
+                                    </p:set>
+                                  </p:childTnLst>
+                                </p:cTn>
+                              </p:par>
+                            </p:childTnLst>
+                          </p:cTn>
+                        </p:par>
+                      </p:childTnLst>
+                    </p:cTn>
+                  </p:par>
+                  <p:par>
+                    <p:cTn id="23" fill="hold">
+                      <p:stCondLst>
+                        <p:cond delay="indefinite"/>
+                      </p:stCondLst>
+                      <p:childTnLst>
+                        <p:par>
+                          <p:cTn id="24" fill="hold">
+                            <p:stCondLst>
+                              <p:cond delay="0"/>
+                            </p:stCondLst>
+                            <p:childTnLst>
+                              <p:par>
+                                <p:cTn id="25" presetID="1" presetClass="entr" presetSubtype="0" fill="hold" grpId="0" nodeType="clickEffect">
+                                  <p:stCondLst>
+                                    <p:cond delay="0"/>
+                                  </p:stCondLst>
+                                  <p:childTnLst>
+                                    <p:set>
+                                      <p:cBhvr>
+                                        <p:cTn id="26" dur="1" fill="hold">
+                                          <p:stCondLst>
+                                            <p:cond delay="0"/>
+                                          </p:stCondLst>
+                                        </p:cTn>
+                                        <p:tgtEl>
+                                          <p:spTgt spid="7">
+                                            <p:txEl>
+                                              <p:pRg st="1" end="1"/>
+                                            </p:txEl>
+                                          </p:spTgt>
+                                        </p:tgtEl>
+                                        <p:attrNameLst>
+                                          <p:attrName>style.visibility</p:attrName>
+                                        </p:attrNameLst>
+                                      </p:cBhvr>
+                                      <p:to>
+                                        <p:strVal val="visible"/>
+                                      </p:to>
+                                    </p:set>
+                                  </p:childTnLst>
+                                </p:cTn>
+                              </p:par>
+                            </p:childTnLst>
+                          </p:cTn>
+                        </p:par>
+                      </p:childTnLst>
+                    </p:cTn>
+                  </p:par>
+                  <p:par>
+                    <p:cTn id="27" fill="hold">
+                      <p:stCondLst>
+                        <p:cond delay="indefinite"/>
+                      </p:stCondLst>
+                      <p:childTnLst>
+                        <p:par>
+                          <p:cTn id="28" fill="hold">
+                            <p:stCondLst>
+                              <p:cond delay="0"/>
+                            </p:stCondLst>
+                            <p:childTnLst>
+                              <p:par>
+                                <p:cTn id="29" presetID="1" presetClass="entr" presetSubtype="0" fill="hold" grpId="0" nodeType="clickEffect">
+                                  <p:stCondLst>
+                                    <p:cond delay="0"/>
+                                  </p:stCondLst>
+                                  <p:childTnLst>
+                                    <p:set>
+                                      <p:cBhvr>
+                                        <p:cTn id="30" dur="1" fill="hold">
+                                          <p:stCondLst>
+                                            <p:cond delay="0"/>
+                                          </p:stCondLst>
+                                        </p:cTn>
+                                        <p:tgtEl>
+                                          <p:spTgt spid="7">
+                                            <p:txEl>
+                                              <p:pRg st="2" end="2"/>
+                                            </p:txEl>
+                                          </p:spTgt>
+                                        </p:tgtEl>
+                                        <p:attrNameLst>
+                                          <p:attrName>style.visibility</p:attrName>
+                                        </p:attrNameLst>
+                                      </p:cBhvr>
+                                      <p:to>
+                                        <p:strVal val="visible"/>
+                                      </p:to>
+                                    </p:set>
+                                  </p:childTnLst>
+                                </p:cTn>
+                              </p:par>
+                            </p:childTnLst>
+                          </p:cTn>
+                        </p:par>
+                      </p:childTnLst>
+                    </p:cTn>
+                  </p:par>
+                  <p:par>
+                    <p:cTn id="31" fill="hold">
+                      <p:stCondLst>
+                        <p:cond delay="indefinite"/>
+                      </p:stCondLst>
+                      <p:childTnLst>
+                        <p:par>
+                          <p:cTn id="32" fill="hold">
+                            <p:stCondLst>
+                              <p:cond delay="0"/>
+                            </p:stCondLst>
+                            <p:childTnLst>
+                              <p:par>
+                                <p:cTn id="33" presetID="1" presetClass="entr" presetSubtype="0" fill="hold" nodeType="clickEffect">
+                                  <p:stCondLst>
+                                    <p:cond delay="0"/>
+                                  </p:stCondLst>
+                                  <p:childTnLst>
+                                    <p:set>
+                                      <p:cBhvr>
+                                        <p:cTn id="34" dur="1" fill="hold">
+                                          <p:stCondLst>
+                                            <p:cond delay="0"/>
+                                          </p:stCondLst>
+                                        </p:cTn>
+                                        <p:tgtEl>
+                                          <p:spTgt spid="11"/>
+                                        </p:tgtEl>
+                                        <p:attrNameLst>
+                                          <p:attrName>style.visibility</p:attrName>
+                                        </p:attrNameLst>
+                                      </p:cBhvr>
+                                      <p:to>
+                                        <p:strVal val="visible"/>
+                                      </p:to>
+                                    </p:set>
+                                  </p:childTnLst>
+                                </p:cTn>
+                              </p:par>
+                            </p:childTnLst>
+                          </p:cTn>
+                        </p:par>
+                      </p:childTnLst>
+                    </p:cTn>
+                  </p:par>
+                </p:childTnLst>
+              </p:cTn>
+              <p:prevCondLst>
+                <p:cond evt="onPrev" delay="0">
+                  <p:tgtEl>
+                    <p:sldTgt/>
+                  </p:tgtEl>
+                </p:cond>
+              </p:prevCondLst>
+              <p:nextCondLst>
+                <p:cond evt="onNext" delay="0">
+                  <p:tgtEl>
+                    <p:sldTgt/>
+                  </p:tgtEl>
+                </p:cond>
+              </p:nextCondLst>
+            </p:seq>
+          </p:childTnLst>
+        </p:cTn>
+      </p:par>
+    </p:tnLst>
+    <p:bldLst>
+      <p:bldP spid="5" grpId="0" build="p"/>
+      <p:bldP spid="7" grpId="0" build="p"/>
+    </p:bldLst>
+  </p:timing>
 </p:sld>
 </file>
 
@@ -13049,6 +14527,41 @@
           </a:p>
         </p:txBody>
       </p:sp>
+      <p:pic>
+        <p:nvPicPr>
+          <p:cNvPr id="6" name="Picture 5" descr="A screenshot of a computer&#10;&#10;AI-generated content may be incorrect.">
+            <a:extLst>
+              <a:ext uri="{FF2B5EF4-FFF2-40B4-BE49-F238E27FC236}">
+                <a16:creationId xmlns:a16="http://schemas.microsoft.com/office/drawing/2014/main" id="{6BC5908F-FCD6-3958-D86E-5B1CCAA412A9}"/>
+              </a:ext>
+            </a:extLst>
+          </p:cNvPr>
+          <p:cNvPicPr>
+            <a:picLocks noChangeAspect="1"/>
+          </p:cNvPicPr>
+          <p:nvPr/>
+        </p:nvPicPr>
+        <p:blipFill>
+          <a:blip r:embed="rId2">
+            <a:extLst>
+              <a:ext uri="{28A0092B-C50C-407E-A947-70E740481C1C}">
+                <a14:useLocalDpi xmlns:a14="http://schemas.microsoft.com/office/drawing/2010/main" val="0"/>
+              </a:ext>
+            </a:extLst>
+          </a:blip>
+          <a:srcRect t="71722" r="69588" b="1649"/>
+          <a:stretch/>
+        </p:blipFill>
+        <p:spPr>
+          <a:xfrm>
+            <a:off x="1551245" y="1690688"/>
+            <a:ext cx="9089509" cy="4310744"/>
+          </a:xfrm>
+          <a:prstGeom prst="rect">
+            <a:avLst/>
+          </a:prstGeom>
+        </p:spPr>
+      </p:pic>
     </p:spTree>
     <p:extLst>
       <p:ext uri="{BB962C8B-B14F-4D97-AF65-F5344CB8AC3E}">
@@ -16540,14 +18053,19 @@
             <p:ph type="title"/>
           </p:nvPr>
         </p:nvSpPr>
-        <p:spPr/>
+        <p:spPr>
+          <a:xfrm>
+            <a:off x="838199" y="365125"/>
+            <a:ext cx="11068665" cy="1325563"/>
+          </a:xfrm>
+        </p:spPr>
         <p:txBody>
           <a:bodyPr/>
           <a:lstStyle/>
           <a:p>
             <a:r>
               <a:rPr lang="en-US" dirty="0"/>
-              <a:t>Assumptions of linear models ???</a:t>
+              <a:t>Step 2: Examine residuals (check assumptions)</a:t>
             </a:r>
           </a:p>
         </p:txBody>
@@ -16573,7 +18091,103 @@
           <a:bodyPr/>
           <a:lstStyle/>
           <a:p>
-            <a:endParaRPr lang="en-US"/>
+            <a:pPr marL="0" indent="0">
+              <a:buNone/>
+            </a:pPr>
+            <a:r>
+              <a:rPr lang="en-US" dirty="0"/>
+              <a:t>Conventional residuals are not always useful for GL(M)</a:t>
+            </a:r>
+            <a:r>
+              <a:rPr lang="en-US" dirty="0" err="1"/>
+              <a:t>Ms</a:t>
+            </a:r>
+            <a:endParaRPr lang="en-US" dirty="0"/>
+          </a:p>
+          <a:p>
+            <a:pPr marL="0" indent="0">
+              <a:buNone/>
+            </a:pPr>
+            <a:r>
+              <a:rPr lang="en-US" dirty="0"/>
+              <a:t>How to diagnose your fitted GL(M)M using </a:t>
+            </a:r>
+            <a:r>
+              <a:rPr lang="en-US" dirty="0" err="1"/>
+              <a:t>DHARMa</a:t>
+            </a:r>
+            <a:r>
+              <a:rPr lang="en-US" dirty="0"/>
+              <a:t>?</a:t>
+            </a:r>
+          </a:p>
+          <a:p>
+            <a:pPr lvl="1"/>
+            <a:r>
+              <a:rPr lang="en-US" b="0" i="0" dirty="0">
+                <a:effectLst/>
+              </a:rPr>
+              <a:t>The resulting residuals are standardized to values between 0 and 1 </a:t>
+            </a:r>
+          </a:p>
+          <a:p>
+            <a:pPr lvl="1"/>
+            <a:r>
+              <a:rPr lang="en-US" dirty="0"/>
+              <a:t>C</a:t>
+            </a:r>
+            <a:r>
+              <a:rPr lang="en-US" b="0" i="0" dirty="0">
+                <a:effectLst/>
+              </a:rPr>
+              <a:t>an be interpreted as intuitively as residuals from a linear regression.</a:t>
+            </a:r>
+          </a:p>
+          <a:p>
+            <a:pPr lvl="2"/>
+            <a:r>
+              <a:rPr lang="en-US" b="1" dirty="0" err="1"/>
+              <a:t>QQplot</a:t>
+            </a:r>
+            <a:r>
+              <a:rPr lang="en-US" b="1" dirty="0"/>
+              <a:t> (points should line up against 1:1 line) – same as normal</a:t>
+            </a:r>
+          </a:p>
+          <a:p>
+            <a:pPr lvl="2"/>
+            <a:r>
+              <a:rPr lang="en-US" b="1" i="0" dirty="0" err="1">
+                <a:effectLst/>
+              </a:rPr>
+              <a:t>Residual~predicted</a:t>
+            </a:r>
+            <a:r>
+              <a:rPr lang="en-US" b="1" i="0" dirty="0">
+                <a:effectLst/>
+              </a:rPr>
+              <a:t> for homogeneity (residuals equal spread across predictor or among groups, no funneling, etc.) – same as normal</a:t>
+            </a:r>
+          </a:p>
+          <a:p>
+            <a:pPr lvl="2"/>
+            <a:r>
+              <a:rPr lang="en-US" dirty="0"/>
+              <a:t>Histogram (should be flat, not normally distributed) – Different than normal</a:t>
+            </a:r>
+          </a:p>
+          <a:p>
+            <a:pPr lvl="2"/>
+            <a:r>
+              <a:rPr lang="en-US" dirty="0"/>
+              <a:t>Plus additional tests of residual structure</a:t>
+            </a:r>
+          </a:p>
+          <a:p>
+            <a:endParaRPr lang="en-US" dirty="0"/>
+          </a:p>
+          <a:p>
+            <a:endParaRPr lang="en-US" dirty="0"/>
           </a:p>
         </p:txBody>
       </p:sp>
@@ -16657,8 +18271,8 @@
         </p:blipFill>
         <p:spPr>
           <a:xfrm>
-            <a:off x="2652712" y="2629514"/>
-            <a:ext cx="6886575" cy="4076700"/>
+            <a:off x="2652710" y="2673766"/>
+            <a:ext cx="6886575" cy="3819109"/>
           </a:xfrm>
           <a:prstGeom prst="rect">
             <a:avLst/>
@@ -16667,10 +18281,10 @@
       </p:pic>
       <p:pic>
         <p:nvPicPr>
-          <p:cNvPr id="6" name="Picture 5" descr="A screenshot of a computer&#10;&#10;AI-generated content may be incorrect.">
-            <a:extLst>
-              <a:ext uri="{FF2B5EF4-FFF2-40B4-BE49-F238E27FC236}">
-                <a16:creationId xmlns:a16="http://schemas.microsoft.com/office/drawing/2014/main" id="{1616D91B-CB03-4913-2275-0EC5A8CB2354}"/>
+          <p:cNvPr id="4" name="Picture 3" descr="A screenshot of a computer&#10;&#10;AI-generated content may be incorrect.">
+            <a:extLst>
+              <a:ext uri="{FF2B5EF4-FFF2-40B4-BE49-F238E27FC236}">
+                <a16:creationId xmlns:a16="http://schemas.microsoft.com/office/drawing/2014/main" id="{2F4AA433-967D-3924-7A49-3759892400DB}"/>
               </a:ext>
             </a:extLst>
           </p:cNvPr>
@@ -16687,13 +18301,13 @@
               </a:ext>
             </a:extLst>
           </a:blip>
-          <a:srcRect t="91144" r="73629" b="2933"/>
+          <a:srcRect t="93217" r="57984" b="2531"/>
           <a:stretch/>
         </p:blipFill>
         <p:spPr>
           <a:xfrm>
-            <a:off x="1200558" y="1565910"/>
-            <a:ext cx="9790883" cy="1123937"/>
+            <a:off x="978937" y="1690688"/>
+            <a:ext cx="10234122" cy="560899"/>
           </a:xfrm>
           <a:prstGeom prst="rect">
             <a:avLst/>

--- a/Slides and materials/WorkedExample_GLMM_Counts.pptx
+++ b/Slides and materials/WorkedExample_GLMM_Counts.pptx
@@ -162,7 +162,7 @@
   <pc:docChgLst>
     <pc:chgData name="Hahn, Phil" userId="2d5c7d3c-1ebc-4c64-a257-24a55868d9d9" providerId="ADAL" clId="{FB79AC2A-0317-4D91-91C8-9DEC31FB803B}"/>
     <pc:docChg chg="undo redo custSel addSld delSld modSld sldOrd">
-      <pc:chgData name="Hahn, Phil" userId="2d5c7d3c-1ebc-4c64-a257-24a55868d9d9" providerId="ADAL" clId="{FB79AC2A-0317-4D91-91C8-9DEC31FB803B}" dt="2025-05-23T20:59:57.092" v="3496" actId="1076"/>
+      <pc:chgData name="Hahn, Phil" userId="2d5c7d3c-1ebc-4c64-a257-24a55868d9d9" providerId="ADAL" clId="{FB79AC2A-0317-4D91-91C8-9DEC31FB803B}" dt="2025-05-27T18:41:33.424" v="3497" actId="6549"/>
       <pc:docMkLst>
         <pc:docMk/>
       </pc:docMkLst>
@@ -202,14 +202,6 @@
             <pc:docMk/>
             <pc:sldMk cId="3267362473" sldId="474"/>
             <ac:picMk id="8" creationId="{3B5A5F77-9693-95A1-E667-6148EC8FEAA1}"/>
-          </ac:picMkLst>
-        </pc:picChg>
-        <pc:picChg chg="del">
-          <ac:chgData name="Hahn, Phil" userId="2d5c7d3c-1ebc-4c64-a257-24a55868d9d9" providerId="ADAL" clId="{FB79AC2A-0317-4D91-91C8-9DEC31FB803B}" dt="2025-05-22T19:11:52.794" v="131" actId="478"/>
-          <ac:picMkLst>
-            <pc:docMk/>
-            <pc:sldMk cId="3267362473" sldId="474"/>
-            <ac:picMk id="1026" creationId="{59258BF3-84A7-4B81-9C6C-5144B2C6CE3D}"/>
           </ac:picMkLst>
         </pc:picChg>
       </pc:sldChg>
@@ -299,22 +291,6 @@
             <ac:spMk id="3" creationId="{12E1D748-7EA9-DE3A-0941-08572D727313}"/>
           </ac:spMkLst>
         </pc:spChg>
-        <pc:picChg chg="del">
-          <ac:chgData name="Hahn, Phil" userId="2d5c7d3c-1ebc-4c64-a257-24a55868d9d9" providerId="ADAL" clId="{FB79AC2A-0317-4D91-91C8-9DEC31FB803B}" dt="2025-05-22T20:32:43.370" v="1298" actId="478"/>
-          <ac:picMkLst>
-            <pc:docMk/>
-            <pc:sldMk cId="2832366463" sldId="507"/>
-            <ac:picMk id="5" creationId="{B053BA1B-13B0-8189-5A33-EFEA7604921C}"/>
-          </ac:picMkLst>
-        </pc:picChg>
-        <pc:picChg chg="del">
-          <ac:chgData name="Hahn, Phil" userId="2d5c7d3c-1ebc-4c64-a257-24a55868d9d9" providerId="ADAL" clId="{FB79AC2A-0317-4D91-91C8-9DEC31FB803B}" dt="2025-05-22T20:32:45.880" v="1299" actId="478"/>
-          <ac:picMkLst>
-            <pc:docMk/>
-            <pc:sldMk cId="2832366463" sldId="507"/>
-            <ac:picMk id="6" creationId="{9732D515-3901-2FF7-37D4-FCE55B71F38A}"/>
-          </ac:picMkLst>
-        </pc:picChg>
       </pc:sldChg>
       <pc:sldChg chg="addSp delSp modSp mod ord modAnim">
         <pc:chgData name="Hahn, Phil" userId="2d5c7d3c-1ebc-4c64-a257-24a55868d9d9" providerId="ADAL" clId="{FB79AC2A-0317-4D91-91C8-9DEC31FB803B}" dt="2025-05-22T19:12:10.975" v="134"/>
@@ -330,22 +306,6 @@
             <ac:spMk id="3" creationId="{511A6951-C950-4E2E-AC73-02D4034B6999}"/>
           </ac:spMkLst>
         </pc:spChg>
-        <pc:spChg chg="del">
-          <ac:chgData name="Hahn, Phil" userId="2d5c7d3c-1ebc-4c64-a257-24a55868d9d9" providerId="ADAL" clId="{FB79AC2A-0317-4D91-91C8-9DEC31FB803B}" dt="2025-05-22T19:08:21.312" v="2" actId="478"/>
-          <ac:spMkLst>
-            <pc:docMk/>
-            <pc:sldMk cId="1136672399" sldId="521"/>
-            <ac:spMk id="6" creationId="{BA30287D-4E39-4259-8B69-20B610A04720}"/>
-          </ac:spMkLst>
-        </pc:spChg>
-        <pc:picChg chg="del">
-          <ac:chgData name="Hahn, Phil" userId="2d5c7d3c-1ebc-4c64-a257-24a55868d9d9" providerId="ADAL" clId="{FB79AC2A-0317-4D91-91C8-9DEC31FB803B}" dt="2025-05-22T19:08:49.669" v="3" actId="478"/>
-          <ac:picMkLst>
-            <pc:docMk/>
-            <pc:sldMk cId="1136672399" sldId="521"/>
-            <ac:picMk id="5" creationId="{08ACDA44-24C9-4FBD-BDAB-31690EFC9064}"/>
-          </ac:picMkLst>
-        </pc:picChg>
         <pc:picChg chg="add mod">
           <ac:chgData name="Hahn, Phil" userId="2d5c7d3c-1ebc-4c64-a257-24a55868d9d9" providerId="ADAL" clId="{FB79AC2A-0317-4D91-91C8-9DEC31FB803B}" dt="2025-05-22T19:09:24.796" v="12" actId="1076"/>
           <ac:picMkLst>
@@ -444,14 +404,6 @@
           <pc:docMk/>
           <pc:sldMk cId="1779116336" sldId="532"/>
         </pc:sldMkLst>
-        <pc:spChg chg="mod">
-          <ac:chgData name="Hahn, Phil" userId="2d5c7d3c-1ebc-4c64-a257-24a55868d9d9" providerId="ADAL" clId="{FB79AC2A-0317-4D91-91C8-9DEC31FB803B}" dt="2025-05-22T19:12:43.537" v="136" actId="113"/>
-          <ac:spMkLst>
-            <pc:docMk/>
-            <pc:sldMk cId="1779116336" sldId="532"/>
-            <ac:spMk id="3" creationId="{3D097A19-030B-95BB-2502-1FB9F55EA3FB}"/>
-          </ac:spMkLst>
-        </pc:spChg>
       </pc:sldChg>
       <pc:sldChg chg="addSp delSp modSp mod modAnim">
         <pc:chgData name="Hahn, Phil" userId="2d5c7d3c-1ebc-4c64-a257-24a55868d9d9" providerId="ADAL" clId="{FB79AC2A-0317-4D91-91C8-9DEC31FB803B}" dt="2025-05-22T20:16:11.230" v="818"/>
@@ -475,36 +427,12 @@
             <ac:picMk id="4" creationId="{4F6DD9C4-502B-9515-69C9-7E32A148C769}"/>
           </ac:picMkLst>
         </pc:picChg>
-        <pc:picChg chg="del">
-          <ac:chgData name="Hahn, Phil" userId="2d5c7d3c-1ebc-4c64-a257-24a55868d9d9" providerId="ADAL" clId="{FB79AC2A-0317-4D91-91C8-9DEC31FB803B}" dt="2025-05-22T20:14:44.892" v="799" actId="478"/>
-          <ac:picMkLst>
-            <pc:docMk/>
-            <pc:sldMk cId="4024901257" sldId="534"/>
-            <ac:picMk id="5" creationId="{BCEF7C56-C1D2-767C-5250-4A6E318CD112}"/>
-          </ac:picMkLst>
-        </pc:picChg>
         <pc:picChg chg="add mod">
           <ac:chgData name="Hahn, Phil" userId="2d5c7d3c-1ebc-4c64-a257-24a55868d9d9" providerId="ADAL" clId="{FB79AC2A-0317-4D91-91C8-9DEC31FB803B}" dt="2025-05-22T20:14:53.540" v="802"/>
           <ac:picMkLst>
             <pc:docMk/>
             <pc:sldMk cId="4024901257" sldId="534"/>
             <ac:picMk id="6" creationId="{1F5ECA82-1A6E-A3E2-57DC-299F906B6FB1}"/>
-          </ac:picMkLst>
-        </pc:picChg>
-        <pc:picChg chg="del">
-          <ac:chgData name="Hahn, Phil" userId="2d5c7d3c-1ebc-4c64-a257-24a55868d9d9" providerId="ADAL" clId="{FB79AC2A-0317-4D91-91C8-9DEC31FB803B}" dt="2025-05-22T20:14:44.892" v="799" actId="478"/>
-          <ac:picMkLst>
-            <pc:docMk/>
-            <pc:sldMk cId="4024901257" sldId="534"/>
-            <ac:picMk id="7" creationId="{EBBE8414-2864-2205-11FE-1C00E40D10F2}"/>
-          </ac:picMkLst>
-        </pc:picChg>
-        <pc:picChg chg="add del mod">
-          <ac:chgData name="Hahn, Phil" userId="2d5c7d3c-1ebc-4c64-a257-24a55868d9d9" providerId="ADAL" clId="{FB79AC2A-0317-4D91-91C8-9DEC31FB803B}" dt="2025-05-22T20:15:57.704" v="813" actId="478"/>
-          <ac:picMkLst>
-            <pc:docMk/>
-            <pc:sldMk cId="4024901257" sldId="534"/>
-            <ac:picMk id="9" creationId="{6ACC16EF-5576-C7F8-3B6B-8009CAD44457}"/>
           </ac:picMkLst>
         </pc:picChg>
         <pc:picChg chg="add mod">
@@ -570,68 +498,12 @@
             <ac:spMk id="16" creationId="{4D9DF24B-BC12-BFF4-43BF-10D24B2311CB}"/>
           </ac:spMkLst>
         </pc:spChg>
-        <pc:spChg chg="add del mod">
-          <ac:chgData name="Hahn, Phil" userId="2d5c7d3c-1ebc-4c64-a257-24a55868d9d9" providerId="ADAL" clId="{FB79AC2A-0317-4D91-91C8-9DEC31FB803B}" dt="2025-05-23T18:18:09.746" v="2505" actId="478"/>
-          <ac:spMkLst>
-            <pc:docMk/>
-            <pc:sldMk cId="2164730604" sldId="535"/>
-            <ac:spMk id="18" creationId="{82AADD90-943F-4882-0DF4-0F6BC3A9C853}"/>
-          </ac:spMkLst>
-        </pc:spChg>
-        <pc:spChg chg="add del mod">
-          <ac:chgData name="Hahn, Phil" userId="2d5c7d3c-1ebc-4c64-a257-24a55868d9d9" providerId="ADAL" clId="{FB79AC2A-0317-4D91-91C8-9DEC31FB803B}" dt="2025-05-23T18:18:09.746" v="2505" actId="478"/>
-          <ac:spMkLst>
-            <pc:docMk/>
-            <pc:sldMk cId="2164730604" sldId="535"/>
-            <ac:spMk id="21" creationId="{D655D8B7-98AF-AFE2-C50D-EA2C2550BC50}"/>
-          </ac:spMkLst>
-        </pc:spChg>
-        <pc:spChg chg="add del mod">
-          <ac:chgData name="Hahn, Phil" userId="2d5c7d3c-1ebc-4c64-a257-24a55868d9d9" providerId="ADAL" clId="{FB79AC2A-0317-4D91-91C8-9DEC31FB803B}" dt="2025-05-23T18:18:09.746" v="2505" actId="478"/>
-          <ac:spMkLst>
-            <pc:docMk/>
-            <pc:sldMk cId="2164730604" sldId="535"/>
-            <ac:spMk id="22" creationId="{1D4DCCED-C933-E412-F01C-68187B83A6FE}"/>
-          </ac:spMkLst>
-        </pc:spChg>
-        <pc:spChg chg="add del mod">
-          <ac:chgData name="Hahn, Phil" userId="2d5c7d3c-1ebc-4c64-a257-24a55868d9d9" providerId="ADAL" clId="{FB79AC2A-0317-4D91-91C8-9DEC31FB803B}" dt="2025-05-23T18:18:09.746" v="2505" actId="478"/>
-          <ac:spMkLst>
-            <pc:docMk/>
-            <pc:sldMk cId="2164730604" sldId="535"/>
-            <ac:spMk id="26" creationId="{BCFAA0B2-45F0-7744-6351-D00CDFDFA5E6}"/>
-          </ac:spMkLst>
-        </pc:spChg>
         <pc:picChg chg="add mod modCrop">
           <ac:chgData name="Hahn, Phil" userId="2d5c7d3c-1ebc-4c64-a257-24a55868d9d9" providerId="ADAL" clId="{FB79AC2A-0317-4D91-91C8-9DEC31FB803B}" dt="2025-05-22T20:29:09.280" v="1092" actId="692"/>
           <ac:picMkLst>
             <pc:docMk/>
             <pc:sldMk cId="2164730604" sldId="535"/>
             <ac:picMk id="4" creationId="{B755F4A5-A7AB-C5B4-71FF-7EDE8E735F25}"/>
-          </ac:picMkLst>
-        </pc:picChg>
-        <pc:picChg chg="del">
-          <ac:chgData name="Hahn, Phil" userId="2d5c7d3c-1ebc-4c64-a257-24a55868d9d9" providerId="ADAL" clId="{FB79AC2A-0317-4D91-91C8-9DEC31FB803B}" dt="2025-05-22T20:18:55.707" v="856" actId="478"/>
-          <ac:picMkLst>
-            <pc:docMk/>
-            <pc:sldMk cId="2164730604" sldId="535"/>
-            <ac:picMk id="5" creationId="{302CB599-05D5-8BB7-E49D-8B338E3A1594}"/>
-          </ac:picMkLst>
-        </pc:picChg>
-        <pc:picChg chg="add del mod modCrop">
-          <ac:chgData name="Hahn, Phil" userId="2d5c7d3c-1ebc-4c64-a257-24a55868d9d9" providerId="ADAL" clId="{FB79AC2A-0317-4D91-91C8-9DEC31FB803B}" dt="2025-05-23T20:35:13.314" v="3136" actId="21"/>
-          <ac:picMkLst>
-            <pc:docMk/>
-            <pc:sldMk cId="2164730604" sldId="535"/>
-            <ac:picMk id="5" creationId="{B4407D0E-58D2-3166-CF41-C8CC053E91A9}"/>
-          </ac:picMkLst>
-        </pc:picChg>
-        <pc:picChg chg="del">
-          <ac:chgData name="Hahn, Phil" userId="2d5c7d3c-1ebc-4c64-a257-24a55868d9d9" providerId="ADAL" clId="{FB79AC2A-0317-4D91-91C8-9DEC31FB803B}" dt="2025-05-22T20:18:55.707" v="856" actId="478"/>
-          <ac:picMkLst>
-            <pc:docMk/>
-            <pc:sldMk cId="2164730604" sldId="535"/>
-            <ac:picMk id="7" creationId="{AC56BF40-EAA8-0D27-9C18-56B15AF8B118}"/>
           </ac:picMkLst>
         </pc:picChg>
         <pc:cxnChg chg="add mod">
@@ -658,22 +530,6 @@
             <ac:cxnSpMk id="15" creationId="{BBAC7095-AB64-74E5-78E8-FF35B2AD64CC}"/>
           </ac:cxnSpMkLst>
         </pc:cxnChg>
-        <pc:cxnChg chg="add del mod">
-          <ac:chgData name="Hahn, Phil" userId="2d5c7d3c-1ebc-4c64-a257-24a55868d9d9" providerId="ADAL" clId="{FB79AC2A-0317-4D91-91C8-9DEC31FB803B}" dt="2025-05-23T18:18:09.746" v="2505" actId="478"/>
-          <ac:cxnSpMkLst>
-            <pc:docMk/>
-            <pc:sldMk cId="2164730604" sldId="535"/>
-            <ac:cxnSpMk id="19" creationId="{F257652B-4D6D-C5E8-016E-3030DE4ADD78}"/>
-          </ac:cxnSpMkLst>
-        </pc:cxnChg>
-        <pc:cxnChg chg="add del mod">
-          <ac:chgData name="Hahn, Phil" userId="2d5c7d3c-1ebc-4c64-a257-24a55868d9d9" providerId="ADAL" clId="{FB79AC2A-0317-4D91-91C8-9DEC31FB803B}" dt="2025-05-23T18:18:09.746" v="2505" actId="478"/>
-          <ac:cxnSpMkLst>
-            <pc:docMk/>
-            <pc:sldMk cId="2164730604" sldId="535"/>
-            <ac:cxnSpMk id="23" creationId="{C60845DF-4DC6-0F93-CD03-832631DDEF03}"/>
-          </ac:cxnSpMkLst>
-        </pc:cxnChg>
       </pc:sldChg>
       <pc:sldChg chg="addSp delSp modSp mod modAnim">
         <pc:chgData name="Hahn, Phil" userId="2d5c7d3c-1ebc-4c64-a257-24a55868d9d9" providerId="ADAL" clId="{FB79AC2A-0317-4D91-91C8-9DEC31FB803B}" dt="2025-05-22T20:46:05.934" v="1867" actId="20577"/>
@@ -687,14 +543,6 @@
             <pc:docMk/>
             <pc:sldMk cId="1516166490" sldId="536"/>
             <ac:spMk id="2" creationId="{1CA08668-CC6A-EFF6-1D71-488D270C4C7A}"/>
-          </ac:spMkLst>
-        </pc:spChg>
-        <pc:spChg chg="add del mod">
-          <ac:chgData name="Hahn, Phil" userId="2d5c7d3c-1ebc-4c64-a257-24a55868d9d9" providerId="ADAL" clId="{FB79AC2A-0317-4D91-91C8-9DEC31FB803B}" dt="2025-05-22T20:39:45.854" v="1712" actId="22"/>
-          <ac:spMkLst>
-            <pc:docMk/>
-            <pc:sldMk cId="1516166490" sldId="536"/>
-            <ac:spMk id="9" creationId="{83EE1DF0-427C-A7FD-1A10-41BAC155F0ED}"/>
           </ac:spMkLst>
         </pc:spChg>
         <pc:spChg chg="add mod">
@@ -713,22 +561,6 @@
             <ac:spMk id="11" creationId="{9AD9DF9A-8EC6-7515-FE98-EBF4DBE3DE4B}"/>
           </ac:spMkLst>
         </pc:spChg>
-        <pc:picChg chg="del">
-          <ac:chgData name="Hahn, Phil" userId="2d5c7d3c-1ebc-4c64-a257-24a55868d9d9" providerId="ADAL" clId="{FB79AC2A-0317-4D91-91C8-9DEC31FB803B}" dt="2025-05-22T20:36:55.969" v="1667" actId="478"/>
-          <ac:picMkLst>
-            <pc:docMk/>
-            <pc:sldMk cId="1516166490" sldId="536"/>
-            <ac:picMk id="4" creationId="{23EA4F47-738D-A6F1-D782-57F818B0919B}"/>
-          </ac:picMkLst>
-        </pc:picChg>
-        <pc:picChg chg="add del mod modCrop">
-          <ac:chgData name="Hahn, Phil" userId="2d5c7d3c-1ebc-4c64-a257-24a55868d9d9" providerId="ADAL" clId="{FB79AC2A-0317-4D91-91C8-9DEC31FB803B}" dt="2025-05-22T20:38:45.574" v="1694" actId="478"/>
-          <ac:picMkLst>
-            <pc:docMk/>
-            <pc:sldMk cId="1516166490" sldId="536"/>
-            <ac:picMk id="5" creationId="{FCB44155-5AC1-1EAD-38A8-419374086F2B}"/>
-          </ac:picMkLst>
-        </pc:picChg>
         <pc:picChg chg="add mod">
           <ac:chgData name="Hahn, Phil" userId="2d5c7d3c-1ebc-4c64-a257-24a55868d9d9" providerId="ADAL" clId="{FB79AC2A-0317-4D91-91C8-9DEC31FB803B}" dt="2025-05-22T20:38:56.001" v="1696" actId="1076"/>
           <ac:picMkLst>
@@ -768,22 +600,6 @@
             <ac:picMk id="4" creationId="{ABF0FE56-4D04-DDE9-EEB4-599683B96543}"/>
           </ac:picMkLst>
         </pc:picChg>
-        <pc:picChg chg="del">
-          <ac:chgData name="Hahn, Phil" userId="2d5c7d3c-1ebc-4c64-a257-24a55868d9d9" providerId="ADAL" clId="{FB79AC2A-0317-4D91-91C8-9DEC31FB803B}" dt="2025-05-22T20:49:16.606" v="1981" actId="478"/>
-          <ac:picMkLst>
-            <pc:docMk/>
-            <pc:sldMk cId="1251402608" sldId="537"/>
-            <ac:picMk id="9" creationId="{BCF129E4-D053-6C26-C601-085168208241}"/>
-          </ac:picMkLst>
-        </pc:picChg>
-        <pc:inkChg chg="add del">
-          <ac:chgData name="Hahn, Phil" userId="2d5c7d3c-1ebc-4c64-a257-24a55868d9d9" providerId="ADAL" clId="{FB79AC2A-0317-4D91-91C8-9DEC31FB803B}" dt="2025-05-22T20:50:01.250" v="1992"/>
-          <ac:inkMkLst>
-            <pc:docMk/>
-            <pc:sldMk cId="1251402608" sldId="537"/>
-            <ac:inkMk id="6" creationId="{F9324146-224E-CC4A-EC1F-142775AEB093}"/>
-          </ac:inkMkLst>
-        </pc:inkChg>
         <pc:inkChg chg="add">
           <ac:chgData name="Hahn, Phil" userId="2d5c7d3c-1ebc-4c64-a257-24a55868d9d9" providerId="ADAL" clId="{FB79AC2A-0317-4D91-91C8-9DEC31FB803B}" dt="2025-05-22T20:50:01.250" v="1992"/>
           <ac:inkMkLst>
@@ -823,30 +639,6 @@
             <ac:spMk id="11" creationId="{EC29D9AA-9305-DDA8-0625-D5F6FB46B2A8}"/>
           </ac:spMkLst>
         </pc:spChg>
-        <pc:picChg chg="del">
-          <ac:chgData name="Hahn, Phil" userId="2d5c7d3c-1ebc-4c64-a257-24a55868d9d9" providerId="ADAL" clId="{FB79AC2A-0317-4D91-91C8-9DEC31FB803B}" dt="2025-05-22T20:54:06.891" v="2141" actId="478"/>
-          <ac:picMkLst>
-            <pc:docMk/>
-            <pc:sldMk cId="2007162361" sldId="538"/>
-            <ac:picMk id="4" creationId="{FBFD7900-625A-6EA8-EEE3-C078DBB15531}"/>
-          </ac:picMkLst>
-        </pc:picChg>
-        <pc:picChg chg="add del mod modCrop">
-          <ac:chgData name="Hahn, Phil" userId="2d5c7d3c-1ebc-4c64-a257-24a55868d9d9" providerId="ADAL" clId="{FB79AC2A-0317-4D91-91C8-9DEC31FB803B}" dt="2025-05-22T20:56:18.606" v="2173" actId="478"/>
-          <ac:picMkLst>
-            <pc:docMk/>
-            <pc:sldMk cId="2007162361" sldId="538"/>
-            <ac:picMk id="5" creationId="{C9C355CC-5CDD-5155-9458-9485DED1BC89}"/>
-          </ac:picMkLst>
-        </pc:picChg>
-        <pc:picChg chg="del">
-          <ac:chgData name="Hahn, Phil" userId="2d5c7d3c-1ebc-4c64-a257-24a55868d9d9" providerId="ADAL" clId="{FB79AC2A-0317-4D91-91C8-9DEC31FB803B}" dt="2025-05-22T20:54:07.722" v="2142" actId="478"/>
-          <ac:picMkLst>
-            <pc:docMk/>
-            <pc:sldMk cId="2007162361" sldId="538"/>
-            <ac:picMk id="6" creationId="{0390C664-374D-D0BD-CFE2-2FE75F41C23F}"/>
-          </ac:picMkLst>
-        </pc:picChg>
         <pc:picChg chg="add mod modCrop">
           <ac:chgData name="Hahn, Phil" userId="2d5c7d3c-1ebc-4c64-a257-24a55868d9d9" providerId="ADAL" clId="{FB79AC2A-0317-4D91-91C8-9DEC31FB803B}" dt="2025-05-22T21:00:22.920" v="2387" actId="14100"/>
           <ac:picMkLst>
@@ -862,14 +654,6 @@
           <pc:docMk/>
           <pc:sldMk cId="3181767859" sldId="540"/>
         </pc:sldMkLst>
-        <pc:spChg chg="mod">
-          <ac:chgData name="Hahn, Phil" userId="2d5c7d3c-1ebc-4c64-a257-24a55868d9d9" providerId="ADAL" clId="{FB79AC2A-0317-4D91-91C8-9DEC31FB803B}" dt="2025-05-22T19:14:11.216" v="168" actId="20577"/>
-          <ac:spMkLst>
-            <pc:docMk/>
-            <pc:sldMk cId="3181767859" sldId="540"/>
-            <ac:spMk id="2" creationId="{52137451-6B29-BFCD-A218-FC3D0AED1D82}"/>
-          </ac:spMkLst>
-        </pc:spChg>
       </pc:sldChg>
       <pc:sldChg chg="addSp delSp modSp add mod ord">
         <pc:chgData name="Hahn, Phil" userId="2d5c7d3c-1ebc-4c64-a257-24a55868d9d9" providerId="ADAL" clId="{FB79AC2A-0317-4D91-91C8-9DEC31FB803B}" dt="2025-05-22T19:40:06.219" v="454" actId="20577"/>
@@ -883,14 +667,6 @@
             <pc:docMk/>
             <pc:sldMk cId="1983942283" sldId="541"/>
             <ac:spMk id="2" creationId="{F3807713-3E3F-F4BB-ED73-1B81137C7AF3}"/>
-          </ac:spMkLst>
-        </pc:spChg>
-        <pc:spChg chg="del">
-          <ac:chgData name="Hahn, Phil" userId="2d5c7d3c-1ebc-4c64-a257-24a55868d9d9" providerId="ADAL" clId="{FB79AC2A-0317-4D91-91C8-9DEC31FB803B}" dt="2025-05-22T19:15:26.370" v="170" actId="478"/>
-          <ac:spMkLst>
-            <pc:docMk/>
-            <pc:sldMk cId="1983942283" sldId="541"/>
-            <ac:spMk id="3" creationId="{F16D354A-962F-1C85-F7B7-179006948C4C}"/>
           </ac:spMkLst>
         </pc:spChg>
         <pc:spChg chg="add mod">
@@ -909,22 +685,6 @@
             <ac:spMk id="6" creationId="{D083104A-5729-1516-044C-FEEF467EFBD0}"/>
           </ac:spMkLst>
         </pc:spChg>
-        <pc:spChg chg="add del mod">
-          <ac:chgData name="Hahn, Phil" userId="2d5c7d3c-1ebc-4c64-a257-24a55868d9d9" providerId="ADAL" clId="{FB79AC2A-0317-4D91-91C8-9DEC31FB803B}" dt="2025-05-22T19:17:16.238" v="177" actId="478"/>
-          <ac:spMkLst>
-            <pc:docMk/>
-            <pc:sldMk cId="1983942283" sldId="541"/>
-            <ac:spMk id="7" creationId="{E6487FD3-A34E-37BD-4EC7-89E7FD8CC5C1}"/>
-          </ac:spMkLst>
-        </pc:spChg>
-        <pc:spChg chg="add del mod">
-          <ac:chgData name="Hahn, Phil" userId="2d5c7d3c-1ebc-4c64-a257-24a55868d9d9" providerId="ADAL" clId="{FB79AC2A-0317-4D91-91C8-9DEC31FB803B}" dt="2025-05-22T19:17:16.238" v="177" actId="478"/>
-          <ac:spMkLst>
-            <pc:docMk/>
-            <pc:sldMk cId="1983942283" sldId="541"/>
-            <ac:spMk id="8" creationId="{8D3BE812-54FF-D783-EF8E-C42DE5E12F94}"/>
-          </ac:spMkLst>
-        </pc:spChg>
         <pc:spChg chg="add mod">
           <ac:chgData name="Hahn, Phil" userId="2d5c7d3c-1ebc-4c64-a257-24a55868d9d9" providerId="ADAL" clId="{FB79AC2A-0317-4D91-91C8-9DEC31FB803B}" dt="2025-05-22T19:38:57.757" v="446" actId="14100"/>
           <ac:spMkLst>
@@ -933,14 +693,6 @@
             <ac:spMk id="11" creationId="{0CC597A4-99A4-84BC-8999-D5D1729BB574}"/>
           </ac:spMkLst>
         </pc:spChg>
-        <pc:picChg chg="add del mod">
-          <ac:chgData name="Hahn, Phil" userId="2d5c7d3c-1ebc-4c64-a257-24a55868d9d9" providerId="ADAL" clId="{FB79AC2A-0317-4D91-91C8-9DEC31FB803B}" dt="2025-05-22T19:22:27.783" v="199" actId="478"/>
-          <ac:picMkLst>
-            <pc:docMk/>
-            <pc:sldMk cId="1983942283" sldId="541"/>
-            <ac:picMk id="4" creationId="{97E71C2B-1B5F-B1F5-C966-360A41B4EB74}"/>
-          </ac:picMkLst>
-        </pc:picChg>
         <pc:picChg chg="add mod ord modCrop">
           <ac:chgData name="Hahn, Phil" userId="2d5c7d3c-1ebc-4c64-a257-24a55868d9d9" providerId="ADAL" clId="{FB79AC2A-0317-4D91-91C8-9DEC31FB803B}" dt="2025-05-22T19:23:31.941" v="218" actId="1076"/>
           <ac:picMkLst>
@@ -956,22 +708,6 @@
           <pc:docMk/>
           <pc:sldMk cId="2381332227" sldId="542"/>
         </pc:sldMkLst>
-        <pc:spChg chg="mod">
-          <ac:chgData name="Hahn, Phil" userId="2d5c7d3c-1ebc-4c64-a257-24a55868d9d9" providerId="ADAL" clId="{FB79AC2A-0317-4D91-91C8-9DEC31FB803B}" dt="2025-05-22T19:28:28.497" v="334" actId="20577"/>
-          <ac:spMkLst>
-            <pc:docMk/>
-            <pc:sldMk cId="2381332227" sldId="542"/>
-            <ac:spMk id="5" creationId="{BB7F5A86-E13C-419C-EAA9-FFCA551F5F8D}"/>
-          </ac:spMkLst>
-        </pc:spChg>
-        <pc:picChg chg="add del mod modCrop">
-          <ac:chgData name="Hahn, Phil" userId="2d5c7d3c-1ebc-4c64-a257-24a55868d9d9" providerId="ADAL" clId="{FB79AC2A-0317-4D91-91C8-9DEC31FB803B}" dt="2025-05-22T19:29:02.770" v="343" actId="478"/>
-          <ac:picMkLst>
-            <pc:docMk/>
-            <pc:sldMk cId="2381332227" sldId="542"/>
-            <ac:picMk id="4" creationId="{716225A7-B77F-8AE6-EE3F-653C8771130F}"/>
-          </ac:picMkLst>
-        </pc:picChg>
       </pc:sldChg>
       <pc:sldChg chg="addSp delSp modSp add mod">
         <pc:chgData name="Hahn, Phil" userId="2d5c7d3c-1ebc-4c64-a257-24a55868d9d9" providerId="ADAL" clId="{FB79AC2A-0317-4D91-91C8-9DEC31FB803B}" dt="2025-05-22T19:53:27.767" v="681"/>
@@ -1027,22 +763,6 @@
             <ac:picMk id="4" creationId="{06F76040-58A6-8888-D119-CEA14F778F3F}"/>
           </ac:picMkLst>
         </pc:picChg>
-        <pc:picChg chg="del">
-          <ac:chgData name="Hahn, Phil" userId="2d5c7d3c-1ebc-4c64-a257-24a55868d9d9" providerId="ADAL" clId="{FB79AC2A-0317-4D91-91C8-9DEC31FB803B}" dt="2025-05-22T19:33:18.550" v="348" actId="478"/>
-          <ac:picMkLst>
-            <pc:docMk/>
-            <pc:sldMk cId="3990796969" sldId="542"/>
-            <ac:picMk id="10" creationId="{B479A194-5918-E46A-1A22-736F95AF138B}"/>
-          </ac:picMkLst>
-        </pc:picChg>
-        <pc:inkChg chg="add del">
-          <ac:chgData name="Hahn, Phil" userId="2d5c7d3c-1ebc-4c64-a257-24a55868d9d9" providerId="ADAL" clId="{FB79AC2A-0317-4D91-91C8-9DEC31FB803B}" dt="2025-05-22T19:53:27.767" v="681"/>
-          <ac:inkMkLst>
-            <pc:docMk/>
-            <pc:sldMk cId="3990796969" sldId="542"/>
-            <ac:inkMk id="8" creationId="{C392FD22-C39B-0194-9A05-7277B209D930}"/>
-          </ac:inkMkLst>
-        </pc:inkChg>
         <pc:inkChg chg="add">
           <ac:chgData name="Hahn, Phil" userId="2d5c7d3c-1ebc-4c64-a257-24a55868d9d9" providerId="ADAL" clId="{FB79AC2A-0317-4D91-91C8-9DEC31FB803B}" dt="2025-05-22T19:53:27.767" v="681"/>
           <ac:inkMkLst>
@@ -1066,14 +786,6 @@
             <ac:spMk id="2" creationId="{4BBA2193-89D7-B2FD-6C82-7FF7C59B0CF9}"/>
           </ac:spMkLst>
         </pc:spChg>
-        <pc:spChg chg="del">
-          <ac:chgData name="Hahn, Phil" userId="2d5c7d3c-1ebc-4c64-a257-24a55868d9d9" providerId="ADAL" clId="{FB79AC2A-0317-4D91-91C8-9DEC31FB803B}" dt="2025-05-22T19:41:38.566" v="483" actId="478"/>
-          <ac:spMkLst>
-            <pc:docMk/>
-            <pc:sldMk cId="2633461711" sldId="543"/>
-            <ac:spMk id="3" creationId="{2027407D-BE75-544B-A4C2-F625647D85D3}"/>
-          </ac:spMkLst>
-        </pc:spChg>
         <pc:picChg chg="add mod modCrop">
           <ac:chgData name="Hahn, Phil" userId="2d5c7d3c-1ebc-4c64-a257-24a55868d9d9" providerId="ADAL" clId="{FB79AC2A-0317-4D91-91C8-9DEC31FB803B}" dt="2025-05-23T20:23:17.378" v="2944" actId="1076"/>
           <ac:picMkLst>
@@ -1088,14 +800,6 @@
             <pc:docMk/>
             <pc:sldMk cId="2633461711" sldId="543"/>
             <ac:picMk id="5" creationId="{3DA5078D-6221-834A-AFB4-D988CF122E41}"/>
-          </ac:picMkLst>
-        </pc:picChg>
-        <pc:picChg chg="add del mod">
-          <ac:chgData name="Hahn, Phil" userId="2d5c7d3c-1ebc-4c64-a257-24a55868d9d9" providerId="ADAL" clId="{FB79AC2A-0317-4D91-91C8-9DEC31FB803B}" dt="2025-05-23T20:22:34.082" v="2933" actId="478"/>
-          <ac:picMkLst>
-            <pc:docMk/>
-            <pc:sldMk cId="2633461711" sldId="543"/>
-            <ac:picMk id="6" creationId="{1616D91B-CB03-4913-2275-0EC5A8CB2354}"/>
           </ac:picMkLst>
         </pc:picChg>
       </pc:sldChg>
@@ -1121,38 +825,6 @@
             <ac:spMk id="3" creationId="{FACAE2C0-5BDA-2F5E-9689-E2A062C419F4}"/>
           </ac:spMkLst>
         </pc:spChg>
-        <pc:spChg chg="del">
-          <ac:chgData name="Hahn, Phil" userId="2d5c7d3c-1ebc-4c64-a257-24a55868d9d9" providerId="ADAL" clId="{FB79AC2A-0317-4D91-91C8-9DEC31FB803B}" dt="2025-05-22T19:45:03.205" v="500" actId="478"/>
-          <ac:spMkLst>
-            <pc:docMk/>
-            <pc:sldMk cId="203590955" sldId="544"/>
-            <ac:spMk id="5" creationId="{E6DEDDB2-C3EA-8A7E-B9A9-06A5EA3136B5}"/>
-          </ac:spMkLst>
-        </pc:spChg>
-        <pc:spChg chg="del">
-          <ac:chgData name="Hahn, Phil" userId="2d5c7d3c-1ebc-4c64-a257-24a55868d9d9" providerId="ADAL" clId="{FB79AC2A-0317-4D91-91C8-9DEC31FB803B}" dt="2025-05-22T19:45:03.205" v="500" actId="478"/>
-          <ac:spMkLst>
-            <pc:docMk/>
-            <pc:sldMk cId="203590955" sldId="544"/>
-            <ac:spMk id="6" creationId="{7FAC281A-F388-7A25-7C90-049748BC4448}"/>
-          </ac:spMkLst>
-        </pc:spChg>
-        <pc:spChg chg="del">
-          <ac:chgData name="Hahn, Phil" userId="2d5c7d3c-1ebc-4c64-a257-24a55868d9d9" providerId="ADAL" clId="{FB79AC2A-0317-4D91-91C8-9DEC31FB803B}" dt="2025-05-22T19:45:03.205" v="500" actId="478"/>
-          <ac:spMkLst>
-            <pc:docMk/>
-            <pc:sldMk cId="203590955" sldId="544"/>
-            <ac:spMk id="7" creationId="{1BC08C9F-C6CF-54B0-775B-5C1A7699BCEF}"/>
-          </ac:spMkLst>
-        </pc:spChg>
-        <pc:spChg chg="del">
-          <ac:chgData name="Hahn, Phil" userId="2d5c7d3c-1ebc-4c64-a257-24a55868d9d9" providerId="ADAL" clId="{FB79AC2A-0317-4D91-91C8-9DEC31FB803B}" dt="2025-05-22T19:45:03.205" v="500" actId="478"/>
-          <ac:spMkLst>
-            <pc:docMk/>
-            <pc:sldMk cId="203590955" sldId="544"/>
-            <ac:spMk id="11" creationId="{3F8D42E0-5888-76AF-E80B-7BA735770999}"/>
-          </ac:spMkLst>
-        </pc:spChg>
         <pc:picChg chg="add mod">
           <ac:chgData name="Hahn, Phil" userId="2d5c7d3c-1ebc-4c64-a257-24a55868d9d9" providerId="ADAL" clId="{FB79AC2A-0317-4D91-91C8-9DEC31FB803B}" dt="2025-05-22T19:45:45.869" v="541" actId="1076"/>
           <ac:picMkLst>
@@ -1171,7 +843,7 @@
         </pc:picChg>
       </pc:sldChg>
       <pc:sldChg chg="addSp delSp modSp add mod">
-        <pc:chgData name="Hahn, Phil" userId="2d5c7d3c-1ebc-4c64-a257-24a55868d9d9" providerId="ADAL" clId="{FB79AC2A-0317-4D91-91C8-9DEC31FB803B}" dt="2025-05-22T20:13:52.944" v="798" actId="732"/>
+        <pc:chgData name="Hahn, Phil" userId="2d5c7d3c-1ebc-4c64-a257-24a55868d9d9" providerId="ADAL" clId="{FB79AC2A-0317-4D91-91C8-9DEC31FB803B}" dt="2025-05-27T18:41:33.424" v="3497" actId="6549"/>
         <pc:sldMkLst>
           <pc:docMk/>
           <pc:sldMk cId="1056537365" sldId="545"/>
@@ -1185,7 +857,7 @@
           </ac:spMkLst>
         </pc:spChg>
         <pc:spChg chg="mod">
-          <ac:chgData name="Hahn, Phil" userId="2d5c7d3c-1ebc-4c64-a257-24a55868d9d9" providerId="ADAL" clId="{FB79AC2A-0317-4D91-91C8-9DEC31FB803B}" dt="2025-05-22T19:51:02.235" v="648" actId="20577"/>
+          <ac:chgData name="Hahn, Phil" userId="2d5c7d3c-1ebc-4c64-a257-24a55868d9d9" providerId="ADAL" clId="{FB79AC2A-0317-4D91-91C8-9DEC31FB803B}" dt="2025-05-27T18:41:33.424" v="3497" actId="6549"/>
           <ac:spMkLst>
             <pc:docMk/>
             <pc:sldMk cId="1056537365" sldId="545"/>
@@ -1200,14 +872,6 @@
             <ac:spMk id="7" creationId="{37CED20A-93B9-0D2B-C01D-BE411DF065D4}"/>
           </ac:spMkLst>
         </pc:spChg>
-        <pc:picChg chg="del">
-          <ac:chgData name="Hahn, Phil" userId="2d5c7d3c-1ebc-4c64-a257-24a55868d9d9" providerId="ADAL" clId="{FB79AC2A-0317-4D91-91C8-9DEC31FB803B}" dt="2025-05-22T19:52:10.251" v="652" actId="478"/>
-          <ac:picMkLst>
-            <pc:docMk/>
-            <pc:sldMk cId="1056537365" sldId="545"/>
-            <ac:picMk id="4" creationId="{2DFFF326-FC9A-0A48-9E80-5042CB4AC5EF}"/>
-          </ac:picMkLst>
-        </pc:picChg>
         <pc:picChg chg="add mod ord modCrop">
           <ac:chgData name="Hahn, Phil" userId="2d5c7d3c-1ebc-4c64-a257-24a55868d9d9" providerId="ADAL" clId="{FB79AC2A-0317-4D91-91C8-9DEC31FB803B}" dt="2025-05-22T20:13:52.944" v="798" actId="732"/>
           <ac:picMkLst>
@@ -1216,14 +880,6 @@
             <ac:picMk id="8" creationId="{80F4ACC0-18ED-69DC-E6AA-E841A7335351}"/>
           </ac:picMkLst>
         </pc:picChg>
-        <pc:inkChg chg="add del">
-          <ac:chgData name="Hahn, Phil" userId="2d5c7d3c-1ebc-4c64-a257-24a55868d9d9" providerId="ADAL" clId="{FB79AC2A-0317-4D91-91C8-9DEC31FB803B}" dt="2025-05-22T19:53:33.707" v="683"/>
-          <ac:inkMkLst>
-            <pc:docMk/>
-            <pc:sldMk cId="1056537365" sldId="545"/>
-            <ac:inkMk id="9" creationId="{6CA34216-194C-8107-2769-CB29902D2082}"/>
-          </ac:inkMkLst>
-        </pc:inkChg>
         <pc:inkChg chg="add">
           <ac:chgData name="Hahn, Phil" userId="2d5c7d3c-1ebc-4c64-a257-24a55868d9d9" providerId="ADAL" clId="{FB79AC2A-0317-4D91-91C8-9DEC31FB803B}" dt="2025-05-22T19:53:33.707" v="683"/>
           <ac:inkMkLst>
@@ -1245,38 +901,6 @@
             <pc:docMk/>
             <pc:sldMk cId="2244438046" sldId="546"/>
             <ac:spMk id="2" creationId="{946F70AB-EDAA-EAF6-C5D7-0CE436158A56}"/>
-          </ac:spMkLst>
-        </pc:spChg>
-        <pc:spChg chg="del">
-          <ac:chgData name="Hahn, Phil" userId="2d5c7d3c-1ebc-4c64-a257-24a55868d9d9" providerId="ADAL" clId="{FB79AC2A-0317-4D91-91C8-9DEC31FB803B}" dt="2025-05-22T20:06:23.643" v="687" actId="478"/>
-          <ac:spMkLst>
-            <pc:docMk/>
-            <pc:sldMk cId="2244438046" sldId="546"/>
-            <ac:spMk id="5" creationId="{2BC8F5BF-59A1-362F-DE95-E2582559DEDE}"/>
-          </ac:spMkLst>
-        </pc:spChg>
-        <pc:spChg chg="del">
-          <ac:chgData name="Hahn, Phil" userId="2d5c7d3c-1ebc-4c64-a257-24a55868d9d9" providerId="ADAL" clId="{FB79AC2A-0317-4D91-91C8-9DEC31FB803B}" dt="2025-05-22T20:06:24.727" v="688" actId="478"/>
-          <ac:spMkLst>
-            <pc:docMk/>
-            <pc:sldMk cId="2244438046" sldId="546"/>
-            <ac:spMk id="6" creationId="{D56A5CF4-06D7-2A74-A9D6-6A00F534F900}"/>
-          </ac:spMkLst>
-        </pc:spChg>
-        <pc:spChg chg="del">
-          <ac:chgData name="Hahn, Phil" userId="2d5c7d3c-1ebc-4c64-a257-24a55868d9d9" providerId="ADAL" clId="{FB79AC2A-0317-4D91-91C8-9DEC31FB803B}" dt="2025-05-22T20:06:26.960" v="690" actId="478"/>
-          <ac:spMkLst>
-            <pc:docMk/>
-            <pc:sldMk cId="2244438046" sldId="546"/>
-            <ac:spMk id="7" creationId="{C3830C44-04BF-CD49-C8A4-61449C3C616D}"/>
-          </ac:spMkLst>
-        </pc:spChg>
-        <pc:spChg chg="del">
-          <ac:chgData name="Hahn, Phil" userId="2d5c7d3c-1ebc-4c64-a257-24a55868d9d9" providerId="ADAL" clId="{FB79AC2A-0317-4D91-91C8-9DEC31FB803B}" dt="2025-05-22T20:06:25.910" v="689" actId="478"/>
-          <ac:spMkLst>
-            <pc:docMk/>
-            <pc:sldMk cId="2244438046" sldId="546"/>
-            <ac:spMk id="11" creationId="{7C2C4964-180C-F5F5-6668-A28EC97801BE}"/>
           </ac:spMkLst>
         </pc:spChg>
         <pc:picChg chg="mod modCrop">
@@ -1303,14 +927,6 @@
             <ac:picMk id="13" creationId="{D70F1EC0-E464-4968-0025-5AC0D1191205}"/>
           </ac:picMkLst>
         </pc:picChg>
-        <pc:inkChg chg="add del">
-          <ac:chgData name="Hahn, Phil" userId="2d5c7d3c-1ebc-4c64-a257-24a55868d9d9" providerId="ADAL" clId="{FB79AC2A-0317-4D91-91C8-9DEC31FB803B}" dt="2025-05-22T20:06:14.391" v="686" actId="9405"/>
-          <ac:inkMkLst>
-            <pc:docMk/>
-            <pc:sldMk cId="2244438046" sldId="546"/>
-            <ac:inkMk id="3" creationId="{8555FDE7-BDD7-6FF7-9491-515BFD8A6BCD}"/>
-          </ac:inkMkLst>
-        </pc:inkChg>
       </pc:sldChg>
       <pc:sldChg chg="addSp modSp new mod modAnim">
         <pc:chgData name="Hahn, Phil" userId="2d5c7d3c-1ebc-4c64-a257-24a55868d9d9" providerId="ADAL" clId="{FB79AC2A-0317-4D91-91C8-9DEC31FB803B}" dt="2025-05-22T20:09:57.344" v="755"/>
@@ -1405,14 +1021,6 @@
             <ac:picMk id="4" creationId="{996E496F-4D0A-4599-2F68-4A8694CD99F5}"/>
           </ac:picMkLst>
         </pc:picChg>
-        <pc:picChg chg="del">
-          <ac:chgData name="Hahn, Phil" userId="2d5c7d3c-1ebc-4c64-a257-24a55868d9d9" providerId="ADAL" clId="{FB79AC2A-0317-4D91-91C8-9DEC31FB803B}" dt="2025-05-22T20:11:01.801" v="757" actId="478"/>
-          <ac:picMkLst>
-            <pc:docMk/>
-            <pc:sldMk cId="621429583" sldId="548"/>
-            <ac:picMk id="8" creationId="{C91F73F4-EFDD-ED30-3CAE-B3F87B583B43}"/>
-          </ac:picMkLst>
-        </pc:picChg>
         <pc:inkChg chg="mod">
           <ac:chgData name="Hahn, Phil" userId="2d5c7d3c-1ebc-4c64-a257-24a55868d9d9" providerId="ADAL" clId="{FB79AC2A-0317-4D91-91C8-9DEC31FB803B}" dt="2025-05-22T20:13:00.354" v="790" actId="1076"/>
           <ac:inkMkLst>
@@ -1450,22 +1058,6 @@
             <pc:docMk/>
             <pc:sldMk cId="3897968319" sldId="549"/>
             <ac:picMk id="5" creationId="{85314EF8-3D52-9A4B-C9D8-52CE3A539767}"/>
-          </ac:picMkLst>
-        </pc:picChg>
-        <pc:picChg chg="del">
-          <ac:chgData name="Hahn, Phil" userId="2d5c7d3c-1ebc-4c64-a257-24a55868d9d9" providerId="ADAL" clId="{FB79AC2A-0317-4D91-91C8-9DEC31FB803B}" dt="2025-05-22T20:38:39.168" v="1691" actId="478"/>
-          <ac:picMkLst>
-            <pc:docMk/>
-            <pc:sldMk cId="3897968319" sldId="549"/>
-            <ac:picMk id="6" creationId="{AAE20421-2853-1570-8CD3-E33151132684}"/>
-          </ac:picMkLst>
-        </pc:picChg>
-        <pc:picChg chg="del">
-          <ac:chgData name="Hahn, Phil" userId="2d5c7d3c-1ebc-4c64-a257-24a55868d9d9" providerId="ADAL" clId="{FB79AC2A-0317-4D91-91C8-9DEC31FB803B}" dt="2025-05-22T20:38:39.168" v="1691" actId="478"/>
-          <ac:picMkLst>
-            <pc:docMk/>
-            <pc:sldMk cId="3897968319" sldId="549"/>
-            <ac:picMk id="7" creationId="{719BD281-D8E1-070D-E137-C1BDEFB6122C}"/>
           </ac:picMkLst>
         </pc:picChg>
       </pc:sldChg>
@@ -1506,14 +1098,6 @@
             <ac:spMk id="2" creationId="{DAF4BCAF-5103-68F0-169A-A3820E8DAFE5}"/>
           </ac:spMkLst>
         </pc:spChg>
-        <pc:picChg chg="del">
-          <ac:chgData name="Hahn, Phil" userId="2d5c7d3c-1ebc-4c64-a257-24a55868d9d9" providerId="ADAL" clId="{FB79AC2A-0317-4D91-91C8-9DEC31FB803B}" dt="2025-05-22T20:47:54.003" v="1945" actId="478"/>
-          <ac:picMkLst>
-            <pc:docMk/>
-            <pc:sldMk cId="3685051151" sldId="551"/>
-            <ac:picMk id="4" creationId="{1D24ABCE-9184-CCA2-91D2-77F7EF619068}"/>
-          </ac:picMkLst>
-        </pc:picChg>
         <pc:picChg chg="add mod modCrop">
           <ac:chgData name="Hahn, Phil" userId="2d5c7d3c-1ebc-4c64-a257-24a55868d9d9" providerId="ADAL" clId="{FB79AC2A-0317-4D91-91C8-9DEC31FB803B}" dt="2025-05-22T20:48:37.826" v="1953" actId="1076"/>
           <ac:picMkLst>
@@ -1522,14 +1106,6 @@
             <ac:picMk id="5" creationId="{D93AA7FF-A34D-9EE8-DF6D-25FEAD7090ED}"/>
           </ac:picMkLst>
         </pc:picChg>
-        <pc:inkChg chg="add del">
-          <ac:chgData name="Hahn, Phil" userId="2d5c7d3c-1ebc-4c64-a257-24a55868d9d9" providerId="ADAL" clId="{FB79AC2A-0317-4D91-91C8-9DEC31FB803B}" dt="2025-05-22T20:48:47.436" v="1955"/>
-          <ac:inkMkLst>
-            <pc:docMk/>
-            <pc:sldMk cId="3685051151" sldId="551"/>
-            <ac:inkMk id="6" creationId="{0CAEC547-BAF4-CA71-7B88-61B02EEF3739}"/>
-          </ac:inkMkLst>
-        </pc:inkChg>
         <pc:inkChg chg="add">
           <ac:chgData name="Hahn, Phil" userId="2d5c7d3c-1ebc-4c64-a257-24a55868d9d9" providerId="ADAL" clId="{FB79AC2A-0317-4D91-91C8-9DEC31FB803B}" dt="2025-05-22T20:48:47.436" v="1955"/>
           <ac:inkMkLst>
@@ -1561,30 +1137,6 @@
             <ac:spMk id="3" creationId="{58825B33-B691-840D-F879-CA87ACE83F89}"/>
           </ac:spMkLst>
         </pc:spChg>
-        <pc:spChg chg="del">
-          <ac:chgData name="Hahn, Phil" userId="2d5c7d3c-1ebc-4c64-a257-24a55868d9d9" providerId="ADAL" clId="{FB79AC2A-0317-4D91-91C8-9DEC31FB803B}" dt="2025-05-22T20:50:22.440" v="1994" actId="478"/>
-          <ac:spMkLst>
-            <pc:docMk/>
-            <pc:sldMk cId="1959955032" sldId="552"/>
-            <ac:spMk id="5" creationId="{37102443-CFFA-9229-1456-BBEC8F2C6B36}"/>
-          </ac:spMkLst>
-        </pc:spChg>
-        <pc:picChg chg="del">
-          <ac:chgData name="Hahn, Phil" userId="2d5c7d3c-1ebc-4c64-a257-24a55868d9d9" providerId="ADAL" clId="{FB79AC2A-0317-4D91-91C8-9DEC31FB803B}" dt="2025-05-22T20:50:22.440" v="1994" actId="478"/>
-          <ac:picMkLst>
-            <pc:docMk/>
-            <pc:sldMk cId="1959955032" sldId="552"/>
-            <ac:picMk id="4" creationId="{C972179A-4B5D-0F67-A30D-A6612EBE5E50}"/>
-          </ac:picMkLst>
-        </pc:picChg>
-        <pc:inkChg chg="del">
-          <ac:chgData name="Hahn, Phil" userId="2d5c7d3c-1ebc-4c64-a257-24a55868d9d9" providerId="ADAL" clId="{FB79AC2A-0317-4D91-91C8-9DEC31FB803B}" dt="2025-05-22T20:50:24.645" v="1995" actId="478"/>
-          <ac:inkMkLst>
-            <pc:docMk/>
-            <pc:sldMk cId="1959955032" sldId="552"/>
-            <ac:inkMk id="7" creationId="{07A59DA5-F336-1881-0B71-1164D201DABA}"/>
-          </ac:inkMkLst>
-        </pc:inkChg>
       </pc:sldChg>
       <pc:sldChg chg="addSp modSp add mod ord">
         <pc:chgData name="Hahn, Phil" userId="2d5c7d3c-1ebc-4c64-a257-24a55868d9d9" providerId="ADAL" clId="{FB79AC2A-0317-4D91-91C8-9DEC31FB803B}" dt="2025-05-23T20:29:42.971" v="3120" actId="20577"/>
@@ -1598,14 +1150,6 @@
             <pc:docMk/>
             <pc:sldMk cId="1885825590" sldId="553"/>
             <ac:spMk id="3" creationId="{A52A558E-43E0-E9B1-6A84-883011522F32}"/>
-          </ac:spMkLst>
-        </pc:spChg>
-        <pc:spChg chg="add">
-          <ac:chgData name="Hahn, Phil" userId="2d5c7d3c-1ebc-4c64-a257-24a55868d9d9" providerId="ADAL" clId="{FB79AC2A-0317-4D91-91C8-9DEC31FB803B}" dt="2025-05-23T20:28:42.233" v="3018"/>
-          <ac:spMkLst>
-            <pc:docMk/>
-            <pc:sldMk cId="1885825590" sldId="553"/>
-            <ac:spMk id="4" creationId="{E611848E-1EC7-E8D9-EFAC-C898C89D8C3A}"/>
           </ac:spMkLst>
         </pc:spChg>
       </pc:sldChg>
@@ -1662,22 +1206,6 @@
           <pc:docMk/>
           <pc:sldMk cId="2706625595" sldId="555"/>
         </pc:sldMkLst>
-        <pc:spChg chg="mod">
-          <ac:chgData name="Hahn, Phil" userId="2d5c7d3c-1ebc-4c64-a257-24a55868d9d9" providerId="ADAL" clId="{FB79AC2A-0317-4D91-91C8-9DEC31FB803B}" dt="2025-05-23T18:18:18.682" v="2525" actId="20577"/>
-          <ac:spMkLst>
-            <pc:docMk/>
-            <pc:sldMk cId="2706625595" sldId="555"/>
-            <ac:spMk id="2" creationId="{D79CC1BD-C39E-DB2F-90BF-900B33D49C59}"/>
-          </ac:spMkLst>
-        </pc:spChg>
-        <pc:spChg chg="mod">
-          <ac:chgData name="Hahn, Phil" userId="2d5c7d3c-1ebc-4c64-a257-24a55868d9d9" providerId="ADAL" clId="{FB79AC2A-0317-4D91-91C8-9DEC31FB803B}" dt="2025-05-23T18:18:24.789" v="2560" actId="20577"/>
-          <ac:spMkLst>
-            <pc:docMk/>
-            <pc:sldMk cId="2706625595" sldId="555"/>
-            <ac:spMk id="3" creationId="{C2551D2D-2037-618D-4AE6-FF11B5ED33BC}"/>
-          </ac:spMkLst>
-        </pc:spChg>
       </pc:sldChg>
       <pc:sldChg chg="addSp delSp modSp new mod modClrScheme modAnim chgLayout">
         <pc:chgData name="Hahn, Phil" userId="2d5c7d3c-1ebc-4c64-a257-24a55868d9d9" providerId="ADAL" clId="{FB79AC2A-0317-4D91-91C8-9DEC31FB803B}" dt="2025-05-23T20:54:41.243" v="3484" actId="14100"/>
@@ -1691,14 +1219,6 @@
             <pc:docMk/>
             <pc:sldMk cId="4213243001" sldId="556"/>
             <ac:spMk id="2" creationId="{4387936D-FFEF-7E4C-0964-D13DC554A12D}"/>
-          </ac:spMkLst>
-        </pc:spChg>
-        <pc:spChg chg="del mod ord">
-          <ac:chgData name="Hahn, Phil" userId="2d5c7d3c-1ebc-4c64-a257-24a55868d9d9" providerId="ADAL" clId="{FB79AC2A-0317-4D91-91C8-9DEC31FB803B}" dt="2025-05-23T18:20:36.294" v="2692" actId="700"/>
-          <ac:spMkLst>
-            <pc:docMk/>
-            <pc:sldMk cId="4213243001" sldId="556"/>
-            <ac:spMk id="3" creationId="{D00EFA6F-6EE9-ABA4-58F5-571DB011C29B}"/>
           </ac:spMkLst>
         </pc:spChg>
         <pc:spChg chg="add mod ord">
@@ -1764,22 +1284,6 @@
             <ac:spMk id="2" creationId="{B756DF86-BB23-ACAD-8E72-30E5FD1CD853}"/>
           </ac:spMkLst>
         </pc:spChg>
-        <pc:spChg chg="del">
-          <ac:chgData name="Hahn, Phil" userId="2d5c7d3c-1ebc-4c64-a257-24a55868d9d9" providerId="ADAL" clId="{FB79AC2A-0317-4D91-91C8-9DEC31FB803B}" dt="2025-05-23T18:22:02.148" v="2765" actId="478"/>
-          <ac:spMkLst>
-            <pc:docMk/>
-            <pc:sldMk cId="2141947599" sldId="557"/>
-            <ac:spMk id="5" creationId="{A9131C18-DF43-F266-E73D-DA20553B7E45}"/>
-          </ac:spMkLst>
-        </pc:spChg>
-        <pc:picChg chg="del">
-          <ac:chgData name="Hahn, Phil" userId="2d5c7d3c-1ebc-4c64-a257-24a55868d9d9" providerId="ADAL" clId="{FB79AC2A-0317-4D91-91C8-9DEC31FB803B}" dt="2025-05-23T18:22:02.148" v="2765" actId="478"/>
-          <ac:picMkLst>
-            <pc:docMk/>
-            <pc:sldMk cId="2141947599" sldId="557"/>
-            <ac:picMk id="4" creationId="{3BF985B0-3566-45AE-E10E-3158A05F727B}"/>
-          </ac:picMkLst>
-        </pc:picChg>
         <pc:picChg chg="add mod modCrop">
           <ac:chgData name="Hahn, Phil" userId="2d5c7d3c-1ebc-4c64-a257-24a55868d9d9" providerId="ADAL" clId="{FB79AC2A-0317-4D91-91C8-9DEC31FB803B}" dt="2025-05-23T20:59:57.092" v="3496" actId="1076"/>
           <ac:picMkLst>
@@ -1788,14 +1292,6 @@
             <ac:picMk id="6" creationId="{6BC5908F-FCD6-3958-D86E-5B1CCAA412A9}"/>
           </ac:picMkLst>
         </pc:picChg>
-        <pc:inkChg chg="del">
-          <ac:chgData name="Hahn, Phil" userId="2d5c7d3c-1ebc-4c64-a257-24a55868d9d9" providerId="ADAL" clId="{FB79AC2A-0317-4D91-91C8-9DEC31FB803B}" dt="2025-05-23T18:22:04.548" v="2766" actId="478"/>
-          <ac:inkMkLst>
-            <pc:docMk/>
-            <pc:sldMk cId="2141947599" sldId="557"/>
-            <ac:inkMk id="7" creationId="{A7222211-39FF-DA72-E233-11657BAF4461}"/>
-          </ac:inkMkLst>
-        </pc:inkChg>
       </pc:sldChg>
       <pc:sldChg chg="new del">
         <pc:chgData name="Hahn, Phil" userId="2d5c7d3c-1ebc-4c64-a257-24a55868d9d9" providerId="ADAL" clId="{FB79AC2A-0317-4D91-91C8-9DEC31FB803B}" dt="2025-05-23T18:21:42.310" v="2753" actId="47"/>
@@ -1849,14 +1345,6 @@
             <ac:spMk id="3" creationId="{64475BF7-9542-BF22-855C-6B0642F53778}"/>
           </ac:spMkLst>
         </pc:spChg>
-        <pc:picChg chg="add del mod">
-          <ac:chgData name="Hahn, Phil" userId="2d5c7d3c-1ebc-4c64-a257-24a55868d9d9" providerId="ADAL" clId="{FB79AC2A-0317-4D91-91C8-9DEC31FB803B}" dt="2025-05-23T20:25:30.338" v="3010" actId="478"/>
-          <ac:picMkLst>
-            <pc:docMk/>
-            <pc:sldMk cId="354349290" sldId="559"/>
-            <ac:picMk id="4" creationId="{C9B82881-C3B2-7AB2-56DA-2FA117B7E4C4}"/>
-          </ac:picMkLst>
-        </pc:picChg>
       </pc:sldChg>
       <pc:sldChg chg="modSp new mod">
         <pc:chgData name="Hahn, Phil" userId="2d5c7d3c-1ebc-4c64-a257-24a55868d9d9" providerId="ADAL" clId="{FB79AC2A-0317-4D91-91C8-9DEC31FB803B}" dt="2025-05-23T18:28:06.292" v="2885" actId="20577"/>
@@ -2193,7 +1681,7 @@
           <a:p>
             <a:fld id="{22469DA4-3B52-4CB8-9E88-1F95A3904768}" type="datetimeFigureOut">
               <a:rPr lang="en-US" smtClean="0"/>
-              <a:t>5/23/2025</a:t>
+              <a:t>5/27/2025</a:t>
             </a:fld>
             <a:endParaRPr lang="en-US"/>
           </a:p>
@@ -2607,7 +2095,7 @@
           <a:p>
             <a:fld id="{E5757BFE-1739-4806-A961-FF681E2568B1}" type="datetimeFigureOut">
               <a:rPr lang="en-US" smtClean="0"/>
-              <a:t>5/23/2025</a:t>
+              <a:t>5/27/2025</a:t>
             </a:fld>
             <a:endParaRPr lang="en-US"/>
           </a:p>
@@ -2805,7 +2293,7 @@
           <a:p>
             <a:fld id="{E5757BFE-1739-4806-A961-FF681E2568B1}" type="datetimeFigureOut">
               <a:rPr lang="en-US" smtClean="0"/>
-              <a:t>5/23/2025</a:t>
+              <a:t>5/27/2025</a:t>
             </a:fld>
             <a:endParaRPr lang="en-US"/>
           </a:p>
@@ -3013,7 +2501,7 @@
           <a:p>
             <a:fld id="{E5757BFE-1739-4806-A961-FF681E2568B1}" type="datetimeFigureOut">
               <a:rPr lang="en-US" smtClean="0"/>
-              <a:t>5/23/2025</a:t>
+              <a:t>5/27/2025</a:t>
             </a:fld>
             <a:endParaRPr lang="en-US"/>
           </a:p>
@@ -3211,7 +2699,7 @@
           <a:p>
             <a:fld id="{E5757BFE-1739-4806-A961-FF681E2568B1}" type="datetimeFigureOut">
               <a:rPr lang="en-US" smtClean="0"/>
-              <a:t>5/23/2025</a:t>
+              <a:t>5/27/2025</a:t>
             </a:fld>
             <a:endParaRPr lang="en-US"/>
           </a:p>
@@ -3486,7 +2974,7 @@
           <a:p>
             <a:fld id="{E5757BFE-1739-4806-A961-FF681E2568B1}" type="datetimeFigureOut">
               <a:rPr lang="en-US" smtClean="0"/>
-              <a:t>5/23/2025</a:t>
+              <a:t>5/27/2025</a:t>
             </a:fld>
             <a:endParaRPr lang="en-US"/>
           </a:p>
@@ -3751,7 +3239,7 @@
           <a:p>
             <a:fld id="{E5757BFE-1739-4806-A961-FF681E2568B1}" type="datetimeFigureOut">
               <a:rPr lang="en-US" smtClean="0"/>
-              <a:t>5/23/2025</a:t>
+              <a:t>5/27/2025</a:t>
             </a:fld>
             <a:endParaRPr lang="en-US"/>
           </a:p>
@@ -4163,7 +3651,7 @@
           <a:p>
             <a:fld id="{E5757BFE-1739-4806-A961-FF681E2568B1}" type="datetimeFigureOut">
               <a:rPr lang="en-US" smtClean="0"/>
-              <a:t>5/23/2025</a:t>
+              <a:t>5/27/2025</a:t>
             </a:fld>
             <a:endParaRPr lang="en-US"/>
           </a:p>
@@ -4304,7 +3792,7 @@
           <a:p>
             <a:fld id="{E5757BFE-1739-4806-A961-FF681E2568B1}" type="datetimeFigureOut">
               <a:rPr lang="en-US" smtClean="0"/>
-              <a:t>5/23/2025</a:t>
+              <a:t>5/27/2025</a:t>
             </a:fld>
             <a:endParaRPr lang="en-US"/>
           </a:p>
@@ -4417,7 +3905,7 @@
           <a:p>
             <a:fld id="{E5757BFE-1739-4806-A961-FF681E2568B1}" type="datetimeFigureOut">
               <a:rPr lang="en-US" smtClean="0"/>
-              <a:t>5/23/2025</a:t>
+              <a:t>5/27/2025</a:t>
             </a:fld>
             <a:endParaRPr lang="en-US"/>
           </a:p>
@@ -4728,7 +4216,7 @@
           <a:p>
             <a:fld id="{E5757BFE-1739-4806-A961-FF681E2568B1}" type="datetimeFigureOut">
               <a:rPr lang="en-US" smtClean="0"/>
-              <a:t>5/23/2025</a:t>
+              <a:t>5/27/2025</a:t>
             </a:fld>
             <a:endParaRPr lang="en-US"/>
           </a:p>
@@ -5016,7 +4504,7 @@
           <a:p>
             <a:fld id="{E5757BFE-1739-4806-A961-FF681E2568B1}" type="datetimeFigureOut">
               <a:rPr lang="en-US" smtClean="0"/>
-              <a:t>5/23/2025</a:t>
+              <a:t>5/27/2025</a:t>
             </a:fld>
             <a:endParaRPr lang="en-US"/>
           </a:p>
@@ -5257,7 +4745,7 @@
           <a:p>
             <a:fld id="{E5757BFE-1739-4806-A961-FF681E2568B1}" type="datetimeFigureOut">
               <a:rPr lang="en-US" smtClean="0"/>
-              <a:t>5/23/2025</a:t>
+              <a:t>5/27/2025</a:t>
             </a:fld>
             <a:endParaRPr lang="en-US"/>
           </a:p>
@@ -7365,15 +6853,7 @@
             </a:r>
             <a:r>
               <a:rPr lang="en-US" sz="3200" dirty="0"/>
-              <a:t>~ Negative </a:t>
-            </a:r>
-            <a:r>
-              <a:rPr lang="en-US" sz="3200" dirty="0" err="1"/>
-              <a:t>Bionomial</a:t>
-            </a:r>
-            <a:r>
-              <a:rPr lang="en-US" sz="3200" dirty="0"/>
-              <a:t>(</a:t>
+              <a:t>~ Negative Binomial(</a:t>
             </a:r>
             <a:r>
               <a:rPr lang="el-GR" sz="3200" dirty="0"/>
